--- a/DATA STRUCTURE POWERPOINT.pptx
+++ b/DATA STRUCTURE POWERPOINT.pptx
@@ -16,6 +16,10 @@
     <p:sldId id="264" r:id="rId10"/>
     <p:sldId id="265" r:id="rId11"/>
     <p:sldId id="266" r:id="rId12"/>
+    <p:sldId id="267" r:id="rId13"/>
+    <p:sldId id="268" r:id="rId14"/>
+    <p:sldId id="269" r:id="rId15"/>
+    <p:sldId id="270" r:id="rId16"/>
   </p:sldIdLst>
   <p:sldSz cx="12192000" cy="6858000"/>
   <p:notesSz cx="6858000" cy="9144000"/>
@@ -271,7 +275,7 @@
           <a:p>
             <a:fld id="{C8913852-1940-4B5C-8AFE-B5049DC3E301}" type="datetimeFigureOut">
               <a:rPr lang="en-US" smtClean="0"/>
-              <a:t>2022-11-04</a:t>
+              <a:t>2022-11-05</a:t>
             </a:fld>
             <a:endParaRPr lang="en-US"/>
           </a:p>
@@ -471,7 +475,7 @@
           <a:p>
             <a:fld id="{C8913852-1940-4B5C-8AFE-B5049DC3E301}" type="datetimeFigureOut">
               <a:rPr lang="en-US" smtClean="0"/>
-              <a:t>2022-11-04</a:t>
+              <a:t>2022-11-05</a:t>
             </a:fld>
             <a:endParaRPr lang="en-US"/>
           </a:p>
@@ -681,7 +685,7 @@
           <a:p>
             <a:fld id="{C8913852-1940-4B5C-8AFE-B5049DC3E301}" type="datetimeFigureOut">
               <a:rPr lang="en-US" smtClean="0"/>
-              <a:t>2022-11-04</a:t>
+              <a:t>2022-11-05</a:t>
             </a:fld>
             <a:endParaRPr lang="en-US"/>
           </a:p>
@@ -881,7 +885,7 @@
           <a:p>
             <a:fld id="{C8913852-1940-4B5C-8AFE-B5049DC3E301}" type="datetimeFigureOut">
               <a:rPr lang="en-US" smtClean="0"/>
-              <a:t>2022-11-04</a:t>
+              <a:t>2022-11-05</a:t>
             </a:fld>
             <a:endParaRPr lang="en-US"/>
           </a:p>
@@ -1157,7 +1161,7 @@
           <a:p>
             <a:fld id="{C8913852-1940-4B5C-8AFE-B5049DC3E301}" type="datetimeFigureOut">
               <a:rPr lang="en-US" smtClean="0"/>
-              <a:t>2022-11-04</a:t>
+              <a:t>2022-11-05</a:t>
             </a:fld>
             <a:endParaRPr lang="en-US"/>
           </a:p>
@@ -1425,7 +1429,7 @@
           <a:p>
             <a:fld id="{C8913852-1940-4B5C-8AFE-B5049DC3E301}" type="datetimeFigureOut">
               <a:rPr lang="en-US" smtClean="0"/>
-              <a:t>2022-11-04</a:t>
+              <a:t>2022-11-05</a:t>
             </a:fld>
             <a:endParaRPr lang="en-US"/>
           </a:p>
@@ -1840,7 +1844,7 @@
           <a:p>
             <a:fld id="{C8913852-1940-4B5C-8AFE-B5049DC3E301}" type="datetimeFigureOut">
               <a:rPr lang="en-US" smtClean="0"/>
-              <a:t>2022-11-04</a:t>
+              <a:t>2022-11-05</a:t>
             </a:fld>
             <a:endParaRPr lang="en-US"/>
           </a:p>
@@ -1982,7 +1986,7 @@
           <a:p>
             <a:fld id="{C8913852-1940-4B5C-8AFE-B5049DC3E301}" type="datetimeFigureOut">
               <a:rPr lang="en-US" smtClean="0"/>
-              <a:t>2022-11-04</a:t>
+              <a:t>2022-11-05</a:t>
             </a:fld>
             <a:endParaRPr lang="en-US"/>
           </a:p>
@@ -2095,7 +2099,7 @@
           <a:p>
             <a:fld id="{C8913852-1940-4B5C-8AFE-B5049DC3E301}" type="datetimeFigureOut">
               <a:rPr lang="en-US" smtClean="0"/>
-              <a:t>2022-11-04</a:t>
+              <a:t>2022-11-05</a:t>
             </a:fld>
             <a:endParaRPr lang="en-US"/>
           </a:p>
@@ -2408,7 +2412,7 @@
           <a:p>
             <a:fld id="{C8913852-1940-4B5C-8AFE-B5049DC3E301}" type="datetimeFigureOut">
               <a:rPr lang="en-US" smtClean="0"/>
-              <a:t>2022-11-04</a:t>
+              <a:t>2022-11-05</a:t>
             </a:fld>
             <a:endParaRPr lang="en-US"/>
           </a:p>
@@ -2697,7 +2701,7 @@
           <a:p>
             <a:fld id="{C8913852-1940-4B5C-8AFE-B5049DC3E301}" type="datetimeFigureOut">
               <a:rPr lang="en-US" smtClean="0"/>
-              <a:t>2022-11-04</a:t>
+              <a:t>2022-11-05</a:t>
             </a:fld>
             <a:endParaRPr lang="en-US"/>
           </a:p>
@@ -2940,7 +2944,7 @@
           <a:p>
             <a:fld id="{C8913852-1940-4B5C-8AFE-B5049DC3E301}" type="datetimeFigureOut">
               <a:rPr lang="en-US" smtClean="0"/>
-              <a:t>2022-11-04</a:t>
+              <a:t>2022-11-05</a:t>
             </a:fld>
             <a:endParaRPr lang="en-US"/>
           </a:p>
@@ -6444,7 +6448,7 @@
           <a:p>
             <a:r>
               <a:rPr lang="ar-JO" dirty="0"/>
-              <a:t>هي نفسها اول واخر حلقة</a:t>
+              <a:t>هي نفسها أول وآخر حلقة</a:t>
             </a:r>
             <a:endParaRPr lang="en-US" dirty="0"/>
           </a:p>
@@ -6624,7 +6628,7 @@
         </p:nvSpPr>
         <p:spPr>
           <a:xfrm>
-            <a:off x="4597135" y="6384216"/>
+            <a:off x="3174725" y="6521938"/>
             <a:ext cx="2126088" cy="369332"/>
           </a:xfrm>
           <a:prstGeom prst="rect">
@@ -6639,12 +6643,8 @@
           <a:lstStyle/>
           <a:p>
             <a:r>
-              <a:rPr lang="en-US" dirty="0" err="1"/>
-              <a:t>A.insertToHead</a:t>
-            </a:r>
-            <a:r>
-              <a:rPr lang="en-US" dirty="0"/>
-              <a:t>(5);</a:t>
+              <a:rPr lang="en-US" dirty="0"/>
+              <a:t>A.insertToHead(5);</a:t>
             </a:r>
           </a:p>
         </p:txBody>
@@ -6684,6 +6684,155 @@
           </a:p>
         </p:txBody>
       </p:sp>
+      <p:sp>
+        <p:nvSpPr>
+          <p:cNvPr id="2" name="مربع نص 1">
+            <a:extLst>
+              <a:ext uri="{FF2B5EF4-FFF2-40B4-BE49-F238E27FC236}">
+                <a16:creationId xmlns:a16="http://schemas.microsoft.com/office/drawing/2014/main" id="{F94515A1-BB3B-2192-9EBF-2F1654801583}"/>
+              </a:ext>
+            </a:extLst>
+          </p:cNvPr>
+          <p:cNvSpPr txBox="1"/>
+          <p:nvPr/>
+        </p:nvSpPr>
+        <p:spPr>
+          <a:xfrm>
+            <a:off x="41136" y="210804"/>
+            <a:ext cx="2450231" cy="369332"/>
+          </a:xfrm>
+          <a:prstGeom prst="rect">
+            <a:avLst/>
+          </a:prstGeom>
+          <a:noFill/>
+        </p:spPr>
+        <p:txBody>
+          <a:bodyPr wrap="square" rtlCol="0">
+            <a:spAutoFit/>
+          </a:bodyPr>
+          <a:lstStyle/>
+          <a:p>
+            <a:pPr algn="l" rtl="0"/>
+            <a:r>
+              <a:rPr lang="en-US" dirty="0"/>
+              <a:t>Singly Linked List 01</a:t>
+            </a:r>
+          </a:p>
+        </p:txBody>
+      </p:sp>
+      <p:cxnSp>
+        <p:nvCxnSpPr>
+          <p:cNvPr id="13" name="رابط كسهم مستقيم 12">
+            <a:extLst>
+              <a:ext uri="{FF2B5EF4-FFF2-40B4-BE49-F238E27FC236}">
+                <a16:creationId xmlns:a16="http://schemas.microsoft.com/office/drawing/2014/main" id="{1E48940C-03AA-DBED-EB9B-24F9EA56B6CD}"/>
+              </a:ext>
+            </a:extLst>
+          </p:cNvPr>
+          <p:cNvCxnSpPr/>
+          <p:nvPr/>
+        </p:nvCxnSpPr>
+        <p:spPr>
+          <a:xfrm>
+            <a:off x="2733678" y="6474691"/>
+            <a:ext cx="2960255" cy="0"/>
+          </a:xfrm>
+          <a:prstGeom prst="straightConnector1">
+            <a:avLst/>
+          </a:prstGeom>
+          <a:ln>
+            <a:tailEnd type="triangle"/>
+          </a:ln>
+        </p:spPr>
+        <p:style>
+          <a:lnRef idx="1">
+            <a:schemeClr val="accent2"/>
+          </a:lnRef>
+          <a:fillRef idx="0">
+            <a:schemeClr val="accent2"/>
+          </a:fillRef>
+          <a:effectRef idx="0">
+            <a:schemeClr val="accent2"/>
+          </a:effectRef>
+          <a:fontRef idx="minor">
+            <a:schemeClr val="tx1"/>
+          </a:fontRef>
+        </p:style>
+      </p:cxnSp>
+      <p:sp>
+        <p:nvSpPr>
+          <p:cNvPr id="15" name="مربع نص 14">
+            <a:extLst>
+              <a:ext uri="{FF2B5EF4-FFF2-40B4-BE49-F238E27FC236}">
+                <a16:creationId xmlns:a16="http://schemas.microsoft.com/office/drawing/2014/main" id="{5BEFA6BC-1AA1-7B3C-9DCF-B0015268EB1E}"/>
+              </a:ext>
+            </a:extLst>
+          </p:cNvPr>
+          <p:cNvSpPr txBox="1"/>
+          <p:nvPr/>
+        </p:nvSpPr>
+        <p:spPr>
+          <a:xfrm>
+            <a:off x="7398340" y="6488668"/>
+            <a:ext cx="2126088" cy="369332"/>
+          </a:xfrm>
+          <a:prstGeom prst="rect">
+            <a:avLst/>
+          </a:prstGeom>
+          <a:noFill/>
+        </p:spPr>
+        <p:txBody>
+          <a:bodyPr wrap="square">
+            <a:spAutoFit/>
+          </a:bodyPr>
+          <a:lstStyle/>
+          <a:p>
+            <a:r>
+              <a:rPr lang="en-US" dirty="0"/>
+              <a:t>A.insertToHead(3);</a:t>
+            </a:r>
+          </a:p>
+        </p:txBody>
+      </p:sp>
+      <p:cxnSp>
+        <p:nvCxnSpPr>
+          <p:cNvPr id="28" name="رابط كسهم مستقيم 27">
+            <a:extLst>
+              <a:ext uri="{FF2B5EF4-FFF2-40B4-BE49-F238E27FC236}">
+                <a16:creationId xmlns:a16="http://schemas.microsoft.com/office/drawing/2014/main" id="{461EBEA5-A37A-D51F-A27F-475E61FF5A16}"/>
+              </a:ext>
+            </a:extLst>
+          </p:cNvPr>
+          <p:cNvCxnSpPr/>
+          <p:nvPr/>
+        </p:nvCxnSpPr>
+        <p:spPr>
+          <a:xfrm>
+            <a:off x="7241613" y="6474691"/>
+            <a:ext cx="2960255" cy="0"/>
+          </a:xfrm>
+          <a:prstGeom prst="straightConnector1">
+            <a:avLst/>
+          </a:prstGeom>
+          <a:ln>
+            <a:tailEnd type="triangle"/>
+          </a:ln>
+        </p:spPr>
+        <p:style>
+          <a:lnRef idx="1">
+            <a:schemeClr val="accent2"/>
+          </a:lnRef>
+          <a:fillRef idx="0">
+            <a:schemeClr val="accent2"/>
+          </a:fillRef>
+          <a:effectRef idx="0">
+            <a:schemeClr val="accent2"/>
+          </a:effectRef>
+          <a:fontRef idx="minor">
+            <a:schemeClr val="tx1"/>
+          </a:fontRef>
+        </p:style>
+      </p:cxnSp>
     </p:spTree>
     <p:extLst>
       <p:ext uri="{BB962C8B-B14F-4D97-AF65-F5344CB8AC3E}">
@@ -7276,14 +7425,30 @@
             <a:pPr algn="l" rtl="0"/>
             <a:r>
               <a:rPr lang="en-US" sz="1200" dirty="0"/>
-              <a:t>           nn.data= val;</a:t>
+              <a:t>           </a:t>
+            </a:r>
+            <a:r>
+              <a:rPr lang="en-US" sz="1200" dirty="0" err="1"/>
+              <a:t>nn.data</a:t>
+            </a:r>
+            <a:r>
+              <a:rPr lang="en-US" sz="1200" dirty="0"/>
+              <a:t>= val;</a:t>
             </a:r>
           </a:p>
           <a:p>
             <a:pPr algn="l" rtl="0"/>
             <a:r>
               <a:rPr lang="en-US" sz="1200" dirty="0"/>
-              <a:t>           nn.next=head;</a:t>
+              <a:t>           </a:t>
+            </a:r>
+            <a:r>
+              <a:rPr lang="en-US" sz="1200" dirty="0" err="1"/>
+              <a:t>nn.next</a:t>
+            </a:r>
+            <a:r>
+              <a:rPr lang="en-US" sz="1200" dirty="0"/>
+              <a:t>=head;</a:t>
             </a:r>
           </a:p>
           <a:p>
@@ -9082,10 +9247,7576 @@
           </a:p>
         </p:txBody>
       </p:sp>
+      <p:sp>
+        <p:nvSpPr>
+          <p:cNvPr id="2" name="مربع نص 1">
+            <a:extLst>
+              <a:ext uri="{FF2B5EF4-FFF2-40B4-BE49-F238E27FC236}">
+                <a16:creationId xmlns:a16="http://schemas.microsoft.com/office/drawing/2014/main" id="{802ECD55-5354-F5D0-ED62-28837EC19CB7}"/>
+              </a:ext>
+            </a:extLst>
+          </p:cNvPr>
+          <p:cNvSpPr txBox="1"/>
+          <p:nvPr/>
+        </p:nvSpPr>
+        <p:spPr>
+          <a:xfrm>
+            <a:off x="41136" y="210804"/>
+            <a:ext cx="2450231" cy="369332"/>
+          </a:xfrm>
+          <a:prstGeom prst="rect">
+            <a:avLst/>
+          </a:prstGeom>
+          <a:noFill/>
+        </p:spPr>
+        <p:txBody>
+          <a:bodyPr wrap="square" rtlCol="0">
+            <a:spAutoFit/>
+          </a:bodyPr>
+          <a:lstStyle/>
+          <a:p>
+            <a:pPr algn="l" rtl="0"/>
+            <a:r>
+              <a:rPr lang="en-US" dirty="0"/>
+              <a:t>Singly Linked List 01</a:t>
+            </a:r>
+          </a:p>
+        </p:txBody>
+      </p:sp>
+      <p:cxnSp>
+        <p:nvCxnSpPr>
+          <p:cNvPr id="20" name="رابط كسهم مستقيم 19">
+            <a:extLst>
+              <a:ext uri="{FF2B5EF4-FFF2-40B4-BE49-F238E27FC236}">
+                <a16:creationId xmlns:a16="http://schemas.microsoft.com/office/drawing/2014/main" id="{EB705746-732A-8303-9894-C336B93BB98D}"/>
+              </a:ext>
+            </a:extLst>
+          </p:cNvPr>
+          <p:cNvCxnSpPr/>
+          <p:nvPr/>
+        </p:nvCxnSpPr>
+        <p:spPr>
+          <a:xfrm>
+            <a:off x="4314444" y="5868782"/>
+            <a:ext cx="2225136" cy="0"/>
+          </a:xfrm>
+          <a:prstGeom prst="straightConnector1">
+            <a:avLst/>
+          </a:prstGeom>
+          <a:ln>
+            <a:tailEnd type="triangle"/>
+          </a:ln>
+        </p:spPr>
+        <p:style>
+          <a:lnRef idx="1">
+            <a:schemeClr val="accent2"/>
+          </a:lnRef>
+          <a:fillRef idx="0">
+            <a:schemeClr val="accent2"/>
+          </a:fillRef>
+          <a:effectRef idx="0">
+            <a:schemeClr val="accent2"/>
+          </a:effectRef>
+          <a:fontRef idx="minor">
+            <a:schemeClr val="tx1"/>
+          </a:fontRef>
+        </p:style>
+      </p:cxnSp>
+      <p:sp>
+        <p:nvSpPr>
+          <p:cNvPr id="23" name="مربع نص 22">
+            <a:extLst>
+              <a:ext uri="{FF2B5EF4-FFF2-40B4-BE49-F238E27FC236}">
+                <a16:creationId xmlns:a16="http://schemas.microsoft.com/office/drawing/2014/main" id="{07E37981-93F9-5900-11B0-E8018A918100}"/>
+              </a:ext>
+            </a:extLst>
+          </p:cNvPr>
+          <p:cNvSpPr txBox="1"/>
+          <p:nvPr/>
+        </p:nvSpPr>
+        <p:spPr>
+          <a:xfrm>
+            <a:off x="-37144" y="5727468"/>
+            <a:ext cx="2126088" cy="369332"/>
+          </a:xfrm>
+          <a:prstGeom prst="rect">
+            <a:avLst/>
+          </a:prstGeom>
+          <a:noFill/>
+        </p:spPr>
+        <p:txBody>
+          <a:bodyPr wrap="square">
+            <a:spAutoFit/>
+          </a:bodyPr>
+          <a:lstStyle/>
+          <a:p>
+            <a:r>
+              <a:rPr lang="en-US" dirty="0"/>
+              <a:t>A.insertToHead(3);</a:t>
+            </a:r>
+          </a:p>
+        </p:txBody>
+      </p:sp>
+      <p:sp>
+        <p:nvSpPr>
+          <p:cNvPr id="29" name="مربع نص 28">
+            <a:extLst>
+              <a:ext uri="{FF2B5EF4-FFF2-40B4-BE49-F238E27FC236}">
+                <a16:creationId xmlns:a16="http://schemas.microsoft.com/office/drawing/2014/main" id="{5A18BA55-97BF-F413-227B-93C173FA7B5D}"/>
+              </a:ext>
+            </a:extLst>
+          </p:cNvPr>
+          <p:cNvSpPr txBox="1"/>
+          <p:nvPr/>
+        </p:nvSpPr>
+        <p:spPr>
+          <a:xfrm>
+            <a:off x="4363968" y="5940164"/>
+            <a:ext cx="2126088" cy="369332"/>
+          </a:xfrm>
+          <a:prstGeom prst="rect">
+            <a:avLst/>
+          </a:prstGeom>
+          <a:noFill/>
+        </p:spPr>
+        <p:txBody>
+          <a:bodyPr wrap="square">
+            <a:spAutoFit/>
+          </a:bodyPr>
+          <a:lstStyle/>
+          <a:p>
+            <a:r>
+              <a:rPr lang="en-US" dirty="0"/>
+              <a:t>A.insertToHead(10);</a:t>
+            </a:r>
+          </a:p>
+        </p:txBody>
+      </p:sp>
     </p:spTree>
     <p:extLst>
       <p:ext uri="{BB962C8B-B14F-4D97-AF65-F5344CB8AC3E}">
         <p14:creationId xmlns:p14="http://schemas.microsoft.com/office/powerpoint/2010/main" val="268966954"/>
+      </p:ext>
+    </p:extLst>
+  </p:cSld>
+  <p:clrMapOvr>
+    <a:masterClrMapping/>
+  </p:clrMapOvr>
+</p:sld>
+</file>
+
+<file path=ppt/slides/slide12.xml><?xml version="1.0" encoding="utf-8"?>
+<p:sld xmlns:a="http://schemas.openxmlformats.org/drawingml/2006/main" xmlns:r="http://schemas.openxmlformats.org/officeDocument/2006/relationships" xmlns:p="http://schemas.openxmlformats.org/presentationml/2006/main">
+  <p:cSld>
+    <p:spTree>
+      <p:nvGrpSpPr>
+        <p:cNvPr id="1" name=""/>
+        <p:cNvGrpSpPr/>
+        <p:nvPr/>
+      </p:nvGrpSpPr>
+      <p:grpSpPr>
+        <a:xfrm>
+          <a:off x="0" y="0"/>
+          <a:ext cx="0" cy="0"/>
+          <a:chOff x="0" y="0"/>
+          <a:chExt cx="0" cy="0"/>
+        </a:xfrm>
+      </p:grpSpPr>
+      <p:sp>
+        <p:nvSpPr>
+          <p:cNvPr id="4" name="مربع نص 3">
+            <a:extLst>
+              <a:ext uri="{FF2B5EF4-FFF2-40B4-BE49-F238E27FC236}">
+                <a16:creationId xmlns:a16="http://schemas.microsoft.com/office/drawing/2014/main" id="{94605B0B-B647-5424-1DF5-2AA5C6E8E01A}"/>
+              </a:ext>
+            </a:extLst>
+          </p:cNvPr>
+          <p:cNvSpPr txBox="1"/>
+          <p:nvPr/>
+        </p:nvSpPr>
+        <p:spPr>
+          <a:xfrm>
+            <a:off x="41136" y="210804"/>
+            <a:ext cx="2450231" cy="369332"/>
+          </a:xfrm>
+          <a:prstGeom prst="rect">
+            <a:avLst/>
+          </a:prstGeom>
+          <a:noFill/>
+        </p:spPr>
+        <p:txBody>
+          <a:bodyPr wrap="square" rtlCol="0">
+            <a:spAutoFit/>
+          </a:bodyPr>
+          <a:lstStyle/>
+          <a:p>
+            <a:pPr algn="l" rtl="0"/>
+            <a:r>
+              <a:rPr lang="en-US" dirty="0"/>
+              <a:t>Singly Linked List 02</a:t>
+            </a:r>
+          </a:p>
+        </p:txBody>
+      </p:sp>
+      <p:sp>
+        <p:nvSpPr>
+          <p:cNvPr id="5" name="مستطيل 4">
+            <a:extLst>
+              <a:ext uri="{FF2B5EF4-FFF2-40B4-BE49-F238E27FC236}">
+                <a16:creationId xmlns:a16="http://schemas.microsoft.com/office/drawing/2014/main" id="{C93C68AF-65F0-24A4-928F-B9112536515E}"/>
+              </a:ext>
+            </a:extLst>
+          </p:cNvPr>
+          <p:cNvSpPr/>
+          <p:nvPr/>
+        </p:nvSpPr>
+        <p:spPr>
+          <a:xfrm>
+            <a:off x="2595419" y="967509"/>
+            <a:ext cx="5516839" cy="4922982"/>
+          </a:xfrm>
+          <a:prstGeom prst="rect">
+            <a:avLst/>
+          </a:prstGeom>
+          <a:noFill/>
+        </p:spPr>
+        <p:style>
+          <a:lnRef idx="2">
+            <a:schemeClr val="accent1">
+              <a:shade val="50000"/>
+            </a:schemeClr>
+          </a:lnRef>
+          <a:fillRef idx="1">
+            <a:schemeClr val="accent1"/>
+          </a:fillRef>
+          <a:effectRef idx="0">
+            <a:schemeClr val="accent1"/>
+          </a:effectRef>
+          <a:fontRef idx="minor">
+            <a:schemeClr val="lt1"/>
+          </a:fontRef>
+        </p:style>
+        <p:txBody>
+          <a:bodyPr rtlCol="0" anchor="ctr"/>
+          <a:lstStyle/>
+          <a:p>
+            <a:pPr algn="ctr"/>
+            <a:endParaRPr lang="en-US"/>
+          </a:p>
+        </p:txBody>
+      </p:sp>
+      <p:sp>
+        <p:nvSpPr>
+          <p:cNvPr id="6" name="مربع نص 5">
+            <a:extLst>
+              <a:ext uri="{FF2B5EF4-FFF2-40B4-BE49-F238E27FC236}">
+                <a16:creationId xmlns:a16="http://schemas.microsoft.com/office/drawing/2014/main" id="{BE5ACCE4-2C77-9212-957B-B610AA730050}"/>
+              </a:ext>
+            </a:extLst>
+          </p:cNvPr>
+          <p:cNvSpPr txBox="1"/>
+          <p:nvPr/>
+        </p:nvSpPr>
+        <p:spPr>
+          <a:xfrm>
+            <a:off x="7011130" y="1745355"/>
+            <a:ext cx="983613" cy="369332"/>
+          </a:xfrm>
+          <a:prstGeom prst="rect">
+            <a:avLst/>
+          </a:prstGeom>
+          <a:noFill/>
+        </p:spPr>
+        <p:txBody>
+          <a:bodyPr wrap="square" rtlCol="0">
+            <a:spAutoFit/>
+          </a:bodyPr>
+          <a:lstStyle/>
+          <a:p>
+            <a:pPr algn="l" rtl="0"/>
+            <a:r>
+              <a:rPr lang="en-US" dirty="0"/>
+              <a:t>nn</a:t>
+            </a:r>
+          </a:p>
+        </p:txBody>
+      </p:sp>
+      <p:sp>
+        <p:nvSpPr>
+          <p:cNvPr id="7" name="مربع نص 6">
+            <a:extLst>
+              <a:ext uri="{FF2B5EF4-FFF2-40B4-BE49-F238E27FC236}">
+                <a16:creationId xmlns:a16="http://schemas.microsoft.com/office/drawing/2014/main" id="{F342F689-5632-E9C6-49AE-AD53B150237F}"/>
+              </a:ext>
+            </a:extLst>
+          </p:cNvPr>
+          <p:cNvSpPr txBox="1"/>
+          <p:nvPr/>
+        </p:nvSpPr>
+        <p:spPr>
+          <a:xfrm>
+            <a:off x="5863652" y="1408564"/>
+            <a:ext cx="525080" cy="369332"/>
+          </a:xfrm>
+          <a:prstGeom prst="rect">
+            <a:avLst/>
+          </a:prstGeom>
+          <a:noFill/>
+        </p:spPr>
+        <p:txBody>
+          <a:bodyPr wrap="square" rtlCol="0">
+            <a:spAutoFit/>
+          </a:bodyPr>
+          <a:lstStyle/>
+          <a:p>
+            <a:pPr algn="l" rtl="0"/>
+            <a:r>
+              <a:rPr lang="en-US" dirty="0"/>
+              <a:t>Tail</a:t>
+            </a:r>
+          </a:p>
+        </p:txBody>
+      </p:sp>
+      <p:sp>
+        <p:nvSpPr>
+          <p:cNvPr id="8" name="مربع نص 7">
+            <a:extLst>
+              <a:ext uri="{FF2B5EF4-FFF2-40B4-BE49-F238E27FC236}">
+                <a16:creationId xmlns:a16="http://schemas.microsoft.com/office/drawing/2014/main" id="{720729A0-F1AC-0FB7-F14A-0CDEE1554586}"/>
+              </a:ext>
+            </a:extLst>
+          </p:cNvPr>
+          <p:cNvSpPr txBox="1"/>
+          <p:nvPr/>
+        </p:nvSpPr>
+        <p:spPr>
+          <a:xfrm>
+            <a:off x="3025146" y="4416173"/>
+            <a:ext cx="1377057" cy="369332"/>
+          </a:xfrm>
+          <a:prstGeom prst="rect">
+            <a:avLst/>
+          </a:prstGeom>
+          <a:noFill/>
+        </p:spPr>
+        <p:txBody>
+          <a:bodyPr wrap="square" rtlCol="0">
+            <a:spAutoFit/>
+          </a:bodyPr>
+          <a:lstStyle/>
+          <a:p>
+            <a:pPr algn="l" rtl="0"/>
+            <a:r>
+              <a:rPr lang="en-US" dirty="0"/>
+              <a:t>Count = 4</a:t>
+            </a:r>
+          </a:p>
+        </p:txBody>
+      </p:sp>
+      <p:sp>
+        <p:nvSpPr>
+          <p:cNvPr id="9" name="مربع نص 8">
+            <a:extLst>
+              <a:ext uri="{FF2B5EF4-FFF2-40B4-BE49-F238E27FC236}">
+                <a16:creationId xmlns:a16="http://schemas.microsoft.com/office/drawing/2014/main" id="{B89C5775-8785-8C51-F174-CC65D29F01CB}"/>
+              </a:ext>
+            </a:extLst>
+          </p:cNvPr>
+          <p:cNvSpPr txBox="1"/>
+          <p:nvPr/>
+        </p:nvSpPr>
+        <p:spPr>
+          <a:xfrm>
+            <a:off x="6961530" y="1611916"/>
+            <a:ext cx="566562" cy="307777"/>
+          </a:xfrm>
+          <a:prstGeom prst="rect">
+            <a:avLst/>
+          </a:prstGeom>
+          <a:noFill/>
+        </p:spPr>
+        <p:txBody>
+          <a:bodyPr wrap="square" rtlCol="0">
+            <a:spAutoFit/>
+          </a:bodyPr>
+          <a:lstStyle/>
+          <a:p>
+            <a:r>
+              <a:rPr lang="en-US" sz="1400" dirty="0">
+                <a:solidFill>
+                  <a:srgbClr val="FF0000"/>
+                </a:solidFill>
+              </a:rPr>
+              <a:t>node</a:t>
+            </a:r>
+          </a:p>
+        </p:txBody>
+      </p:sp>
+      <p:sp>
+        <p:nvSpPr>
+          <p:cNvPr id="11" name="مربع نص 10">
+            <a:extLst>
+              <a:ext uri="{FF2B5EF4-FFF2-40B4-BE49-F238E27FC236}">
+                <a16:creationId xmlns:a16="http://schemas.microsoft.com/office/drawing/2014/main" id="{80AD9908-D9EC-B904-AFF7-A17453B4C6BA}"/>
+              </a:ext>
+            </a:extLst>
+          </p:cNvPr>
+          <p:cNvSpPr txBox="1"/>
+          <p:nvPr/>
+        </p:nvSpPr>
+        <p:spPr>
+          <a:xfrm>
+            <a:off x="3178129" y="4219107"/>
+            <a:ext cx="566562" cy="307777"/>
+          </a:xfrm>
+          <a:prstGeom prst="rect">
+            <a:avLst/>
+          </a:prstGeom>
+          <a:noFill/>
+        </p:spPr>
+        <p:txBody>
+          <a:bodyPr wrap="square" rtlCol="0">
+            <a:spAutoFit/>
+          </a:bodyPr>
+          <a:lstStyle/>
+          <a:p>
+            <a:r>
+              <a:rPr lang="en-US" sz="1400" dirty="0">
+                <a:solidFill>
+                  <a:srgbClr val="FF0000"/>
+                </a:solidFill>
+              </a:rPr>
+              <a:t>int</a:t>
+            </a:r>
+          </a:p>
+        </p:txBody>
+      </p:sp>
+      <p:sp>
+        <p:nvSpPr>
+          <p:cNvPr id="12" name="مربع نص 11">
+            <a:extLst>
+              <a:ext uri="{FF2B5EF4-FFF2-40B4-BE49-F238E27FC236}">
+                <a16:creationId xmlns:a16="http://schemas.microsoft.com/office/drawing/2014/main" id="{1B86C61D-273A-8BDE-8C16-135DC9683D0E}"/>
+              </a:ext>
+            </a:extLst>
+          </p:cNvPr>
+          <p:cNvSpPr txBox="1"/>
+          <p:nvPr/>
+        </p:nvSpPr>
+        <p:spPr>
+          <a:xfrm>
+            <a:off x="7449736" y="2555759"/>
+            <a:ext cx="662522" cy="369332"/>
+          </a:xfrm>
+          <a:prstGeom prst="rect">
+            <a:avLst/>
+          </a:prstGeom>
+          <a:noFill/>
+        </p:spPr>
+        <p:txBody>
+          <a:bodyPr wrap="square" rtlCol="0">
+            <a:spAutoFit/>
+          </a:bodyPr>
+          <a:lstStyle/>
+          <a:p>
+            <a:pPr algn="l" rtl="0"/>
+            <a:r>
+              <a:rPr lang="en-US" dirty="0"/>
+              <a:t>null</a:t>
+            </a:r>
+          </a:p>
+        </p:txBody>
+      </p:sp>
+      <p:cxnSp>
+        <p:nvCxnSpPr>
+          <p:cNvPr id="13" name="رابط كسهم مستقيم 12">
+            <a:extLst>
+              <a:ext uri="{FF2B5EF4-FFF2-40B4-BE49-F238E27FC236}">
+                <a16:creationId xmlns:a16="http://schemas.microsoft.com/office/drawing/2014/main" id="{24223DF6-1BE5-7F3C-E144-0FC49D3786F4}"/>
+              </a:ext>
+            </a:extLst>
+          </p:cNvPr>
+          <p:cNvCxnSpPr>
+            <a:cxnSpLocks/>
+          </p:cNvCxnSpPr>
+          <p:nvPr/>
+        </p:nvCxnSpPr>
+        <p:spPr>
+          <a:xfrm>
+            <a:off x="3109012" y="1879545"/>
+            <a:ext cx="274783" cy="355661"/>
+          </a:xfrm>
+          <a:prstGeom prst="straightConnector1">
+            <a:avLst/>
+          </a:prstGeom>
+          <a:ln>
+            <a:tailEnd type="triangle"/>
+          </a:ln>
+        </p:spPr>
+        <p:style>
+          <a:lnRef idx="1">
+            <a:schemeClr val="accent5"/>
+          </a:lnRef>
+          <a:fillRef idx="0">
+            <a:schemeClr val="accent5"/>
+          </a:fillRef>
+          <a:effectRef idx="0">
+            <a:schemeClr val="accent5"/>
+          </a:effectRef>
+          <a:fontRef idx="minor">
+            <a:schemeClr val="tx1"/>
+          </a:fontRef>
+        </p:style>
+      </p:cxnSp>
+      <p:cxnSp>
+        <p:nvCxnSpPr>
+          <p:cNvPr id="14" name="رابط كسهم مستقيم 13">
+            <a:extLst>
+              <a:ext uri="{FF2B5EF4-FFF2-40B4-BE49-F238E27FC236}">
+                <a16:creationId xmlns:a16="http://schemas.microsoft.com/office/drawing/2014/main" id="{004EB665-9488-1CD2-15EB-C28AFCAD18BE}"/>
+              </a:ext>
+            </a:extLst>
+          </p:cNvPr>
+          <p:cNvCxnSpPr>
+            <a:cxnSpLocks/>
+          </p:cNvCxnSpPr>
+          <p:nvPr/>
+        </p:nvCxnSpPr>
+        <p:spPr>
+          <a:xfrm flipH="1">
+            <a:off x="5764076" y="1797640"/>
+            <a:ext cx="250300" cy="490069"/>
+          </a:xfrm>
+          <a:prstGeom prst="straightConnector1">
+            <a:avLst/>
+          </a:prstGeom>
+          <a:ln>
+            <a:tailEnd type="triangle"/>
+          </a:ln>
+        </p:spPr>
+        <p:style>
+          <a:lnRef idx="1">
+            <a:schemeClr val="accent2"/>
+          </a:lnRef>
+          <a:fillRef idx="0">
+            <a:schemeClr val="accent2"/>
+          </a:fillRef>
+          <a:effectRef idx="0">
+            <a:schemeClr val="accent2"/>
+          </a:effectRef>
+          <a:fontRef idx="minor">
+            <a:schemeClr val="tx1"/>
+          </a:fontRef>
+        </p:style>
+      </p:cxnSp>
+      <p:sp>
+        <p:nvSpPr>
+          <p:cNvPr id="15" name="مستطيل 14">
+            <a:extLst>
+              <a:ext uri="{FF2B5EF4-FFF2-40B4-BE49-F238E27FC236}">
+                <a16:creationId xmlns:a16="http://schemas.microsoft.com/office/drawing/2014/main" id="{1F224381-76BE-D481-9D63-96F22EB8A218}"/>
+              </a:ext>
+            </a:extLst>
+          </p:cNvPr>
+          <p:cNvSpPr/>
+          <p:nvPr/>
+        </p:nvSpPr>
+        <p:spPr>
+          <a:xfrm>
+            <a:off x="3241789" y="2334194"/>
+            <a:ext cx="566561" cy="1468582"/>
+          </a:xfrm>
+          <a:prstGeom prst="rect">
+            <a:avLst/>
+          </a:prstGeom>
+          <a:solidFill>
+            <a:schemeClr val="bg1"/>
+          </a:solidFill>
+        </p:spPr>
+        <p:style>
+          <a:lnRef idx="2">
+            <a:schemeClr val="accent1">
+              <a:shade val="50000"/>
+            </a:schemeClr>
+          </a:lnRef>
+          <a:fillRef idx="1">
+            <a:schemeClr val="accent1"/>
+          </a:fillRef>
+          <a:effectRef idx="0">
+            <a:schemeClr val="accent1"/>
+          </a:effectRef>
+          <a:fontRef idx="minor">
+            <a:schemeClr val="lt1"/>
+          </a:fontRef>
+        </p:style>
+        <p:txBody>
+          <a:bodyPr rtlCol="0" anchor="ctr"/>
+          <a:lstStyle/>
+          <a:p>
+            <a:pPr algn="ctr"/>
+            <a:endParaRPr lang="en-US" dirty="0"/>
+          </a:p>
+        </p:txBody>
+      </p:sp>
+      <p:cxnSp>
+        <p:nvCxnSpPr>
+          <p:cNvPr id="16" name="رابط مستقيم 15">
+            <a:extLst>
+              <a:ext uri="{FF2B5EF4-FFF2-40B4-BE49-F238E27FC236}">
+                <a16:creationId xmlns:a16="http://schemas.microsoft.com/office/drawing/2014/main" id="{B0F14867-15F7-E86E-3128-36FD3732B02A}"/>
+              </a:ext>
+            </a:extLst>
+          </p:cNvPr>
+          <p:cNvCxnSpPr>
+            <a:stCxn id="15" idx="1"/>
+            <a:endCxn id="15" idx="3"/>
+          </p:cNvCxnSpPr>
+          <p:nvPr/>
+        </p:nvCxnSpPr>
+        <p:spPr>
+          <a:xfrm>
+            <a:off x="3241789" y="3068485"/>
+            <a:ext cx="566561" cy="0"/>
+          </a:xfrm>
+          <a:prstGeom prst="line">
+            <a:avLst/>
+          </a:prstGeom>
+        </p:spPr>
+        <p:style>
+          <a:lnRef idx="1">
+            <a:schemeClr val="accent1"/>
+          </a:lnRef>
+          <a:fillRef idx="0">
+            <a:schemeClr val="accent1"/>
+          </a:fillRef>
+          <a:effectRef idx="0">
+            <a:schemeClr val="accent1"/>
+          </a:effectRef>
+          <a:fontRef idx="minor">
+            <a:schemeClr val="tx1"/>
+          </a:fontRef>
+        </p:style>
+      </p:cxnSp>
+      <p:sp>
+        <p:nvSpPr>
+          <p:cNvPr id="17" name="مربع نص 16">
+            <a:extLst>
+              <a:ext uri="{FF2B5EF4-FFF2-40B4-BE49-F238E27FC236}">
+                <a16:creationId xmlns:a16="http://schemas.microsoft.com/office/drawing/2014/main" id="{FEB9492E-C98D-E07E-25DC-884E9310EB88}"/>
+              </a:ext>
+            </a:extLst>
+          </p:cNvPr>
+          <p:cNvSpPr txBox="1"/>
+          <p:nvPr/>
+        </p:nvSpPr>
+        <p:spPr>
+          <a:xfrm>
+            <a:off x="3235150" y="2289349"/>
+            <a:ext cx="498199" cy="369332"/>
+          </a:xfrm>
+          <a:prstGeom prst="rect">
+            <a:avLst/>
+          </a:prstGeom>
+          <a:noFill/>
+        </p:spPr>
+        <p:txBody>
+          <a:bodyPr wrap="square" rtlCol="0">
+            <a:spAutoFit/>
+          </a:bodyPr>
+          <a:lstStyle/>
+          <a:p>
+            <a:r>
+              <a:rPr lang="en-US" dirty="0"/>
+              <a:t>val</a:t>
+            </a:r>
+          </a:p>
+        </p:txBody>
+      </p:sp>
+      <p:sp>
+        <p:nvSpPr>
+          <p:cNvPr id="19" name="مربع نص 18">
+            <a:extLst>
+              <a:ext uri="{FF2B5EF4-FFF2-40B4-BE49-F238E27FC236}">
+                <a16:creationId xmlns:a16="http://schemas.microsoft.com/office/drawing/2014/main" id="{9E69D327-B94E-6B96-CAC0-FD1DA7E06C52}"/>
+              </a:ext>
+            </a:extLst>
+          </p:cNvPr>
+          <p:cNvSpPr txBox="1"/>
+          <p:nvPr/>
+        </p:nvSpPr>
+        <p:spPr>
+          <a:xfrm>
+            <a:off x="3287687" y="2657809"/>
+            <a:ext cx="461651" cy="369332"/>
+          </a:xfrm>
+          <a:prstGeom prst="rect">
+            <a:avLst/>
+          </a:prstGeom>
+          <a:noFill/>
+        </p:spPr>
+        <p:txBody>
+          <a:bodyPr wrap="square" rtlCol="0">
+            <a:spAutoFit/>
+          </a:bodyPr>
+          <a:lstStyle/>
+          <a:p>
+            <a:r>
+              <a:rPr lang="en-US" dirty="0"/>
+              <a:t>10</a:t>
+            </a:r>
+          </a:p>
+        </p:txBody>
+      </p:sp>
+      <p:sp>
+        <p:nvSpPr>
+          <p:cNvPr id="20" name="مستطيل 19">
+            <a:extLst>
+              <a:ext uri="{FF2B5EF4-FFF2-40B4-BE49-F238E27FC236}">
+                <a16:creationId xmlns:a16="http://schemas.microsoft.com/office/drawing/2014/main" id="{486F901A-B789-1D61-681C-BD8F3D2E971C}"/>
+              </a:ext>
+            </a:extLst>
+          </p:cNvPr>
+          <p:cNvSpPr/>
+          <p:nvPr/>
+        </p:nvSpPr>
+        <p:spPr>
+          <a:xfrm>
+            <a:off x="5480795" y="2363152"/>
+            <a:ext cx="566561" cy="1468582"/>
+          </a:xfrm>
+          <a:prstGeom prst="rect">
+            <a:avLst/>
+          </a:prstGeom>
+          <a:solidFill>
+            <a:schemeClr val="bg1"/>
+          </a:solidFill>
+        </p:spPr>
+        <p:style>
+          <a:lnRef idx="2">
+            <a:schemeClr val="accent1">
+              <a:shade val="50000"/>
+            </a:schemeClr>
+          </a:lnRef>
+          <a:fillRef idx="1">
+            <a:schemeClr val="accent1"/>
+          </a:fillRef>
+          <a:effectRef idx="0">
+            <a:schemeClr val="accent1"/>
+          </a:effectRef>
+          <a:fontRef idx="minor">
+            <a:schemeClr val="lt1"/>
+          </a:fontRef>
+        </p:style>
+        <p:txBody>
+          <a:bodyPr rtlCol="0" anchor="ctr"/>
+          <a:lstStyle/>
+          <a:p>
+            <a:pPr algn="ctr"/>
+            <a:endParaRPr lang="en-US" dirty="0"/>
+          </a:p>
+        </p:txBody>
+      </p:sp>
+      <p:cxnSp>
+        <p:nvCxnSpPr>
+          <p:cNvPr id="21" name="رابط مستقيم 20">
+            <a:extLst>
+              <a:ext uri="{FF2B5EF4-FFF2-40B4-BE49-F238E27FC236}">
+                <a16:creationId xmlns:a16="http://schemas.microsoft.com/office/drawing/2014/main" id="{18C1C6B2-E3D3-58E4-475D-EF77C5720CAA}"/>
+              </a:ext>
+            </a:extLst>
+          </p:cNvPr>
+          <p:cNvCxnSpPr>
+            <a:stCxn id="20" idx="1"/>
+            <a:endCxn id="20" idx="3"/>
+          </p:cNvCxnSpPr>
+          <p:nvPr/>
+        </p:nvCxnSpPr>
+        <p:spPr>
+          <a:xfrm>
+            <a:off x="5480795" y="3097443"/>
+            <a:ext cx="566561" cy="0"/>
+          </a:xfrm>
+          <a:prstGeom prst="line">
+            <a:avLst/>
+          </a:prstGeom>
+        </p:spPr>
+        <p:style>
+          <a:lnRef idx="1">
+            <a:schemeClr val="accent1"/>
+          </a:lnRef>
+          <a:fillRef idx="0">
+            <a:schemeClr val="accent1"/>
+          </a:fillRef>
+          <a:effectRef idx="0">
+            <a:schemeClr val="accent1"/>
+          </a:effectRef>
+          <a:fontRef idx="minor">
+            <a:schemeClr val="tx1"/>
+          </a:fontRef>
+        </p:style>
+      </p:cxnSp>
+      <p:sp>
+        <p:nvSpPr>
+          <p:cNvPr id="22" name="مربع نص 21">
+            <a:extLst>
+              <a:ext uri="{FF2B5EF4-FFF2-40B4-BE49-F238E27FC236}">
+                <a16:creationId xmlns:a16="http://schemas.microsoft.com/office/drawing/2014/main" id="{3FBB5532-4508-5147-B79B-49E938E86D35}"/>
+              </a:ext>
+            </a:extLst>
+          </p:cNvPr>
+          <p:cNvSpPr txBox="1"/>
+          <p:nvPr/>
+        </p:nvSpPr>
+        <p:spPr>
+          <a:xfrm>
+            <a:off x="5474156" y="2318307"/>
+            <a:ext cx="498199" cy="369332"/>
+          </a:xfrm>
+          <a:prstGeom prst="rect">
+            <a:avLst/>
+          </a:prstGeom>
+          <a:noFill/>
+        </p:spPr>
+        <p:txBody>
+          <a:bodyPr wrap="square" rtlCol="0">
+            <a:spAutoFit/>
+          </a:bodyPr>
+          <a:lstStyle/>
+          <a:p>
+            <a:r>
+              <a:rPr lang="en-US" dirty="0"/>
+              <a:t>val</a:t>
+            </a:r>
+          </a:p>
+        </p:txBody>
+      </p:sp>
+      <p:sp>
+        <p:nvSpPr>
+          <p:cNvPr id="23" name="مربع نص 22">
+            <a:extLst>
+              <a:ext uri="{FF2B5EF4-FFF2-40B4-BE49-F238E27FC236}">
+                <a16:creationId xmlns:a16="http://schemas.microsoft.com/office/drawing/2014/main" id="{86A0F5C0-3DB7-B53A-C7D3-52F7FA0102D6}"/>
+              </a:ext>
+            </a:extLst>
+          </p:cNvPr>
+          <p:cNvSpPr txBox="1"/>
+          <p:nvPr/>
+        </p:nvSpPr>
+        <p:spPr>
+          <a:xfrm>
+            <a:off x="5693099" y="2652668"/>
+            <a:ext cx="206309" cy="369332"/>
+          </a:xfrm>
+          <a:prstGeom prst="rect">
+            <a:avLst/>
+          </a:prstGeom>
+          <a:noFill/>
+        </p:spPr>
+        <p:txBody>
+          <a:bodyPr wrap="square" rtlCol="0">
+            <a:spAutoFit/>
+          </a:bodyPr>
+          <a:lstStyle/>
+          <a:p>
+            <a:r>
+              <a:rPr lang="en-US" dirty="0"/>
+              <a:t>5</a:t>
+            </a:r>
+          </a:p>
+        </p:txBody>
+      </p:sp>
+      <p:sp>
+        <p:nvSpPr>
+          <p:cNvPr id="24" name="مربع نص 23">
+            <a:extLst>
+              <a:ext uri="{FF2B5EF4-FFF2-40B4-BE49-F238E27FC236}">
+                <a16:creationId xmlns:a16="http://schemas.microsoft.com/office/drawing/2014/main" id="{092D3C05-38D6-2173-A0C1-86E7538A5F1F}"/>
+              </a:ext>
+            </a:extLst>
+          </p:cNvPr>
+          <p:cNvSpPr txBox="1"/>
+          <p:nvPr/>
+        </p:nvSpPr>
+        <p:spPr>
+          <a:xfrm>
+            <a:off x="2714443" y="1498580"/>
+            <a:ext cx="983613" cy="369332"/>
+          </a:xfrm>
+          <a:prstGeom prst="rect">
+            <a:avLst/>
+          </a:prstGeom>
+          <a:noFill/>
+        </p:spPr>
+        <p:txBody>
+          <a:bodyPr wrap="square" rtlCol="0">
+            <a:spAutoFit/>
+          </a:bodyPr>
+          <a:lstStyle/>
+          <a:p>
+            <a:pPr algn="l" rtl="0"/>
+            <a:r>
+              <a:rPr lang="en-US" dirty="0"/>
+              <a:t>Head</a:t>
+            </a:r>
+          </a:p>
+        </p:txBody>
+      </p:sp>
+      <p:cxnSp>
+        <p:nvCxnSpPr>
+          <p:cNvPr id="26" name="رابط كسهم مستقيم 25">
+            <a:extLst>
+              <a:ext uri="{FF2B5EF4-FFF2-40B4-BE49-F238E27FC236}">
+                <a16:creationId xmlns:a16="http://schemas.microsoft.com/office/drawing/2014/main" id="{6C5C384B-B907-0D7B-0474-2727315CDC21}"/>
+              </a:ext>
+            </a:extLst>
+          </p:cNvPr>
+          <p:cNvCxnSpPr>
+            <a:cxnSpLocks/>
+          </p:cNvCxnSpPr>
+          <p:nvPr/>
+        </p:nvCxnSpPr>
+        <p:spPr>
+          <a:xfrm flipV="1">
+            <a:off x="6043763" y="2883819"/>
+            <a:ext cx="457662" cy="664861"/>
+          </a:xfrm>
+          <a:prstGeom prst="straightConnector1">
+            <a:avLst/>
+          </a:prstGeom>
+          <a:ln>
+            <a:tailEnd type="triangle"/>
+          </a:ln>
+        </p:spPr>
+        <p:style>
+          <a:lnRef idx="1">
+            <a:schemeClr val="accent1"/>
+          </a:lnRef>
+          <a:fillRef idx="0">
+            <a:schemeClr val="accent1"/>
+          </a:fillRef>
+          <a:effectRef idx="0">
+            <a:schemeClr val="accent1"/>
+          </a:effectRef>
+          <a:fontRef idx="minor">
+            <a:schemeClr val="tx1"/>
+          </a:fontRef>
+        </p:style>
+      </p:cxnSp>
+      <p:sp>
+        <p:nvSpPr>
+          <p:cNvPr id="27" name="مستطيل 26">
+            <a:extLst>
+              <a:ext uri="{FF2B5EF4-FFF2-40B4-BE49-F238E27FC236}">
+                <a16:creationId xmlns:a16="http://schemas.microsoft.com/office/drawing/2014/main" id="{83512BF9-47D7-55BD-9442-C3CC7B5386BA}"/>
+              </a:ext>
+            </a:extLst>
+          </p:cNvPr>
+          <p:cNvSpPr/>
+          <p:nvPr/>
+        </p:nvSpPr>
+        <p:spPr>
+          <a:xfrm>
+            <a:off x="4360045" y="2363152"/>
+            <a:ext cx="566561" cy="1468582"/>
+          </a:xfrm>
+          <a:prstGeom prst="rect">
+            <a:avLst/>
+          </a:prstGeom>
+          <a:solidFill>
+            <a:schemeClr val="bg1"/>
+          </a:solidFill>
+        </p:spPr>
+        <p:style>
+          <a:lnRef idx="2">
+            <a:schemeClr val="accent1">
+              <a:shade val="50000"/>
+            </a:schemeClr>
+          </a:lnRef>
+          <a:fillRef idx="1">
+            <a:schemeClr val="accent1"/>
+          </a:fillRef>
+          <a:effectRef idx="0">
+            <a:schemeClr val="accent1"/>
+          </a:effectRef>
+          <a:fontRef idx="minor">
+            <a:schemeClr val="lt1"/>
+          </a:fontRef>
+        </p:style>
+        <p:txBody>
+          <a:bodyPr rtlCol="0" anchor="ctr"/>
+          <a:lstStyle/>
+          <a:p>
+            <a:pPr algn="ctr"/>
+            <a:endParaRPr lang="en-US" dirty="0"/>
+          </a:p>
+        </p:txBody>
+      </p:sp>
+      <p:cxnSp>
+        <p:nvCxnSpPr>
+          <p:cNvPr id="28" name="رابط مستقيم 27">
+            <a:extLst>
+              <a:ext uri="{FF2B5EF4-FFF2-40B4-BE49-F238E27FC236}">
+                <a16:creationId xmlns:a16="http://schemas.microsoft.com/office/drawing/2014/main" id="{27327D2B-7E2C-F9A7-C0EA-4C4C4E973489}"/>
+              </a:ext>
+            </a:extLst>
+          </p:cNvPr>
+          <p:cNvCxnSpPr>
+            <a:stCxn id="27" idx="1"/>
+            <a:endCxn id="27" idx="3"/>
+          </p:cNvCxnSpPr>
+          <p:nvPr/>
+        </p:nvCxnSpPr>
+        <p:spPr>
+          <a:xfrm>
+            <a:off x="4360045" y="3097443"/>
+            <a:ext cx="566561" cy="0"/>
+          </a:xfrm>
+          <a:prstGeom prst="line">
+            <a:avLst/>
+          </a:prstGeom>
+        </p:spPr>
+        <p:style>
+          <a:lnRef idx="1">
+            <a:schemeClr val="accent1"/>
+          </a:lnRef>
+          <a:fillRef idx="0">
+            <a:schemeClr val="accent1"/>
+          </a:fillRef>
+          <a:effectRef idx="0">
+            <a:schemeClr val="accent1"/>
+          </a:effectRef>
+          <a:fontRef idx="minor">
+            <a:schemeClr val="tx1"/>
+          </a:fontRef>
+        </p:style>
+      </p:cxnSp>
+      <p:sp>
+        <p:nvSpPr>
+          <p:cNvPr id="29" name="مربع نص 28">
+            <a:extLst>
+              <a:ext uri="{FF2B5EF4-FFF2-40B4-BE49-F238E27FC236}">
+                <a16:creationId xmlns:a16="http://schemas.microsoft.com/office/drawing/2014/main" id="{4B172F0F-5326-9B41-83C2-B0EDC08D13DE}"/>
+              </a:ext>
+            </a:extLst>
+          </p:cNvPr>
+          <p:cNvSpPr txBox="1"/>
+          <p:nvPr/>
+        </p:nvSpPr>
+        <p:spPr>
+          <a:xfrm>
+            <a:off x="4353406" y="2318307"/>
+            <a:ext cx="498199" cy="369332"/>
+          </a:xfrm>
+          <a:prstGeom prst="rect">
+            <a:avLst/>
+          </a:prstGeom>
+          <a:noFill/>
+        </p:spPr>
+        <p:txBody>
+          <a:bodyPr wrap="square" rtlCol="0">
+            <a:spAutoFit/>
+          </a:bodyPr>
+          <a:lstStyle/>
+          <a:p>
+            <a:r>
+              <a:rPr lang="en-US" dirty="0"/>
+              <a:t>val</a:t>
+            </a:r>
+          </a:p>
+        </p:txBody>
+      </p:sp>
+      <p:sp>
+        <p:nvSpPr>
+          <p:cNvPr id="30" name="مربع نص 29">
+            <a:extLst>
+              <a:ext uri="{FF2B5EF4-FFF2-40B4-BE49-F238E27FC236}">
+                <a16:creationId xmlns:a16="http://schemas.microsoft.com/office/drawing/2014/main" id="{1A8B4EF7-66CF-D1AF-297F-187686C4EAC7}"/>
+              </a:ext>
+            </a:extLst>
+          </p:cNvPr>
+          <p:cNvSpPr txBox="1"/>
+          <p:nvPr/>
+        </p:nvSpPr>
+        <p:spPr>
+          <a:xfrm>
+            <a:off x="4576083" y="2652668"/>
+            <a:ext cx="206309" cy="369332"/>
+          </a:xfrm>
+          <a:prstGeom prst="rect">
+            <a:avLst/>
+          </a:prstGeom>
+          <a:noFill/>
+        </p:spPr>
+        <p:txBody>
+          <a:bodyPr wrap="square" rtlCol="0">
+            <a:spAutoFit/>
+          </a:bodyPr>
+          <a:lstStyle/>
+          <a:p>
+            <a:r>
+              <a:rPr lang="en-US" dirty="0"/>
+              <a:t>3</a:t>
+            </a:r>
+          </a:p>
+        </p:txBody>
+      </p:sp>
+      <p:cxnSp>
+        <p:nvCxnSpPr>
+          <p:cNvPr id="31" name="رابط كسهم مستقيم 30">
+            <a:extLst>
+              <a:ext uri="{FF2B5EF4-FFF2-40B4-BE49-F238E27FC236}">
+                <a16:creationId xmlns:a16="http://schemas.microsoft.com/office/drawing/2014/main" id="{48800725-CA09-8D5C-E9CE-1B11B610BD67}"/>
+              </a:ext>
+            </a:extLst>
+          </p:cNvPr>
+          <p:cNvCxnSpPr>
+            <a:cxnSpLocks/>
+          </p:cNvCxnSpPr>
+          <p:nvPr/>
+        </p:nvCxnSpPr>
+        <p:spPr>
+          <a:xfrm flipV="1">
+            <a:off x="4909302" y="2883819"/>
+            <a:ext cx="504448" cy="731020"/>
+          </a:xfrm>
+          <a:prstGeom prst="straightConnector1">
+            <a:avLst/>
+          </a:prstGeom>
+          <a:ln>
+            <a:tailEnd type="triangle"/>
+          </a:ln>
+        </p:spPr>
+        <p:style>
+          <a:lnRef idx="1">
+            <a:schemeClr val="accent1"/>
+          </a:lnRef>
+          <a:fillRef idx="0">
+            <a:schemeClr val="accent1"/>
+          </a:fillRef>
+          <a:effectRef idx="0">
+            <a:schemeClr val="accent1"/>
+          </a:effectRef>
+          <a:fontRef idx="minor">
+            <a:schemeClr val="tx1"/>
+          </a:fontRef>
+        </p:style>
+      </p:cxnSp>
+      <p:sp>
+        <p:nvSpPr>
+          <p:cNvPr id="34" name="مستطيل 33">
+            <a:extLst>
+              <a:ext uri="{FF2B5EF4-FFF2-40B4-BE49-F238E27FC236}">
+                <a16:creationId xmlns:a16="http://schemas.microsoft.com/office/drawing/2014/main" id="{F1990186-F158-44FF-A205-C609B2D3A11C}"/>
+              </a:ext>
+            </a:extLst>
+          </p:cNvPr>
+          <p:cNvSpPr/>
+          <p:nvPr/>
+        </p:nvSpPr>
+        <p:spPr>
+          <a:xfrm>
+            <a:off x="6566433" y="2363152"/>
+            <a:ext cx="566561" cy="1468582"/>
+          </a:xfrm>
+          <a:prstGeom prst="rect">
+            <a:avLst/>
+          </a:prstGeom>
+          <a:solidFill>
+            <a:schemeClr val="bg1"/>
+          </a:solidFill>
+        </p:spPr>
+        <p:style>
+          <a:lnRef idx="2">
+            <a:schemeClr val="accent1">
+              <a:shade val="50000"/>
+            </a:schemeClr>
+          </a:lnRef>
+          <a:fillRef idx="1">
+            <a:schemeClr val="accent1"/>
+          </a:fillRef>
+          <a:effectRef idx="0">
+            <a:schemeClr val="accent1"/>
+          </a:effectRef>
+          <a:fontRef idx="minor">
+            <a:schemeClr val="lt1"/>
+          </a:fontRef>
+        </p:style>
+        <p:txBody>
+          <a:bodyPr rtlCol="0" anchor="ctr"/>
+          <a:lstStyle/>
+          <a:p>
+            <a:pPr algn="ctr"/>
+            <a:endParaRPr lang="en-US" dirty="0"/>
+          </a:p>
+        </p:txBody>
+      </p:sp>
+      <p:cxnSp>
+        <p:nvCxnSpPr>
+          <p:cNvPr id="35" name="رابط مستقيم 34">
+            <a:extLst>
+              <a:ext uri="{FF2B5EF4-FFF2-40B4-BE49-F238E27FC236}">
+                <a16:creationId xmlns:a16="http://schemas.microsoft.com/office/drawing/2014/main" id="{60E91CE3-5F27-5BED-26BC-3CDE973888FF}"/>
+              </a:ext>
+            </a:extLst>
+          </p:cNvPr>
+          <p:cNvCxnSpPr/>
+          <p:nvPr/>
+        </p:nvCxnSpPr>
+        <p:spPr>
+          <a:xfrm>
+            <a:off x="6566432" y="3098390"/>
+            <a:ext cx="566561" cy="0"/>
+          </a:xfrm>
+          <a:prstGeom prst="line">
+            <a:avLst/>
+          </a:prstGeom>
+        </p:spPr>
+        <p:style>
+          <a:lnRef idx="1">
+            <a:schemeClr val="accent1"/>
+          </a:lnRef>
+          <a:fillRef idx="0">
+            <a:schemeClr val="accent1"/>
+          </a:fillRef>
+          <a:effectRef idx="0">
+            <a:schemeClr val="accent1"/>
+          </a:effectRef>
+          <a:fontRef idx="minor">
+            <a:schemeClr val="tx1"/>
+          </a:fontRef>
+        </p:style>
+      </p:cxnSp>
+      <p:cxnSp>
+        <p:nvCxnSpPr>
+          <p:cNvPr id="38" name="رابط كسهم مستقيم 37">
+            <a:extLst>
+              <a:ext uri="{FF2B5EF4-FFF2-40B4-BE49-F238E27FC236}">
+                <a16:creationId xmlns:a16="http://schemas.microsoft.com/office/drawing/2014/main" id="{C6664324-E8D7-766E-C121-0CF932305437}"/>
+              </a:ext>
+            </a:extLst>
+          </p:cNvPr>
+          <p:cNvCxnSpPr>
+            <a:cxnSpLocks/>
+          </p:cNvCxnSpPr>
+          <p:nvPr/>
+        </p:nvCxnSpPr>
+        <p:spPr>
+          <a:xfrm flipV="1">
+            <a:off x="3825111" y="2889420"/>
+            <a:ext cx="504448" cy="731020"/>
+          </a:xfrm>
+          <a:prstGeom prst="straightConnector1">
+            <a:avLst/>
+          </a:prstGeom>
+          <a:ln>
+            <a:tailEnd type="triangle"/>
+          </a:ln>
+        </p:spPr>
+        <p:style>
+          <a:lnRef idx="1">
+            <a:schemeClr val="accent1"/>
+          </a:lnRef>
+          <a:fillRef idx="0">
+            <a:schemeClr val="accent1"/>
+          </a:fillRef>
+          <a:effectRef idx="0">
+            <a:schemeClr val="accent1"/>
+          </a:effectRef>
+          <a:fontRef idx="minor">
+            <a:schemeClr val="tx1"/>
+          </a:fontRef>
+        </p:style>
+      </p:cxnSp>
+      <p:cxnSp>
+        <p:nvCxnSpPr>
+          <p:cNvPr id="40" name="رابط كسهم مستقيم 39">
+            <a:extLst>
+              <a:ext uri="{FF2B5EF4-FFF2-40B4-BE49-F238E27FC236}">
+                <a16:creationId xmlns:a16="http://schemas.microsoft.com/office/drawing/2014/main" id="{01DB1021-A242-0137-4FD5-D387504D7CFC}"/>
+              </a:ext>
+            </a:extLst>
+          </p:cNvPr>
+          <p:cNvCxnSpPr>
+            <a:stCxn id="7" idx="2"/>
+            <a:endCxn id="34" idx="0"/>
+          </p:cNvCxnSpPr>
+          <p:nvPr/>
+        </p:nvCxnSpPr>
+        <p:spPr>
+          <a:xfrm>
+            <a:off x="6126192" y="1777896"/>
+            <a:ext cx="723522" cy="585256"/>
+          </a:xfrm>
+          <a:prstGeom prst="straightConnector1">
+            <a:avLst/>
+          </a:prstGeom>
+          <a:ln>
+            <a:tailEnd type="triangle"/>
+          </a:ln>
+        </p:spPr>
+        <p:style>
+          <a:lnRef idx="1">
+            <a:schemeClr val="accent1"/>
+          </a:lnRef>
+          <a:fillRef idx="0">
+            <a:schemeClr val="accent1"/>
+          </a:fillRef>
+          <a:effectRef idx="0">
+            <a:schemeClr val="accent1"/>
+          </a:effectRef>
+          <a:fontRef idx="minor">
+            <a:schemeClr val="tx1"/>
+          </a:fontRef>
+        </p:style>
+      </p:cxnSp>
+      <p:sp>
+        <p:nvSpPr>
+          <p:cNvPr id="43" name="مربع نص 42">
+            <a:extLst>
+              <a:ext uri="{FF2B5EF4-FFF2-40B4-BE49-F238E27FC236}">
+                <a16:creationId xmlns:a16="http://schemas.microsoft.com/office/drawing/2014/main" id="{D6949F67-45D2-E113-2055-2BD9EE2156D0}"/>
+              </a:ext>
+            </a:extLst>
+          </p:cNvPr>
+          <p:cNvSpPr txBox="1"/>
+          <p:nvPr/>
+        </p:nvSpPr>
+        <p:spPr>
+          <a:xfrm>
+            <a:off x="5413761" y="1806854"/>
+            <a:ext cx="491560" cy="369332"/>
+          </a:xfrm>
+          <a:prstGeom prst="rect">
+            <a:avLst/>
+          </a:prstGeom>
+          <a:noFill/>
+        </p:spPr>
+        <p:txBody>
+          <a:bodyPr wrap="square" rtlCol="0">
+            <a:spAutoFit/>
+          </a:bodyPr>
+          <a:lstStyle/>
+          <a:p>
+            <a:r>
+              <a:rPr lang="en-US" dirty="0">
+                <a:solidFill>
+                  <a:srgbClr val="FFC000"/>
+                </a:solidFill>
+              </a:rPr>
+              <a:t>old</a:t>
+            </a:r>
+          </a:p>
+        </p:txBody>
+      </p:sp>
+      <p:cxnSp>
+        <p:nvCxnSpPr>
+          <p:cNvPr id="44" name="رابط كسهم مستقيم 43">
+            <a:extLst>
+              <a:ext uri="{FF2B5EF4-FFF2-40B4-BE49-F238E27FC236}">
+                <a16:creationId xmlns:a16="http://schemas.microsoft.com/office/drawing/2014/main" id="{B1168AB4-F706-D4FA-3EAD-27AEAC236174}"/>
+              </a:ext>
+            </a:extLst>
+          </p:cNvPr>
+          <p:cNvCxnSpPr>
+            <a:cxnSpLocks/>
+          </p:cNvCxnSpPr>
+          <p:nvPr/>
+        </p:nvCxnSpPr>
+        <p:spPr>
+          <a:xfrm flipV="1">
+            <a:off x="7129400" y="2883819"/>
+            <a:ext cx="457662" cy="664861"/>
+          </a:xfrm>
+          <a:prstGeom prst="straightConnector1">
+            <a:avLst/>
+          </a:prstGeom>
+          <a:ln>
+            <a:tailEnd type="triangle"/>
+          </a:ln>
+        </p:spPr>
+        <p:style>
+          <a:lnRef idx="1">
+            <a:schemeClr val="accent1"/>
+          </a:lnRef>
+          <a:fillRef idx="0">
+            <a:schemeClr val="accent1"/>
+          </a:fillRef>
+          <a:effectRef idx="0">
+            <a:schemeClr val="accent1"/>
+          </a:effectRef>
+          <a:fontRef idx="minor">
+            <a:schemeClr val="tx1"/>
+          </a:fontRef>
+        </p:style>
+      </p:cxnSp>
+      <p:cxnSp>
+        <p:nvCxnSpPr>
+          <p:cNvPr id="46" name="رابط كسهم مستقيم 45">
+            <a:extLst>
+              <a:ext uri="{FF2B5EF4-FFF2-40B4-BE49-F238E27FC236}">
+                <a16:creationId xmlns:a16="http://schemas.microsoft.com/office/drawing/2014/main" id="{A6E7173B-6B43-E2C6-BF70-9A4B5C9E9E46}"/>
+              </a:ext>
+            </a:extLst>
+          </p:cNvPr>
+          <p:cNvCxnSpPr>
+            <a:cxnSpLocks/>
+            <a:endCxn id="34" idx="0"/>
+          </p:cNvCxnSpPr>
+          <p:nvPr/>
+        </p:nvCxnSpPr>
+        <p:spPr>
+          <a:xfrm flipH="1">
+            <a:off x="6849714" y="2053060"/>
+            <a:ext cx="279686" cy="310092"/>
+          </a:xfrm>
+          <a:prstGeom prst="straightConnector1">
+            <a:avLst/>
+          </a:prstGeom>
+          <a:ln>
+            <a:tailEnd type="triangle"/>
+          </a:ln>
+        </p:spPr>
+        <p:style>
+          <a:lnRef idx="1">
+            <a:schemeClr val="accent1"/>
+          </a:lnRef>
+          <a:fillRef idx="0">
+            <a:schemeClr val="accent1"/>
+          </a:fillRef>
+          <a:effectRef idx="0">
+            <a:schemeClr val="accent1"/>
+          </a:effectRef>
+          <a:fontRef idx="minor">
+            <a:schemeClr val="tx1"/>
+          </a:fontRef>
+        </p:style>
+      </p:cxnSp>
+      <p:sp>
+        <p:nvSpPr>
+          <p:cNvPr id="48" name="مربع نص 47">
+            <a:extLst>
+              <a:ext uri="{FF2B5EF4-FFF2-40B4-BE49-F238E27FC236}">
+                <a16:creationId xmlns:a16="http://schemas.microsoft.com/office/drawing/2014/main" id="{B3985FE4-073D-A066-4887-E9DE4075B636}"/>
+              </a:ext>
+            </a:extLst>
+          </p:cNvPr>
+          <p:cNvSpPr txBox="1"/>
+          <p:nvPr/>
+        </p:nvSpPr>
+        <p:spPr>
+          <a:xfrm>
+            <a:off x="2714443" y="5930963"/>
+            <a:ext cx="1949921" cy="369332"/>
+          </a:xfrm>
+          <a:prstGeom prst="rect">
+            <a:avLst/>
+          </a:prstGeom>
+          <a:noFill/>
+        </p:spPr>
+        <p:txBody>
+          <a:bodyPr wrap="square">
+            <a:spAutoFit/>
+          </a:bodyPr>
+          <a:lstStyle/>
+          <a:p>
+            <a:pPr algn="l" rtl="0"/>
+            <a:r>
+              <a:rPr lang="en-US" dirty="0"/>
+              <a:t>A.insertToTail(35);</a:t>
+            </a:r>
+          </a:p>
+        </p:txBody>
+      </p:sp>
+      <p:sp>
+        <p:nvSpPr>
+          <p:cNvPr id="50" name="مربع نص 49">
+            <a:extLst>
+              <a:ext uri="{FF2B5EF4-FFF2-40B4-BE49-F238E27FC236}">
+                <a16:creationId xmlns:a16="http://schemas.microsoft.com/office/drawing/2014/main" id="{AA9A6C07-2EC4-2563-5690-EB0549A7FAF2}"/>
+              </a:ext>
+            </a:extLst>
+          </p:cNvPr>
+          <p:cNvSpPr txBox="1"/>
+          <p:nvPr/>
+        </p:nvSpPr>
+        <p:spPr>
+          <a:xfrm>
+            <a:off x="6559856" y="2360491"/>
+            <a:ext cx="498199" cy="369332"/>
+          </a:xfrm>
+          <a:prstGeom prst="rect">
+            <a:avLst/>
+          </a:prstGeom>
+          <a:noFill/>
+        </p:spPr>
+        <p:txBody>
+          <a:bodyPr wrap="square" rtlCol="0">
+            <a:spAutoFit/>
+          </a:bodyPr>
+          <a:lstStyle/>
+          <a:p>
+            <a:r>
+              <a:rPr lang="en-US" dirty="0"/>
+              <a:t>val</a:t>
+            </a:r>
+          </a:p>
+        </p:txBody>
+      </p:sp>
+      <p:sp>
+        <p:nvSpPr>
+          <p:cNvPr id="51" name="مربع نص 50">
+            <a:extLst>
+              <a:ext uri="{FF2B5EF4-FFF2-40B4-BE49-F238E27FC236}">
+                <a16:creationId xmlns:a16="http://schemas.microsoft.com/office/drawing/2014/main" id="{CBC2AB87-E898-4E5A-01E9-7D2EF4D2A42B}"/>
+              </a:ext>
+            </a:extLst>
+          </p:cNvPr>
+          <p:cNvSpPr txBox="1"/>
+          <p:nvPr/>
+        </p:nvSpPr>
+        <p:spPr>
+          <a:xfrm>
+            <a:off x="6589336" y="2657809"/>
+            <a:ext cx="457662" cy="369332"/>
+          </a:xfrm>
+          <a:prstGeom prst="rect">
+            <a:avLst/>
+          </a:prstGeom>
+          <a:noFill/>
+        </p:spPr>
+        <p:txBody>
+          <a:bodyPr wrap="square" rtlCol="0">
+            <a:spAutoFit/>
+          </a:bodyPr>
+          <a:lstStyle/>
+          <a:p>
+            <a:r>
+              <a:rPr lang="en-US" dirty="0"/>
+              <a:t>35</a:t>
+            </a:r>
+          </a:p>
+        </p:txBody>
+      </p:sp>
+      <p:sp>
+        <p:nvSpPr>
+          <p:cNvPr id="52" name="مربع نص 51">
+            <a:extLst>
+              <a:ext uri="{FF2B5EF4-FFF2-40B4-BE49-F238E27FC236}">
+                <a16:creationId xmlns:a16="http://schemas.microsoft.com/office/drawing/2014/main" id="{F3FD6BCB-33E5-D4AB-9D1F-0AFBF972B32F}"/>
+              </a:ext>
+            </a:extLst>
+          </p:cNvPr>
+          <p:cNvSpPr txBox="1"/>
+          <p:nvPr/>
+        </p:nvSpPr>
+        <p:spPr>
+          <a:xfrm>
+            <a:off x="7016170" y="1378068"/>
+            <a:ext cx="457281" cy="369332"/>
+          </a:xfrm>
+          <a:prstGeom prst="rect">
+            <a:avLst/>
+          </a:prstGeom>
+          <a:noFill/>
+        </p:spPr>
+        <p:txBody>
+          <a:bodyPr wrap="square" rtlCol="0">
+            <a:spAutoFit/>
+          </a:bodyPr>
+          <a:lstStyle/>
+          <a:p>
+            <a:pPr algn="l" rtl="0"/>
+            <a:r>
+              <a:rPr lang="en-US" dirty="0">
+                <a:solidFill>
+                  <a:srgbClr val="00B050"/>
+                </a:solidFill>
+              </a:rPr>
+              <a:t>*1</a:t>
+            </a:r>
+          </a:p>
+        </p:txBody>
+      </p:sp>
+      <p:sp>
+        <p:nvSpPr>
+          <p:cNvPr id="53" name="مربع نص 52">
+            <a:extLst>
+              <a:ext uri="{FF2B5EF4-FFF2-40B4-BE49-F238E27FC236}">
+                <a16:creationId xmlns:a16="http://schemas.microsoft.com/office/drawing/2014/main" id="{47BDB6CB-EB6A-8442-23DD-532F1B4A671F}"/>
+              </a:ext>
+            </a:extLst>
+          </p:cNvPr>
+          <p:cNvSpPr txBox="1"/>
+          <p:nvPr/>
+        </p:nvSpPr>
+        <p:spPr>
+          <a:xfrm>
+            <a:off x="7011130" y="2483531"/>
+            <a:ext cx="457281" cy="369332"/>
+          </a:xfrm>
+          <a:prstGeom prst="rect">
+            <a:avLst/>
+          </a:prstGeom>
+          <a:noFill/>
+        </p:spPr>
+        <p:txBody>
+          <a:bodyPr wrap="square" rtlCol="0">
+            <a:spAutoFit/>
+          </a:bodyPr>
+          <a:lstStyle/>
+          <a:p>
+            <a:pPr algn="l" rtl="0"/>
+            <a:r>
+              <a:rPr lang="en-US" dirty="0">
+                <a:solidFill>
+                  <a:srgbClr val="00B050"/>
+                </a:solidFill>
+              </a:rPr>
+              <a:t>*2</a:t>
+            </a:r>
+          </a:p>
+        </p:txBody>
+      </p:sp>
+      <p:sp>
+        <p:nvSpPr>
+          <p:cNvPr id="54" name="مربع نص 53">
+            <a:extLst>
+              <a:ext uri="{FF2B5EF4-FFF2-40B4-BE49-F238E27FC236}">
+                <a16:creationId xmlns:a16="http://schemas.microsoft.com/office/drawing/2014/main" id="{9473780A-4C86-BF2F-8170-C404647560C2}"/>
+              </a:ext>
+            </a:extLst>
+          </p:cNvPr>
+          <p:cNvSpPr txBox="1"/>
+          <p:nvPr/>
+        </p:nvSpPr>
+        <p:spPr>
+          <a:xfrm>
+            <a:off x="7274295" y="3177874"/>
+            <a:ext cx="457281" cy="369332"/>
+          </a:xfrm>
+          <a:prstGeom prst="rect">
+            <a:avLst/>
+          </a:prstGeom>
+          <a:noFill/>
+        </p:spPr>
+        <p:txBody>
+          <a:bodyPr wrap="square" rtlCol="0">
+            <a:spAutoFit/>
+          </a:bodyPr>
+          <a:lstStyle/>
+          <a:p>
+            <a:pPr algn="l" rtl="0"/>
+            <a:r>
+              <a:rPr lang="en-US" dirty="0">
+                <a:solidFill>
+                  <a:srgbClr val="00B050"/>
+                </a:solidFill>
+              </a:rPr>
+              <a:t>*3</a:t>
+            </a:r>
+          </a:p>
+        </p:txBody>
+      </p:sp>
+      <p:sp>
+        <p:nvSpPr>
+          <p:cNvPr id="55" name="مربع نص 54">
+            <a:extLst>
+              <a:ext uri="{FF2B5EF4-FFF2-40B4-BE49-F238E27FC236}">
+                <a16:creationId xmlns:a16="http://schemas.microsoft.com/office/drawing/2014/main" id="{8A48CF02-BA9A-56F9-9A29-BFC70996AC82}"/>
+              </a:ext>
+            </a:extLst>
+          </p:cNvPr>
+          <p:cNvSpPr txBox="1"/>
+          <p:nvPr/>
+        </p:nvSpPr>
+        <p:spPr>
+          <a:xfrm>
+            <a:off x="6102575" y="3177874"/>
+            <a:ext cx="457281" cy="369332"/>
+          </a:xfrm>
+          <a:prstGeom prst="rect">
+            <a:avLst/>
+          </a:prstGeom>
+          <a:noFill/>
+        </p:spPr>
+        <p:txBody>
+          <a:bodyPr wrap="square" rtlCol="0">
+            <a:spAutoFit/>
+          </a:bodyPr>
+          <a:lstStyle/>
+          <a:p>
+            <a:pPr algn="l" rtl="0"/>
+            <a:r>
+              <a:rPr lang="en-US" dirty="0">
+                <a:solidFill>
+                  <a:srgbClr val="00B050"/>
+                </a:solidFill>
+              </a:rPr>
+              <a:t>*4</a:t>
+            </a:r>
+          </a:p>
+        </p:txBody>
+      </p:sp>
+      <p:sp>
+        <p:nvSpPr>
+          <p:cNvPr id="56" name="مربع نص 55">
+            <a:extLst>
+              <a:ext uri="{FF2B5EF4-FFF2-40B4-BE49-F238E27FC236}">
+                <a16:creationId xmlns:a16="http://schemas.microsoft.com/office/drawing/2014/main" id="{143285D1-E109-35FD-F617-D43069947BBA}"/>
+              </a:ext>
+            </a:extLst>
+          </p:cNvPr>
+          <p:cNvSpPr txBox="1"/>
+          <p:nvPr/>
+        </p:nvSpPr>
+        <p:spPr>
+          <a:xfrm>
+            <a:off x="6294965" y="1688043"/>
+            <a:ext cx="457281" cy="369332"/>
+          </a:xfrm>
+          <a:prstGeom prst="rect">
+            <a:avLst/>
+          </a:prstGeom>
+          <a:noFill/>
+        </p:spPr>
+        <p:txBody>
+          <a:bodyPr wrap="square" rtlCol="0">
+            <a:spAutoFit/>
+          </a:bodyPr>
+          <a:lstStyle/>
+          <a:p>
+            <a:pPr algn="l" rtl="0"/>
+            <a:r>
+              <a:rPr lang="en-US" dirty="0">
+                <a:solidFill>
+                  <a:srgbClr val="00B050"/>
+                </a:solidFill>
+              </a:rPr>
+              <a:t>*5</a:t>
+            </a:r>
+          </a:p>
+        </p:txBody>
+      </p:sp>
+      <p:sp>
+        <p:nvSpPr>
+          <p:cNvPr id="57" name="مربع نص 56">
+            <a:extLst>
+              <a:ext uri="{FF2B5EF4-FFF2-40B4-BE49-F238E27FC236}">
+                <a16:creationId xmlns:a16="http://schemas.microsoft.com/office/drawing/2014/main" id="{1C22480A-F0FA-5123-2C88-7CF2AAC7DDDE}"/>
+              </a:ext>
+            </a:extLst>
+          </p:cNvPr>
+          <p:cNvSpPr txBox="1"/>
+          <p:nvPr/>
+        </p:nvSpPr>
+        <p:spPr>
+          <a:xfrm>
+            <a:off x="8554328" y="1625989"/>
+            <a:ext cx="3334834" cy="1477328"/>
+          </a:xfrm>
+          <a:prstGeom prst="rect">
+            <a:avLst/>
+          </a:prstGeom>
+          <a:noFill/>
+        </p:spPr>
+        <p:txBody>
+          <a:bodyPr wrap="square" rtlCol="0">
+            <a:spAutoFit/>
+          </a:bodyPr>
+          <a:lstStyle/>
+          <a:p>
+            <a:pPr algn="l" rtl="0"/>
+            <a:r>
+              <a:rPr lang="en-US" dirty="0">
+                <a:solidFill>
+                  <a:schemeClr val="accent6"/>
+                </a:solidFill>
+              </a:rPr>
+              <a:t>1-Create node </a:t>
+            </a:r>
+            <a:r>
+              <a:rPr lang="en-US" dirty="0">
+                <a:solidFill>
+                  <a:srgbClr val="FF0000"/>
+                </a:solidFill>
+              </a:rPr>
+              <a:t>nn</a:t>
+            </a:r>
+            <a:br>
+              <a:rPr lang="en-US" dirty="0">
+                <a:solidFill>
+                  <a:schemeClr val="accent6"/>
+                </a:solidFill>
+              </a:rPr>
+            </a:br>
+            <a:r>
+              <a:rPr lang="en-US" dirty="0">
+                <a:solidFill>
+                  <a:schemeClr val="accent6"/>
+                </a:solidFill>
+              </a:rPr>
+              <a:t>2-add </a:t>
+            </a:r>
+            <a:r>
+              <a:rPr lang="en-US" dirty="0">
+                <a:solidFill>
+                  <a:schemeClr val="accent1">
+                    <a:lumMod val="50000"/>
+                  </a:schemeClr>
+                </a:solidFill>
+              </a:rPr>
+              <a:t>val</a:t>
+            </a:r>
+            <a:br>
+              <a:rPr lang="en-US" dirty="0">
+                <a:solidFill>
+                  <a:schemeClr val="accent6"/>
+                </a:solidFill>
+              </a:rPr>
+            </a:br>
+            <a:r>
+              <a:rPr lang="en-US" dirty="0">
+                <a:solidFill>
+                  <a:schemeClr val="accent6"/>
+                </a:solidFill>
+              </a:rPr>
+              <a:t>3-make </a:t>
+            </a:r>
+            <a:r>
+              <a:rPr lang="en-US" dirty="0">
+                <a:solidFill>
+                  <a:srgbClr val="FF0000"/>
+                </a:solidFill>
+              </a:rPr>
+              <a:t>nn</a:t>
+            </a:r>
+            <a:r>
+              <a:rPr lang="en-US" dirty="0">
+                <a:solidFill>
+                  <a:schemeClr val="accent6"/>
+                </a:solidFill>
+              </a:rPr>
+              <a:t> point on </a:t>
+            </a:r>
+            <a:r>
+              <a:rPr lang="en-US" dirty="0">
+                <a:solidFill>
+                  <a:schemeClr val="accent1">
+                    <a:lumMod val="75000"/>
+                  </a:schemeClr>
+                </a:solidFill>
+              </a:rPr>
+              <a:t>Null</a:t>
+            </a:r>
+            <a:br>
+              <a:rPr lang="en-US" dirty="0">
+                <a:solidFill>
+                  <a:schemeClr val="accent6"/>
+                </a:solidFill>
+              </a:rPr>
+            </a:br>
+            <a:r>
+              <a:rPr lang="en-US" dirty="0">
+                <a:solidFill>
+                  <a:schemeClr val="accent6"/>
+                </a:solidFill>
+              </a:rPr>
+              <a:t>4-make the </a:t>
+            </a:r>
+            <a:r>
+              <a:rPr lang="en-US" dirty="0" err="1">
+                <a:solidFill>
+                  <a:schemeClr val="accent6"/>
+                </a:solidFill>
+              </a:rPr>
+              <a:t>Tail.next</a:t>
+            </a:r>
+            <a:r>
+              <a:rPr lang="en-US" dirty="0">
+                <a:solidFill>
+                  <a:schemeClr val="accent6"/>
+                </a:solidFill>
+              </a:rPr>
+              <a:t> point on </a:t>
+            </a:r>
+            <a:r>
+              <a:rPr lang="en-US" dirty="0">
+                <a:solidFill>
+                  <a:srgbClr val="FF0000"/>
+                </a:solidFill>
+              </a:rPr>
+              <a:t>nn</a:t>
+            </a:r>
+          </a:p>
+          <a:p>
+            <a:pPr algn="l" rtl="0"/>
+            <a:r>
+              <a:rPr lang="en-US" dirty="0">
+                <a:solidFill>
+                  <a:schemeClr val="accent6"/>
+                </a:solidFill>
+              </a:rPr>
+              <a:t>5-make Tail = </a:t>
+            </a:r>
+            <a:r>
+              <a:rPr lang="en-US" dirty="0">
+                <a:solidFill>
+                  <a:srgbClr val="FF0000"/>
+                </a:solidFill>
+              </a:rPr>
+              <a:t>nn</a:t>
+            </a:r>
+          </a:p>
+        </p:txBody>
+      </p:sp>
+    </p:spTree>
+    <p:extLst>
+      <p:ext uri="{BB962C8B-B14F-4D97-AF65-F5344CB8AC3E}">
+        <p14:creationId xmlns:p14="http://schemas.microsoft.com/office/powerpoint/2010/main" val="118865721"/>
+      </p:ext>
+    </p:extLst>
+  </p:cSld>
+  <p:clrMapOvr>
+    <a:masterClrMapping/>
+  </p:clrMapOvr>
+</p:sld>
+</file>
+
+<file path=ppt/slides/slide13.xml><?xml version="1.0" encoding="utf-8"?>
+<p:sld xmlns:a="http://schemas.openxmlformats.org/drawingml/2006/main" xmlns:r="http://schemas.openxmlformats.org/officeDocument/2006/relationships" xmlns:p="http://schemas.openxmlformats.org/presentationml/2006/main">
+  <p:cSld>
+    <p:spTree>
+      <p:nvGrpSpPr>
+        <p:cNvPr id="1" name=""/>
+        <p:cNvGrpSpPr/>
+        <p:nvPr/>
+      </p:nvGrpSpPr>
+      <p:grpSpPr>
+        <a:xfrm>
+          <a:off x="0" y="0"/>
+          <a:ext cx="0" cy="0"/>
+          <a:chOff x="0" y="0"/>
+          <a:chExt cx="0" cy="0"/>
+        </a:xfrm>
+      </p:grpSpPr>
+      <p:sp>
+        <p:nvSpPr>
+          <p:cNvPr id="4" name="مستطيل 3">
+            <a:extLst>
+              <a:ext uri="{FF2B5EF4-FFF2-40B4-BE49-F238E27FC236}">
+                <a16:creationId xmlns:a16="http://schemas.microsoft.com/office/drawing/2014/main" id="{35398BDB-29D0-6AF3-3661-8B301685781D}"/>
+              </a:ext>
+            </a:extLst>
+          </p:cNvPr>
+          <p:cNvSpPr/>
+          <p:nvPr/>
+        </p:nvSpPr>
+        <p:spPr>
+          <a:xfrm>
+            <a:off x="532805" y="967509"/>
+            <a:ext cx="7207268" cy="4922982"/>
+          </a:xfrm>
+          <a:prstGeom prst="rect">
+            <a:avLst/>
+          </a:prstGeom>
+          <a:noFill/>
+        </p:spPr>
+        <p:style>
+          <a:lnRef idx="2">
+            <a:schemeClr val="accent1">
+              <a:shade val="50000"/>
+            </a:schemeClr>
+          </a:lnRef>
+          <a:fillRef idx="1">
+            <a:schemeClr val="accent1"/>
+          </a:fillRef>
+          <a:effectRef idx="0">
+            <a:schemeClr val="accent1"/>
+          </a:effectRef>
+          <a:fontRef idx="minor">
+            <a:schemeClr val="lt1"/>
+          </a:fontRef>
+        </p:style>
+        <p:txBody>
+          <a:bodyPr rtlCol="0" anchor="ctr"/>
+          <a:lstStyle/>
+          <a:p>
+            <a:pPr algn="ctr"/>
+            <a:endParaRPr lang="en-US"/>
+          </a:p>
+        </p:txBody>
+      </p:sp>
+      <p:sp>
+        <p:nvSpPr>
+          <p:cNvPr id="5" name="مربع نص 4">
+            <a:extLst>
+              <a:ext uri="{FF2B5EF4-FFF2-40B4-BE49-F238E27FC236}">
+                <a16:creationId xmlns:a16="http://schemas.microsoft.com/office/drawing/2014/main" id="{C6C048C1-F1AF-F918-49E7-8B5DE7CDF7F8}"/>
+              </a:ext>
+            </a:extLst>
+          </p:cNvPr>
+          <p:cNvSpPr txBox="1"/>
+          <p:nvPr/>
+        </p:nvSpPr>
+        <p:spPr>
+          <a:xfrm>
+            <a:off x="3034558" y="1058480"/>
+            <a:ext cx="983613" cy="369332"/>
+          </a:xfrm>
+          <a:prstGeom prst="rect">
+            <a:avLst/>
+          </a:prstGeom>
+          <a:noFill/>
+        </p:spPr>
+        <p:txBody>
+          <a:bodyPr wrap="square" rtlCol="0">
+            <a:spAutoFit/>
+          </a:bodyPr>
+          <a:lstStyle/>
+          <a:p>
+            <a:pPr algn="l" rtl="0"/>
+            <a:r>
+              <a:rPr lang="en-US" dirty="0"/>
+              <a:t>nn</a:t>
+            </a:r>
+          </a:p>
+        </p:txBody>
+      </p:sp>
+      <p:sp>
+        <p:nvSpPr>
+          <p:cNvPr id="6" name="مربع نص 5">
+            <a:extLst>
+              <a:ext uri="{FF2B5EF4-FFF2-40B4-BE49-F238E27FC236}">
+                <a16:creationId xmlns:a16="http://schemas.microsoft.com/office/drawing/2014/main" id="{9FF2E25E-DF86-6289-C67D-9AEEDD6DBE07}"/>
+              </a:ext>
+            </a:extLst>
+          </p:cNvPr>
+          <p:cNvSpPr txBox="1"/>
+          <p:nvPr/>
+        </p:nvSpPr>
+        <p:spPr>
+          <a:xfrm>
+            <a:off x="5056613" y="1686220"/>
+            <a:ext cx="525080" cy="369332"/>
+          </a:xfrm>
+          <a:prstGeom prst="rect">
+            <a:avLst/>
+          </a:prstGeom>
+          <a:noFill/>
+        </p:spPr>
+        <p:txBody>
+          <a:bodyPr wrap="square" rtlCol="0">
+            <a:spAutoFit/>
+          </a:bodyPr>
+          <a:lstStyle/>
+          <a:p>
+            <a:pPr algn="l" rtl="0"/>
+            <a:r>
+              <a:rPr lang="en-US" dirty="0"/>
+              <a:t>Tail</a:t>
+            </a:r>
+          </a:p>
+        </p:txBody>
+      </p:sp>
+      <p:sp>
+        <p:nvSpPr>
+          <p:cNvPr id="7" name="مربع نص 6">
+            <a:extLst>
+              <a:ext uri="{FF2B5EF4-FFF2-40B4-BE49-F238E27FC236}">
+                <a16:creationId xmlns:a16="http://schemas.microsoft.com/office/drawing/2014/main" id="{4D0C6B5E-BF59-425F-68EF-6A22B94CD741}"/>
+              </a:ext>
+            </a:extLst>
+          </p:cNvPr>
+          <p:cNvSpPr txBox="1"/>
+          <p:nvPr/>
+        </p:nvSpPr>
+        <p:spPr>
+          <a:xfrm>
+            <a:off x="605370" y="4081266"/>
+            <a:ext cx="1377057" cy="369332"/>
+          </a:xfrm>
+          <a:prstGeom prst="rect">
+            <a:avLst/>
+          </a:prstGeom>
+          <a:noFill/>
+        </p:spPr>
+        <p:txBody>
+          <a:bodyPr wrap="square" rtlCol="0">
+            <a:spAutoFit/>
+          </a:bodyPr>
+          <a:lstStyle/>
+          <a:p>
+            <a:pPr algn="l" rtl="0"/>
+            <a:r>
+              <a:rPr lang="en-US" dirty="0"/>
+              <a:t>Count = 5</a:t>
+            </a:r>
+          </a:p>
+        </p:txBody>
+      </p:sp>
+      <p:sp>
+        <p:nvSpPr>
+          <p:cNvPr id="8" name="مربع نص 7">
+            <a:extLst>
+              <a:ext uri="{FF2B5EF4-FFF2-40B4-BE49-F238E27FC236}">
+                <a16:creationId xmlns:a16="http://schemas.microsoft.com/office/drawing/2014/main" id="{20943FBE-A2E1-ED45-C29C-D354850FE48B}"/>
+              </a:ext>
+            </a:extLst>
+          </p:cNvPr>
+          <p:cNvSpPr txBox="1"/>
+          <p:nvPr/>
+        </p:nvSpPr>
+        <p:spPr>
+          <a:xfrm>
+            <a:off x="2968918" y="950188"/>
+            <a:ext cx="566562" cy="307777"/>
+          </a:xfrm>
+          <a:prstGeom prst="rect">
+            <a:avLst/>
+          </a:prstGeom>
+          <a:noFill/>
+        </p:spPr>
+        <p:txBody>
+          <a:bodyPr wrap="square" rtlCol="0">
+            <a:spAutoFit/>
+          </a:bodyPr>
+          <a:lstStyle/>
+          <a:p>
+            <a:r>
+              <a:rPr lang="en-US" sz="1400" dirty="0">
+                <a:solidFill>
+                  <a:srgbClr val="FF0000"/>
+                </a:solidFill>
+              </a:rPr>
+              <a:t>node</a:t>
+            </a:r>
+          </a:p>
+        </p:txBody>
+      </p:sp>
+      <p:sp>
+        <p:nvSpPr>
+          <p:cNvPr id="9" name="مربع نص 8">
+            <a:extLst>
+              <a:ext uri="{FF2B5EF4-FFF2-40B4-BE49-F238E27FC236}">
+                <a16:creationId xmlns:a16="http://schemas.microsoft.com/office/drawing/2014/main" id="{2C593D0B-49B6-B0DF-D3B3-BD8961FAAB2D}"/>
+              </a:ext>
+            </a:extLst>
+          </p:cNvPr>
+          <p:cNvSpPr txBox="1"/>
+          <p:nvPr/>
+        </p:nvSpPr>
+        <p:spPr>
+          <a:xfrm>
+            <a:off x="758353" y="3884200"/>
+            <a:ext cx="566562" cy="307777"/>
+          </a:xfrm>
+          <a:prstGeom prst="rect">
+            <a:avLst/>
+          </a:prstGeom>
+          <a:noFill/>
+        </p:spPr>
+        <p:txBody>
+          <a:bodyPr wrap="square" rtlCol="0">
+            <a:spAutoFit/>
+          </a:bodyPr>
+          <a:lstStyle/>
+          <a:p>
+            <a:r>
+              <a:rPr lang="en-US" sz="1400" dirty="0">
+                <a:solidFill>
+                  <a:srgbClr val="FF0000"/>
+                </a:solidFill>
+              </a:rPr>
+              <a:t>int</a:t>
+            </a:r>
+          </a:p>
+        </p:txBody>
+      </p:sp>
+      <p:sp>
+        <p:nvSpPr>
+          <p:cNvPr id="10" name="مربع نص 9">
+            <a:extLst>
+              <a:ext uri="{FF2B5EF4-FFF2-40B4-BE49-F238E27FC236}">
+                <a16:creationId xmlns:a16="http://schemas.microsoft.com/office/drawing/2014/main" id="{5CD0DC57-776F-13AB-9F6E-05C53F605CE0}"/>
+              </a:ext>
+            </a:extLst>
+          </p:cNvPr>
+          <p:cNvSpPr txBox="1"/>
+          <p:nvPr/>
+        </p:nvSpPr>
+        <p:spPr>
+          <a:xfrm>
+            <a:off x="5930985" y="2563638"/>
+            <a:ext cx="662522" cy="369332"/>
+          </a:xfrm>
+          <a:prstGeom prst="rect">
+            <a:avLst/>
+          </a:prstGeom>
+          <a:noFill/>
+        </p:spPr>
+        <p:txBody>
+          <a:bodyPr wrap="square" rtlCol="0">
+            <a:spAutoFit/>
+          </a:bodyPr>
+          <a:lstStyle/>
+          <a:p>
+            <a:pPr algn="l" rtl="0"/>
+            <a:r>
+              <a:rPr lang="en-US" dirty="0"/>
+              <a:t>null</a:t>
+            </a:r>
+          </a:p>
+        </p:txBody>
+      </p:sp>
+      <p:cxnSp>
+        <p:nvCxnSpPr>
+          <p:cNvPr id="11" name="رابط كسهم مستقيم 10">
+            <a:extLst>
+              <a:ext uri="{FF2B5EF4-FFF2-40B4-BE49-F238E27FC236}">
+                <a16:creationId xmlns:a16="http://schemas.microsoft.com/office/drawing/2014/main" id="{CDCC7213-7DFA-62C1-912E-8D635CBF2D11}"/>
+              </a:ext>
+            </a:extLst>
+          </p:cNvPr>
+          <p:cNvCxnSpPr>
+            <a:cxnSpLocks/>
+          </p:cNvCxnSpPr>
+          <p:nvPr/>
+        </p:nvCxnSpPr>
+        <p:spPr>
+          <a:xfrm>
+            <a:off x="928356" y="1818863"/>
+            <a:ext cx="0" cy="416343"/>
+          </a:xfrm>
+          <a:prstGeom prst="straightConnector1">
+            <a:avLst/>
+          </a:prstGeom>
+          <a:ln>
+            <a:tailEnd type="triangle"/>
+          </a:ln>
+        </p:spPr>
+        <p:style>
+          <a:lnRef idx="1">
+            <a:schemeClr val="accent5"/>
+          </a:lnRef>
+          <a:fillRef idx="0">
+            <a:schemeClr val="accent5"/>
+          </a:fillRef>
+          <a:effectRef idx="0">
+            <a:schemeClr val="accent5"/>
+          </a:effectRef>
+          <a:fontRef idx="minor">
+            <a:schemeClr val="tx1"/>
+          </a:fontRef>
+        </p:style>
+      </p:cxnSp>
+      <p:sp>
+        <p:nvSpPr>
+          <p:cNvPr id="12" name="مستطيل 11">
+            <a:extLst>
+              <a:ext uri="{FF2B5EF4-FFF2-40B4-BE49-F238E27FC236}">
+                <a16:creationId xmlns:a16="http://schemas.microsoft.com/office/drawing/2014/main" id="{01C9B130-99F5-5EA4-D9F3-EE8866CEAD43}"/>
+              </a:ext>
+            </a:extLst>
+          </p:cNvPr>
+          <p:cNvSpPr/>
+          <p:nvPr/>
+        </p:nvSpPr>
+        <p:spPr>
+          <a:xfrm>
+            <a:off x="786350" y="2334194"/>
+            <a:ext cx="566561" cy="1468582"/>
+          </a:xfrm>
+          <a:prstGeom prst="rect">
+            <a:avLst/>
+          </a:prstGeom>
+          <a:solidFill>
+            <a:schemeClr val="bg1"/>
+          </a:solidFill>
+        </p:spPr>
+        <p:style>
+          <a:lnRef idx="2">
+            <a:schemeClr val="accent1">
+              <a:shade val="50000"/>
+            </a:schemeClr>
+          </a:lnRef>
+          <a:fillRef idx="1">
+            <a:schemeClr val="accent1"/>
+          </a:fillRef>
+          <a:effectRef idx="0">
+            <a:schemeClr val="accent1"/>
+          </a:effectRef>
+          <a:fontRef idx="minor">
+            <a:schemeClr val="lt1"/>
+          </a:fontRef>
+        </p:style>
+        <p:txBody>
+          <a:bodyPr rtlCol="0" anchor="ctr"/>
+          <a:lstStyle/>
+          <a:p>
+            <a:pPr algn="ctr"/>
+            <a:endParaRPr lang="en-US" dirty="0"/>
+          </a:p>
+        </p:txBody>
+      </p:sp>
+      <p:cxnSp>
+        <p:nvCxnSpPr>
+          <p:cNvPr id="13" name="رابط مستقيم 12">
+            <a:extLst>
+              <a:ext uri="{FF2B5EF4-FFF2-40B4-BE49-F238E27FC236}">
+                <a16:creationId xmlns:a16="http://schemas.microsoft.com/office/drawing/2014/main" id="{B4B56C89-2FC5-A673-9515-F8190D220293}"/>
+              </a:ext>
+            </a:extLst>
+          </p:cNvPr>
+          <p:cNvCxnSpPr>
+            <a:stCxn id="12" idx="1"/>
+            <a:endCxn id="12" idx="3"/>
+          </p:cNvCxnSpPr>
+          <p:nvPr/>
+        </p:nvCxnSpPr>
+        <p:spPr>
+          <a:xfrm>
+            <a:off x="786350" y="3068485"/>
+            <a:ext cx="566561" cy="0"/>
+          </a:xfrm>
+          <a:prstGeom prst="line">
+            <a:avLst/>
+          </a:prstGeom>
+        </p:spPr>
+        <p:style>
+          <a:lnRef idx="1">
+            <a:schemeClr val="accent1"/>
+          </a:lnRef>
+          <a:fillRef idx="0">
+            <a:schemeClr val="accent1"/>
+          </a:fillRef>
+          <a:effectRef idx="0">
+            <a:schemeClr val="accent1"/>
+          </a:effectRef>
+          <a:fontRef idx="minor">
+            <a:schemeClr val="tx1"/>
+          </a:fontRef>
+        </p:style>
+      </p:cxnSp>
+      <p:sp>
+        <p:nvSpPr>
+          <p:cNvPr id="14" name="مربع نص 13">
+            <a:extLst>
+              <a:ext uri="{FF2B5EF4-FFF2-40B4-BE49-F238E27FC236}">
+                <a16:creationId xmlns:a16="http://schemas.microsoft.com/office/drawing/2014/main" id="{36D48235-74C3-1CD3-29CE-6CDBB73E661E}"/>
+              </a:ext>
+            </a:extLst>
+          </p:cNvPr>
+          <p:cNvSpPr txBox="1"/>
+          <p:nvPr/>
+        </p:nvSpPr>
+        <p:spPr>
+          <a:xfrm>
+            <a:off x="779711" y="2289349"/>
+            <a:ext cx="498199" cy="369332"/>
+          </a:xfrm>
+          <a:prstGeom prst="rect">
+            <a:avLst/>
+          </a:prstGeom>
+          <a:noFill/>
+        </p:spPr>
+        <p:txBody>
+          <a:bodyPr wrap="square" rtlCol="0">
+            <a:spAutoFit/>
+          </a:bodyPr>
+          <a:lstStyle/>
+          <a:p>
+            <a:r>
+              <a:rPr lang="en-US" dirty="0"/>
+              <a:t>val</a:t>
+            </a:r>
+          </a:p>
+        </p:txBody>
+      </p:sp>
+      <p:sp>
+        <p:nvSpPr>
+          <p:cNvPr id="15" name="مربع نص 14">
+            <a:extLst>
+              <a:ext uri="{FF2B5EF4-FFF2-40B4-BE49-F238E27FC236}">
+                <a16:creationId xmlns:a16="http://schemas.microsoft.com/office/drawing/2014/main" id="{41F8A25C-B6DF-2486-71EC-BF81C6D2E420}"/>
+              </a:ext>
+            </a:extLst>
+          </p:cNvPr>
+          <p:cNvSpPr txBox="1"/>
+          <p:nvPr/>
+        </p:nvSpPr>
+        <p:spPr>
+          <a:xfrm>
+            <a:off x="832248" y="2657809"/>
+            <a:ext cx="461651" cy="369332"/>
+          </a:xfrm>
+          <a:prstGeom prst="rect">
+            <a:avLst/>
+          </a:prstGeom>
+          <a:noFill/>
+        </p:spPr>
+        <p:txBody>
+          <a:bodyPr wrap="square" rtlCol="0">
+            <a:spAutoFit/>
+          </a:bodyPr>
+          <a:lstStyle/>
+          <a:p>
+            <a:r>
+              <a:rPr lang="en-US" dirty="0"/>
+              <a:t>10</a:t>
+            </a:r>
+          </a:p>
+        </p:txBody>
+      </p:sp>
+      <p:sp>
+        <p:nvSpPr>
+          <p:cNvPr id="16" name="مستطيل 15">
+            <a:extLst>
+              <a:ext uri="{FF2B5EF4-FFF2-40B4-BE49-F238E27FC236}">
+                <a16:creationId xmlns:a16="http://schemas.microsoft.com/office/drawing/2014/main" id="{E115836F-949F-E283-5BE6-A4FD9587311B}"/>
+              </a:ext>
+            </a:extLst>
+          </p:cNvPr>
+          <p:cNvSpPr/>
+          <p:nvPr/>
+        </p:nvSpPr>
+        <p:spPr>
+          <a:xfrm>
+            <a:off x="4032875" y="2384523"/>
+            <a:ext cx="566561" cy="1468582"/>
+          </a:xfrm>
+          <a:prstGeom prst="rect">
+            <a:avLst/>
+          </a:prstGeom>
+          <a:solidFill>
+            <a:schemeClr val="bg1"/>
+          </a:solidFill>
+        </p:spPr>
+        <p:style>
+          <a:lnRef idx="2">
+            <a:schemeClr val="accent1">
+              <a:shade val="50000"/>
+            </a:schemeClr>
+          </a:lnRef>
+          <a:fillRef idx="1">
+            <a:schemeClr val="accent1"/>
+          </a:fillRef>
+          <a:effectRef idx="0">
+            <a:schemeClr val="accent1"/>
+          </a:effectRef>
+          <a:fontRef idx="minor">
+            <a:schemeClr val="lt1"/>
+          </a:fontRef>
+        </p:style>
+        <p:txBody>
+          <a:bodyPr rtlCol="0" anchor="ctr"/>
+          <a:lstStyle/>
+          <a:p>
+            <a:pPr algn="ctr"/>
+            <a:endParaRPr lang="en-US" dirty="0"/>
+          </a:p>
+        </p:txBody>
+      </p:sp>
+      <p:cxnSp>
+        <p:nvCxnSpPr>
+          <p:cNvPr id="17" name="رابط مستقيم 16">
+            <a:extLst>
+              <a:ext uri="{FF2B5EF4-FFF2-40B4-BE49-F238E27FC236}">
+                <a16:creationId xmlns:a16="http://schemas.microsoft.com/office/drawing/2014/main" id="{FCDED6C0-CF02-8BF9-7C6F-C4A09F3084AA}"/>
+              </a:ext>
+            </a:extLst>
+          </p:cNvPr>
+          <p:cNvCxnSpPr>
+            <a:cxnSpLocks/>
+            <a:stCxn id="16" idx="1"/>
+            <a:endCxn id="16" idx="3"/>
+          </p:cNvCxnSpPr>
+          <p:nvPr/>
+        </p:nvCxnSpPr>
+        <p:spPr>
+          <a:xfrm>
+            <a:off x="4032875" y="3118814"/>
+            <a:ext cx="566561" cy="0"/>
+          </a:xfrm>
+          <a:prstGeom prst="line">
+            <a:avLst/>
+          </a:prstGeom>
+        </p:spPr>
+        <p:style>
+          <a:lnRef idx="1">
+            <a:schemeClr val="accent1"/>
+          </a:lnRef>
+          <a:fillRef idx="0">
+            <a:schemeClr val="accent1"/>
+          </a:fillRef>
+          <a:effectRef idx="0">
+            <a:schemeClr val="accent1"/>
+          </a:effectRef>
+          <a:fontRef idx="minor">
+            <a:schemeClr val="tx1"/>
+          </a:fontRef>
+        </p:style>
+      </p:cxnSp>
+      <p:sp>
+        <p:nvSpPr>
+          <p:cNvPr id="18" name="مربع نص 17">
+            <a:extLst>
+              <a:ext uri="{FF2B5EF4-FFF2-40B4-BE49-F238E27FC236}">
+                <a16:creationId xmlns:a16="http://schemas.microsoft.com/office/drawing/2014/main" id="{705DCDC9-57B4-A533-7AEF-7F4511B3CD40}"/>
+              </a:ext>
+            </a:extLst>
+          </p:cNvPr>
+          <p:cNvSpPr txBox="1"/>
+          <p:nvPr/>
+        </p:nvSpPr>
+        <p:spPr>
+          <a:xfrm>
+            <a:off x="4026236" y="2339678"/>
+            <a:ext cx="498199" cy="369332"/>
+          </a:xfrm>
+          <a:prstGeom prst="rect">
+            <a:avLst/>
+          </a:prstGeom>
+          <a:noFill/>
+        </p:spPr>
+        <p:txBody>
+          <a:bodyPr wrap="square" rtlCol="0">
+            <a:spAutoFit/>
+          </a:bodyPr>
+          <a:lstStyle/>
+          <a:p>
+            <a:r>
+              <a:rPr lang="en-US" dirty="0"/>
+              <a:t>val</a:t>
+            </a:r>
+          </a:p>
+        </p:txBody>
+      </p:sp>
+      <p:sp>
+        <p:nvSpPr>
+          <p:cNvPr id="19" name="مربع نص 18">
+            <a:extLst>
+              <a:ext uri="{FF2B5EF4-FFF2-40B4-BE49-F238E27FC236}">
+                <a16:creationId xmlns:a16="http://schemas.microsoft.com/office/drawing/2014/main" id="{BC588470-32D3-1DC7-981E-EA32D0E9C78C}"/>
+              </a:ext>
+            </a:extLst>
+          </p:cNvPr>
+          <p:cNvSpPr txBox="1"/>
+          <p:nvPr/>
+        </p:nvSpPr>
+        <p:spPr>
+          <a:xfrm>
+            <a:off x="4245179" y="2674039"/>
+            <a:ext cx="206309" cy="369332"/>
+          </a:xfrm>
+          <a:prstGeom prst="rect">
+            <a:avLst/>
+          </a:prstGeom>
+          <a:noFill/>
+        </p:spPr>
+        <p:txBody>
+          <a:bodyPr wrap="square" rtlCol="0">
+            <a:spAutoFit/>
+          </a:bodyPr>
+          <a:lstStyle/>
+          <a:p>
+            <a:r>
+              <a:rPr lang="en-US" dirty="0"/>
+              <a:t>5</a:t>
+            </a:r>
+          </a:p>
+        </p:txBody>
+      </p:sp>
+      <p:sp>
+        <p:nvSpPr>
+          <p:cNvPr id="20" name="مربع نص 19">
+            <a:extLst>
+              <a:ext uri="{FF2B5EF4-FFF2-40B4-BE49-F238E27FC236}">
+                <a16:creationId xmlns:a16="http://schemas.microsoft.com/office/drawing/2014/main" id="{00267A4B-5129-C7BC-2F65-FDEC05DCDB8A}"/>
+              </a:ext>
+            </a:extLst>
+          </p:cNvPr>
+          <p:cNvSpPr txBox="1"/>
+          <p:nvPr/>
+        </p:nvSpPr>
+        <p:spPr>
+          <a:xfrm>
+            <a:off x="693908" y="1443132"/>
+            <a:ext cx="983613" cy="369332"/>
+          </a:xfrm>
+          <a:prstGeom prst="rect">
+            <a:avLst/>
+          </a:prstGeom>
+          <a:noFill/>
+        </p:spPr>
+        <p:txBody>
+          <a:bodyPr wrap="square" rtlCol="0">
+            <a:spAutoFit/>
+          </a:bodyPr>
+          <a:lstStyle/>
+          <a:p>
+            <a:pPr algn="l" rtl="0"/>
+            <a:r>
+              <a:rPr lang="en-US" dirty="0"/>
+              <a:t>Head</a:t>
+            </a:r>
+          </a:p>
+        </p:txBody>
+      </p:sp>
+      <p:cxnSp>
+        <p:nvCxnSpPr>
+          <p:cNvPr id="21" name="رابط كسهم مستقيم 20">
+            <a:extLst>
+              <a:ext uri="{FF2B5EF4-FFF2-40B4-BE49-F238E27FC236}">
+                <a16:creationId xmlns:a16="http://schemas.microsoft.com/office/drawing/2014/main" id="{D095119F-761B-248C-54EB-D0585B19F2DD}"/>
+              </a:ext>
+            </a:extLst>
+          </p:cNvPr>
+          <p:cNvCxnSpPr>
+            <a:cxnSpLocks/>
+          </p:cNvCxnSpPr>
+          <p:nvPr/>
+        </p:nvCxnSpPr>
+        <p:spPr>
+          <a:xfrm flipV="1">
+            <a:off x="4595843" y="2905190"/>
+            <a:ext cx="457662" cy="664861"/>
+          </a:xfrm>
+          <a:prstGeom prst="straightConnector1">
+            <a:avLst/>
+          </a:prstGeom>
+          <a:ln>
+            <a:tailEnd type="triangle"/>
+          </a:ln>
+        </p:spPr>
+        <p:style>
+          <a:lnRef idx="1">
+            <a:schemeClr val="accent1"/>
+          </a:lnRef>
+          <a:fillRef idx="0">
+            <a:schemeClr val="accent1"/>
+          </a:fillRef>
+          <a:effectRef idx="0">
+            <a:schemeClr val="accent1"/>
+          </a:effectRef>
+          <a:fontRef idx="minor">
+            <a:schemeClr val="tx1"/>
+          </a:fontRef>
+        </p:style>
+      </p:cxnSp>
+      <p:sp>
+        <p:nvSpPr>
+          <p:cNvPr id="22" name="مستطيل 21">
+            <a:extLst>
+              <a:ext uri="{FF2B5EF4-FFF2-40B4-BE49-F238E27FC236}">
+                <a16:creationId xmlns:a16="http://schemas.microsoft.com/office/drawing/2014/main" id="{CF012A92-C6E2-4A98-49C0-E07B174A4158}"/>
+              </a:ext>
+            </a:extLst>
+          </p:cNvPr>
+          <p:cNvSpPr/>
+          <p:nvPr/>
+        </p:nvSpPr>
+        <p:spPr>
+          <a:xfrm>
+            <a:off x="1904606" y="2363152"/>
+            <a:ext cx="566561" cy="1468582"/>
+          </a:xfrm>
+          <a:prstGeom prst="rect">
+            <a:avLst/>
+          </a:prstGeom>
+          <a:solidFill>
+            <a:schemeClr val="bg1"/>
+          </a:solidFill>
+        </p:spPr>
+        <p:style>
+          <a:lnRef idx="2">
+            <a:schemeClr val="accent1">
+              <a:shade val="50000"/>
+            </a:schemeClr>
+          </a:lnRef>
+          <a:fillRef idx="1">
+            <a:schemeClr val="accent1"/>
+          </a:fillRef>
+          <a:effectRef idx="0">
+            <a:schemeClr val="accent1"/>
+          </a:effectRef>
+          <a:fontRef idx="minor">
+            <a:schemeClr val="lt1"/>
+          </a:fontRef>
+        </p:style>
+        <p:txBody>
+          <a:bodyPr rtlCol="0" anchor="ctr"/>
+          <a:lstStyle/>
+          <a:p>
+            <a:pPr algn="ctr"/>
+            <a:endParaRPr lang="en-US" dirty="0"/>
+          </a:p>
+        </p:txBody>
+      </p:sp>
+      <p:cxnSp>
+        <p:nvCxnSpPr>
+          <p:cNvPr id="23" name="رابط مستقيم 22">
+            <a:extLst>
+              <a:ext uri="{FF2B5EF4-FFF2-40B4-BE49-F238E27FC236}">
+                <a16:creationId xmlns:a16="http://schemas.microsoft.com/office/drawing/2014/main" id="{0D4F7B25-0763-236C-382A-EBBE49825996}"/>
+              </a:ext>
+            </a:extLst>
+          </p:cNvPr>
+          <p:cNvCxnSpPr>
+            <a:stCxn id="22" idx="1"/>
+            <a:endCxn id="22" idx="3"/>
+          </p:cNvCxnSpPr>
+          <p:nvPr/>
+        </p:nvCxnSpPr>
+        <p:spPr>
+          <a:xfrm>
+            <a:off x="1904606" y="3097443"/>
+            <a:ext cx="566561" cy="0"/>
+          </a:xfrm>
+          <a:prstGeom prst="line">
+            <a:avLst/>
+          </a:prstGeom>
+        </p:spPr>
+        <p:style>
+          <a:lnRef idx="1">
+            <a:schemeClr val="accent1"/>
+          </a:lnRef>
+          <a:fillRef idx="0">
+            <a:schemeClr val="accent1"/>
+          </a:fillRef>
+          <a:effectRef idx="0">
+            <a:schemeClr val="accent1"/>
+          </a:effectRef>
+          <a:fontRef idx="minor">
+            <a:schemeClr val="tx1"/>
+          </a:fontRef>
+        </p:style>
+      </p:cxnSp>
+      <p:sp>
+        <p:nvSpPr>
+          <p:cNvPr id="24" name="مربع نص 23">
+            <a:extLst>
+              <a:ext uri="{FF2B5EF4-FFF2-40B4-BE49-F238E27FC236}">
+                <a16:creationId xmlns:a16="http://schemas.microsoft.com/office/drawing/2014/main" id="{DA9351E3-27D1-B69E-2C79-9A97E52AD2CD}"/>
+              </a:ext>
+            </a:extLst>
+          </p:cNvPr>
+          <p:cNvSpPr txBox="1"/>
+          <p:nvPr/>
+        </p:nvSpPr>
+        <p:spPr>
+          <a:xfrm>
+            <a:off x="1897967" y="2318307"/>
+            <a:ext cx="498199" cy="369332"/>
+          </a:xfrm>
+          <a:prstGeom prst="rect">
+            <a:avLst/>
+          </a:prstGeom>
+          <a:noFill/>
+        </p:spPr>
+        <p:txBody>
+          <a:bodyPr wrap="square" rtlCol="0">
+            <a:spAutoFit/>
+          </a:bodyPr>
+          <a:lstStyle/>
+          <a:p>
+            <a:r>
+              <a:rPr lang="en-US" dirty="0"/>
+              <a:t>val</a:t>
+            </a:r>
+          </a:p>
+        </p:txBody>
+      </p:sp>
+      <p:sp>
+        <p:nvSpPr>
+          <p:cNvPr id="25" name="مربع نص 24">
+            <a:extLst>
+              <a:ext uri="{FF2B5EF4-FFF2-40B4-BE49-F238E27FC236}">
+                <a16:creationId xmlns:a16="http://schemas.microsoft.com/office/drawing/2014/main" id="{0049A179-D69C-E339-2EBE-0FAAF998B1CD}"/>
+              </a:ext>
+            </a:extLst>
+          </p:cNvPr>
+          <p:cNvSpPr txBox="1"/>
+          <p:nvPr/>
+        </p:nvSpPr>
+        <p:spPr>
+          <a:xfrm>
+            <a:off x="2120644" y="2652668"/>
+            <a:ext cx="206309" cy="369332"/>
+          </a:xfrm>
+          <a:prstGeom prst="rect">
+            <a:avLst/>
+          </a:prstGeom>
+          <a:noFill/>
+        </p:spPr>
+        <p:txBody>
+          <a:bodyPr wrap="square" rtlCol="0">
+            <a:spAutoFit/>
+          </a:bodyPr>
+          <a:lstStyle/>
+          <a:p>
+            <a:r>
+              <a:rPr lang="en-US" dirty="0"/>
+              <a:t>3</a:t>
+            </a:r>
+          </a:p>
+        </p:txBody>
+      </p:sp>
+      <p:cxnSp>
+        <p:nvCxnSpPr>
+          <p:cNvPr id="26" name="رابط كسهم مستقيم 25">
+            <a:extLst>
+              <a:ext uri="{FF2B5EF4-FFF2-40B4-BE49-F238E27FC236}">
+                <a16:creationId xmlns:a16="http://schemas.microsoft.com/office/drawing/2014/main" id="{8CB62055-F13E-FE09-7E26-F2525791F6BF}"/>
+              </a:ext>
+            </a:extLst>
+          </p:cNvPr>
+          <p:cNvCxnSpPr>
+            <a:cxnSpLocks/>
+          </p:cNvCxnSpPr>
+          <p:nvPr/>
+        </p:nvCxnSpPr>
+        <p:spPr>
+          <a:xfrm flipV="1">
+            <a:off x="2463429" y="1936211"/>
+            <a:ext cx="477793" cy="1304637"/>
+          </a:xfrm>
+          <a:prstGeom prst="straightConnector1">
+            <a:avLst/>
+          </a:prstGeom>
+          <a:ln>
+            <a:tailEnd type="triangle"/>
+          </a:ln>
+        </p:spPr>
+        <p:style>
+          <a:lnRef idx="1">
+            <a:schemeClr val="accent1"/>
+          </a:lnRef>
+          <a:fillRef idx="0">
+            <a:schemeClr val="accent1"/>
+          </a:fillRef>
+          <a:effectRef idx="0">
+            <a:schemeClr val="accent1"/>
+          </a:effectRef>
+          <a:fontRef idx="minor">
+            <a:schemeClr val="tx1"/>
+          </a:fontRef>
+        </p:style>
+      </p:cxnSp>
+      <p:sp>
+        <p:nvSpPr>
+          <p:cNvPr id="27" name="مستطيل 26">
+            <a:extLst>
+              <a:ext uri="{FF2B5EF4-FFF2-40B4-BE49-F238E27FC236}">
+                <a16:creationId xmlns:a16="http://schemas.microsoft.com/office/drawing/2014/main" id="{4FA6A21A-E299-0719-9A96-ECD359C68BF4}"/>
+              </a:ext>
+            </a:extLst>
+          </p:cNvPr>
+          <p:cNvSpPr/>
+          <p:nvPr/>
+        </p:nvSpPr>
+        <p:spPr>
+          <a:xfrm>
+            <a:off x="5047682" y="2371031"/>
+            <a:ext cx="566561" cy="1468582"/>
+          </a:xfrm>
+          <a:prstGeom prst="rect">
+            <a:avLst/>
+          </a:prstGeom>
+          <a:solidFill>
+            <a:schemeClr val="bg1"/>
+          </a:solidFill>
+        </p:spPr>
+        <p:style>
+          <a:lnRef idx="2">
+            <a:schemeClr val="accent1">
+              <a:shade val="50000"/>
+            </a:schemeClr>
+          </a:lnRef>
+          <a:fillRef idx="1">
+            <a:schemeClr val="accent1"/>
+          </a:fillRef>
+          <a:effectRef idx="0">
+            <a:schemeClr val="accent1"/>
+          </a:effectRef>
+          <a:fontRef idx="minor">
+            <a:schemeClr val="lt1"/>
+          </a:fontRef>
+        </p:style>
+        <p:txBody>
+          <a:bodyPr rtlCol="0" anchor="ctr"/>
+          <a:lstStyle/>
+          <a:p>
+            <a:pPr algn="ctr"/>
+            <a:endParaRPr lang="en-US" dirty="0"/>
+          </a:p>
+        </p:txBody>
+      </p:sp>
+      <p:cxnSp>
+        <p:nvCxnSpPr>
+          <p:cNvPr id="28" name="رابط مستقيم 27">
+            <a:extLst>
+              <a:ext uri="{FF2B5EF4-FFF2-40B4-BE49-F238E27FC236}">
+                <a16:creationId xmlns:a16="http://schemas.microsoft.com/office/drawing/2014/main" id="{09A4FC23-1438-5BD3-0878-3CF9C03FBF3A}"/>
+              </a:ext>
+            </a:extLst>
+          </p:cNvPr>
+          <p:cNvCxnSpPr/>
+          <p:nvPr/>
+        </p:nvCxnSpPr>
+        <p:spPr>
+          <a:xfrm>
+            <a:off x="5047681" y="3106269"/>
+            <a:ext cx="566561" cy="0"/>
+          </a:xfrm>
+          <a:prstGeom prst="line">
+            <a:avLst/>
+          </a:prstGeom>
+        </p:spPr>
+        <p:style>
+          <a:lnRef idx="1">
+            <a:schemeClr val="accent1"/>
+          </a:lnRef>
+          <a:fillRef idx="0">
+            <a:schemeClr val="accent1"/>
+          </a:fillRef>
+          <a:effectRef idx="0">
+            <a:schemeClr val="accent1"/>
+          </a:effectRef>
+          <a:fontRef idx="minor">
+            <a:schemeClr val="tx1"/>
+          </a:fontRef>
+        </p:style>
+      </p:cxnSp>
+      <p:cxnSp>
+        <p:nvCxnSpPr>
+          <p:cNvPr id="29" name="رابط كسهم مستقيم 28">
+            <a:extLst>
+              <a:ext uri="{FF2B5EF4-FFF2-40B4-BE49-F238E27FC236}">
+                <a16:creationId xmlns:a16="http://schemas.microsoft.com/office/drawing/2014/main" id="{55AF2028-BFB2-54DC-A3C7-9BC2BEE241AC}"/>
+              </a:ext>
+            </a:extLst>
+          </p:cNvPr>
+          <p:cNvCxnSpPr>
+            <a:cxnSpLocks/>
+          </p:cNvCxnSpPr>
+          <p:nvPr/>
+        </p:nvCxnSpPr>
+        <p:spPr>
+          <a:xfrm flipV="1">
+            <a:off x="1369672" y="2889420"/>
+            <a:ext cx="504448" cy="731020"/>
+          </a:xfrm>
+          <a:prstGeom prst="straightConnector1">
+            <a:avLst/>
+          </a:prstGeom>
+          <a:ln>
+            <a:tailEnd type="triangle"/>
+          </a:ln>
+        </p:spPr>
+        <p:style>
+          <a:lnRef idx="1">
+            <a:schemeClr val="accent1"/>
+          </a:lnRef>
+          <a:fillRef idx="0">
+            <a:schemeClr val="accent1"/>
+          </a:fillRef>
+          <a:effectRef idx="0">
+            <a:schemeClr val="accent1"/>
+          </a:effectRef>
+          <a:fontRef idx="minor">
+            <a:schemeClr val="tx1"/>
+          </a:fontRef>
+        </p:style>
+      </p:cxnSp>
+      <p:cxnSp>
+        <p:nvCxnSpPr>
+          <p:cNvPr id="30" name="رابط كسهم مستقيم 29">
+            <a:extLst>
+              <a:ext uri="{FF2B5EF4-FFF2-40B4-BE49-F238E27FC236}">
+                <a16:creationId xmlns:a16="http://schemas.microsoft.com/office/drawing/2014/main" id="{00E28414-CE38-5297-30B9-7FB80E217084}"/>
+              </a:ext>
+            </a:extLst>
+          </p:cNvPr>
+          <p:cNvCxnSpPr>
+            <a:stCxn id="6" idx="2"/>
+            <a:endCxn id="27" idx="0"/>
+          </p:cNvCxnSpPr>
+          <p:nvPr/>
+        </p:nvCxnSpPr>
+        <p:spPr>
+          <a:xfrm>
+            <a:off x="5319153" y="2055552"/>
+            <a:ext cx="11810" cy="315479"/>
+          </a:xfrm>
+          <a:prstGeom prst="straightConnector1">
+            <a:avLst/>
+          </a:prstGeom>
+          <a:ln>
+            <a:tailEnd type="triangle"/>
+          </a:ln>
+        </p:spPr>
+        <p:style>
+          <a:lnRef idx="1">
+            <a:schemeClr val="accent1"/>
+          </a:lnRef>
+          <a:fillRef idx="0">
+            <a:schemeClr val="accent1"/>
+          </a:fillRef>
+          <a:effectRef idx="0">
+            <a:schemeClr val="accent1"/>
+          </a:effectRef>
+          <a:fontRef idx="minor">
+            <a:schemeClr val="tx1"/>
+          </a:fontRef>
+        </p:style>
+      </p:cxnSp>
+      <p:sp>
+        <p:nvSpPr>
+          <p:cNvPr id="31" name="مربع نص 30">
+            <a:extLst>
+              <a:ext uri="{FF2B5EF4-FFF2-40B4-BE49-F238E27FC236}">
+                <a16:creationId xmlns:a16="http://schemas.microsoft.com/office/drawing/2014/main" id="{8C914231-0E51-AEF2-01AC-8CD64BE1B4B1}"/>
+              </a:ext>
+            </a:extLst>
+          </p:cNvPr>
+          <p:cNvSpPr txBox="1"/>
+          <p:nvPr/>
+        </p:nvSpPr>
+        <p:spPr>
+          <a:xfrm>
+            <a:off x="3107277" y="3353692"/>
+            <a:ext cx="491560" cy="369332"/>
+          </a:xfrm>
+          <a:prstGeom prst="rect">
+            <a:avLst/>
+          </a:prstGeom>
+          <a:noFill/>
+        </p:spPr>
+        <p:txBody>
+          <a:bodyPr wrap="square" rtlCol="0">
+            <a:spAutoFit/>
+          </a:bodyPr>
+          <a:lstStyle/>
+          <a:p>
+            <a:r>
+              <a:rPr lang="en-US" dirty="0">
+                <a:solidFill>
+                  <a:srgbClr val="FFC000"/>
+                </a:solidFill>
+              </a:rPr>
+              <a:t>old</a:t>
+            </a:r>
+          </a:p>
+        </p:txBody>
+      </p:sp>
+      <p:cxnSp>
+        <p:nvCxnSpPr>
+          <p:cNvPr id="32" name="رابط كسهم مستقيم 31">
+            <a:extLst>
+              <a:ext uri="{FF2B5EF4-FFF2-40B4-BE49-F238E27FC236}">
+                <a16:creationId xmlns:a16="http://schemas.microsoft.com/office/drawing/2014/main" id="{09FDF033-56EA-A587-5539-E0DD9E134473}"/>
+              </a:ext>
+            </a:extLst>
+          </p:cNvPr>
+          <p:cNvCxnSpPr>
+            <a:cxnSpLocks/>
+          </p:cNvCxnSpPr>
+          <p:nvPr/>
+        </p:nvCxnSpPr>
+        <p:spPr>
+          <a:xfrm flipV="1">
+            <a:off x="5610649" y="2891698"/>
+            <a:ext cx="457662" cy="664861"/>
+          </a:xfrm>
+          <a:prstGeom prst="straightConnector1">
+            <a:avLst/>
+          </a:prstGeom>
+          <a:ln>
+            <a:tailEnd type="triangle"/>
+          </a:ln>
+        </p:spPr>
+        <p:style>
+          <a:lnRef idx="1">
+            <a:schemeClr val="accent1"/>
+          </a:lnRef>
+          <a:fillRef idx="0">
+            <a:schemeClr val="accent1"/>
+          </a:fillRef>
+          <a:effectRef idx="0">
+            <a:schemeClr val="accent1"/>
+          </a:effectRef>
+          <a:fontRef idx="minor">
+            <a:schemeClr val="tx1"/>
+          </a:fontRef>
+        </p:style>
+      </p:cxnSp>
+      <p:sp>
+        <p:nvSpPr>
+          <p:cNvPr id="33" name="مربع نص 32">
+            <a:extLst>
+              <a:ext uri="{FF2B5EF4-FFF2-40B4-BE49-F238E27FC236}">
+                <a16:creationId xmlns:a16="http://schemas.microsoft.com/office/drawing/2014/main" id="{9D18DC3D-8A56-C02F-4232-C00DF696CA0F}"/>
+              </a:ext>
+            </a:extLst>
+          </p:cNvPr>
+          <p:cNvSpPr txBox="1"/>
+          <p:nvPr/>
+        </p:nvSpPr>
+        <p:spPr>
+          <a:xfrm>
+            <a:off x="5041105" y="2368370"/>
+            <a:ext cx="498199" cy="369332"/>
+          </a:xfrm>
+          <a:prstGeom prst="rect">
+            <a:avLst/>
+          </a:prstGeom>
+          <a:noFill/>
+        </p:spPr>
+        <p:txBody>
+          <a:bodyPr wrap="square" rtlCol="0">
+            <a:spAutoFit/>
+          </a:bodyPr>
+          <a:lstStyle/>
+          <a:p>
+            <a:r>
+              <a:rPr lang="en-US" dirty="0"/>
+              <a:t>val</a:t>
+            </a:r>
+          </a:p>
+        </p:txBody>
+      </p:sp>
+      <p:sp>
+        <p:nvSpPr>
+          <p:cNvPr id="34" name="مربع نص 33">
+            <a:extLst>
+              <a:ext uri="{FF2B5EF4-FFF2-40B4-BE49-F238E27FC236}">
+                <a16:creationId xmlns:a16="http://schemas.microsoft.com/office/drawing/2014/main" id="{44F3EA38-BA1D-FBB1-815C-55DE7D318D93}"/>
+              </a:ext>
+            </a:extLst>
+          </p:cNvPr>
+          <p:cNvSpPr txBox="1"/>
+          <p:nvPr/>
+        </p:nvSpPr>
+        <p:spPr>
+          <a:xfrm>
+            <a:off x="5070585" y="2665688"/>
+            <a:ext cx="457662" cy="369332"/>
+          </a:xfrm>
+          <a:prstGeom prst="rect">
+            <a:avLst/>
+          </a:prstGeom>
+          <a:noFill/>
+        </p:spPr>
+        <p:txBody>
+          <a:bodyPr wrap="square" rtlCol="0">
+            <a:spAutoFit/>
+          </a:bodyPr>
+          <a:lstStyle/>
+          <a:p>
+            <a:r>
+              <a:rPr lang="en-US" dirty="0"/>
+              <a:t>35</a:t>
+            </a:r>
+          </a:p>
+        </p:txBody>
+      </p:sp>
+      <p:sp>
+        <p:nvSpPr>
+          <p:cNvPr id="35" name="مربع نص 34">
+            <a:extLst>
+              <a:ext uri="{FF2B5EF4-FFF2-40B4-BE49-F238E27FC236}">
+                <a16:creationId xmlns:a16="http://schemas.microsoft.com/office/drawing/2014/main" id="{65DC0DA1-CE21-BB7E-A4B2-FF5518272260}"/>
+              </a:ext>
+            </a:extLst>
+          </p:cNvPr>
+          <p:cNvSpPr txBox="1"/>
+          <p:nvPr/>
+        </p:nvSpPr>
+        <p:spPr>
+          <a:xfrm>
+            <a:off x="1305692" y="2005337"/>
+            <a:ext cx="457281" cy="369332"/>
+          </a:xfrm>
+          <a:prstGeom prst="rect">
+            <a:avLst/>
+          </a:prstGeom>
+          <a:noFill/>
+        </p:spPr>
+        <p:txBody>
+          <a:bodyPr wrap="square" rtlCol="0">
+            <a:spAutoFit/>
+          </a:bodyPr>
+          <a:lstStyle/>
+          <a:p>
+            <a:pPr algn="l" rtl="0"/>
+            <a:r>
+              <a:rPr lang="en-US" dirty="0">
+                <a:solidFill>
+                  <a:srgbClr val="00B050"/>
+                </a:solidFill>
+              </a:rPr>
+              <a:t>*1</a:t>
+            </a:r>
+          </a:p>
+        </p:txBody>
+      </p:sp>
+      <p:sp>
+        <p:nvSpPr>
+          <p:cNvPr id="36" name="مربع نص 35">
+            <a:extLst>
+              <a:ext uri="{FF2B5EF4-FFF2-40B4-BE49-F238E27FC236}">
+                <a16:creationId xmlns:a16="http://schemas.microsoft.com/office/drawing/2014/main" id="{9E80ADF3-F015-DED4-9C5F-62AF276B5617}"/>
+              </a:ext>
+            </a:extLst>
+          </p:cNvPr>
+          <p:cNvSpPr txBox="1"/>
+          <p:nvPr/>
+        </p:nvSpPr>
+        <p:spPr>
+          <a:xfrm>
+            <a:off x="3485842" y="1142991"/>
+            <a:ext cx="457281" cy="369332"/>
+          </a:xfrm>
+          <a:prstGeom prst="rect">
+            <a:avLst/>
+          </a:prstGeom>
+          <a:noFill/>
+        </p:spPr>
+        <p:txBody>
+          <a:bodyPr wrap="square" rtlCol="0">
+            <a:spAutoFit/>
+          </a:bodyPr>
+          <a:lstStyle/>
+          <a:p>
+            <a:pPr algn="l" rtl="0"/>
+            <a:r>
+              <a:rPr lang="en-US" dirty="0">
+                <a:solidFill>
+                  <a:srgbClr val="00B050"/>
+                </a:solidFill>
+              </a:rPr>
+              <a:t>*2</a:t>
+            </a:r>
+          </a:p>
+        </p:txBody>
+      </p:sp>
+      <p:sp>
+        <p:nvSpPr>
+          <p:cNvPr id="37" name="مربع نص 36">
+            <a:extLst>
+              <a:ext uri="{FF2B5EF4-FFF2-40B4-BE49-F238E27FC236}">
+                <a16:creationId xmlns:a16="http://schemas.microsoft.com/office/drawing/2014/main" id="{737D3B88-2802-BF05-3032-7A319B49CF63}"/>
+              </a:ext>
+            </a:extLst>
+          </p:cNvPr>
+          <p:cNvSpPr txBox="1"/>
+          <p:nvPr/>
+        </p:nvSpPr>
+        <p:spPr>
+          <a:xfrm>
+            <a:off x="7740073" y="4326610"/>
+            <a:ext cx="3487113" cy="1323439"/>
+          </a:xfrm>
+          <a:prstGeom prst="rect">
+            <a:avLst/>
+          </a:prstGeom>
+          <a:noFill/>
+        </p:spPr>
+        <p:txBody>
+          <a:bodyPr wrap="square" rtlCol="0">
+            <a:spAutoFit/>
+          </a:bodyPr>
+          <a:lstStyle/>
+          <a:p>
+            <a:pPr algn="l" rtl="0"/>
+            <a:r>
+              <a:rPr lang="en-US" sz="1600" dirty="0">
+                <a:solidFill>
+                  <a:schemeClr val="accent6"/>
+                </a:solidFill>
+              </a:rPr>
+              <a:t>1-Loop the indexes with t to find </a:t>
+            </a:r>
+            <a:r>
+              <a:rPr lang="en-US" sz="1600" dirty="0">
+                <a:solidFill>
+                  <a:srgbClr val="FFC000"/>
+                </a:solidFill>
+              </a:rPr>
+              <a:t>pos</a:t>
+            </a:r>
+            <a:br>
+              <a:rPr lang="en-US" sz="1600" dirty="0">
+                <a:solidFill>
+                  <a:schemeClr val="accent6"/>
+                </a:solidFill>
+              </a:rPr>
+            </a:br>
+            <a:r>
+              <a:rPr lang="en-US" sz="1600" dirty="0">
+                <a:solidFill>
+                  <a:schemeClr val="accent6"/>
+                </a:solidFill>
+              </a:rPr>
+              <a:t>2-Create node </a:t>
+            </a:r>
+            <a:r>
+              <a:rPr lang="en-US" sz="1600" dirty="0">
+                <a:solidFill>
+                  <a:srgbClr val="FF0000"/>
+                </a:solidFill>
+              </a:rPr>
+              <a:t>nn</a:t>
+            </a:r>
+            <a:br>
+              <a:rPr lang="en-US" sz="1600" dirty="0">
+                <a:solidFill>
+                  <a:schemeClr val="accent6"/>
+                </a:solidFill>
+              </a:rPr>
+            </a:br>
+            <a:r>
+              <a:rPr lang="en-US" sz="1600" dirty="0">
+                <a:solidFill>
+                  <a:schemeClr val="accent6"/>
+                </a:solidFill>
+              </a:rPr>
+              <a:t>3-Add val</a:t>
+            </a:r>
+            <a:br>
+              <a:rPr lang="en-US" sz="1600" dirty="0">
+                <a:solidFill>
+                  <a:schemeClr val="accent6"/>
+                </a:solidFill>
+              </a:rPr>
+            </a:br>
+            <a:r>
+              <a:rPr lang="en-US" sz="1600" dirty="0">
+                <a:solidFill>
+                  <a:schemeClr val="accent6"/>
+                </a:solidFill>
+              </a:rPr>
+              <a:t>4-make </a:t>
+            </a:r>
+            <a:r>
+              <a:rPr lang="en-US" sz="1600" dirty="0">
+                <a:solidFill>
+                  <a:srgbClr val="FF0000"/>
+                </a:solidFill>
+              </a:rPr>
+              <a:t>nn</a:t>
+            </a:r>
+            <a:r>
+              <a:rPr lang="en-US" sz="1600" dirty="0">
+                <a:solidFill>
+                  <a:schemeClr val="accent6"/>
+                </a:solidFill>
+              </a:rPr>
+              <a:t>.next point on t.next</a:t>
+            </a:r>
+            <a:r>
+              <a:rPr lang="en-US" sz="1200" dirty="0">
+                <a:solidFill>
+                  <a:srgbClr val="FFC000"/>
+                </a:solidFill>
+              </a:rPr>
+              <a:t>(old next)</a:t>
+            </a:r>
+            <a:endParaRPr lang="en-US" sz="1600" dirty="0">
+              <a:solidFill>
+                <a:srgbClr val="FFC000"/>
+              </a:solidFill>
+            </a:endParaRPr>
+          </a:p>
+          <a:p>
+            <a:pPr algn="l" rtl="0"/>
+            <a:r>
+              <a:rPr lang="en-US" sz="1600" dirty="0">
+                <a:solidFill>
+                  <a:schemeClr val="accent6"/>
+                </a:solidFill>
+              </a:rPr>
+              <a:t>5-make t.next</a:t>
+            </a:r>
+            <a:r>
+              <a:rPr lang="en-US" sz="1200" dirty="0">
+                <a:solidFill>
+                  <a:srgbClr val="FFC000"/>
+                </a:solidFill>
+              </a:rPr>
+              <a:t>(old pos) </a:t>
+            </a:r>
+            <a:r>
+              <a:rPr lang="en-US" sz="1600" dirty="0">
+                <a:solidFill>
+                  <a:schemeClr val="accent6"/>
+                </a:solidFill>
+              </a:rPr>
+              <a:t>point on </a:t>
+            </a:r>
+            <a:r>
+              <a:rPr lang="en-US" sz="1600" dirty="0">
+                <a:solidFill>
+                  <a:srgbClr val="FF0000"/>
+                </a:solidFill>
+              </a:rPr>
+              <a:t>nn</a:t>
+            </a:r>
+          </a:p>
+        </p:txBody>
+      </p:sp>
+      <p:sp>
+        <p:nvSpPr>
+          <p:cNvPr id="38" name="مستطيل 37">
+            <a:extLst>
+              <a:ext uri="{FF2B5EF4-FFF2-40B4-BE49-F238E27FC236}">
+                <a16:creationId xmlns:a16="http://schemas.microsoft.com/office/drawing/2014/main" id="{4132D136-9C87-CD9C-39C7-603DC1F4017C}"/>
+              </a:ext>
+            </a:extLst>
+          </p:cNvPr>
+          <p:cNvSpPr/>
+          <p:nvPr/>
+        </p:nvSpPr>
+        <p:spPr>
+          <a:xfrm>
+            <a:off x="2970787" y="1402954"/>
+            <a:ext cx="566561" cy="1468582"/>
+          </a:xfrm>
+          <a:prstGeom prst="rect">
+            <a:avLst/>
+          </a:prstGeom>
+          <a:solidFill>
+            <a:schemeClr val="bg1"/>
+          </a:solidFill>
+        </p:spPr>
+        <p:style>
+          <a:lnRef idx="2">
+            <a:schemeClr val="accent1">
+              <a:shade val="50000"/>
+            </a:schemeClr>
+          </a:lnRef>
+          <a:fillRef idx="1">
+            <a:schemeClr val="accent1"/>
+          </a:fillRef>
+          <a:effectRef idx="0">
+            <a:schemeClr val="accent1"/>
+          </a:effectRef>
+          <a:fontRef idx="minor">
+            <a:schemeClr val="lt1"/>
+          </a:fontRef>
+        </p:style>
+        <p:txBody>
+          <a:bodyPr rtlCol="0" anchor="ctr"/>
+          <a:lstStyle/>
+          <a:p>
+            <a:pPr algn="ctr"/>
+            <a:endParaRPr lang="en-US" dirty="0"/>
+          </a:p>
+        </p:txBody>
+      </p:sp>
+      <p:cxnSp>
+        <p:nvCxnSpPr>
+          <p:cNvPr id="39" name="رابط مستقيم 38">
+            <a:extLst>
+              <a:ext uri="{FF2B5EF4-FFF2-40B4-BE49-F238E27FC236}">
+                <a16:creationId xmlns:a16="http://schemas.microsoft.com/office/drawing/2014/main" id="{920120EF-7921-8F23-FC28-E86214257DE2}"/>
+              </a:ext>
+            </a:extLst>
+          </p:cNvPr>
+          <p:cNvCxnSpPr>
+            <a:stCxn id="38" idx="1"/>
+            <a:endCxn id="38" idx="3"/>
+          </p:cNvCxnSpPr>
+          <p:nvPr/>
+        </p:nvCxnSpPr>
+        <p:spPr>
+          <a:xfrm>
+            <a:off x="2970787" y="2137245"/>
+            <a:ext cx="566561" cy="0"/>
+          </a:xfrm>
+          <a:prstGeom prst="line">
+            <a:avLst/>
+          </a:prstGeom>
+        </p:spPr>
+        <p:style>
+          <a:lnRef idx="1">
+            <a:schemeClr val="accent1"/>
+          </a:lnRef>
+          <a:fillRef idx="0">
+            <a:schemeClr val="accent1"/>
+          </a:fillRef>
+          <a:effectRef idx="0">
+            <a:schemeClr val="accent1"/>
+          </a:effectRef>
+          <a:fontRef idx="minor">
+            <a:schemeClr val="tx1"/>
+          </a:fontRef>
+        </p:style>
+      </p:cxnSp>
+      <p:sp>
+        <p:nvSpPr>
+          <p:cNvPr id="40" name="مربع نص 39">
+            <a:extLst>
+              <a:ext uri="{FF2B5EF4-FFF2-40B4-BE49-F238E27FC236}">
+                <a16:creationId xmlns:a16="http://schemas.microsoft.com/office/drawing/2014/main" id="{34B0CBFB-B085-4842-BE45-E389CDD9B0BE}"/>
+              </a:ext>
+            </a:extLst>
+          </p:cNvPr>
+          <p:cNvSpPr txBox="1"/>
+          <p:nvPr/>
+        </p:nvSpPr>
+        <p:spPr>
+          <a:xfrm>
+            <a:off x="2964148" y="1358109"/>
+            <a:ext cx="498199" cy="369332"/>
+          </a:xfrm>
+          <a:prstGeom prst="rect">
+            <a:avLst/>
+          </a:prstGeom>
+          <a:noFill/>
+        </p:spPr>
+        <p:txBody>
+          <a:bodyPr wrap="square" rtlCol="0">
+            <a:spAutoFit/>
+          </a:bodyPr>
+          <a:lstStyle/>
+          <a:p>
+            <a:r>
+              <a:rPr lang="en-US" dirty="0"/>
+              <a:t>val</a:t>
+            </a:r>
+          </a:p>
+        </p:txBody>
+      </p:sp>
+      <p:sp>
+        <p:nvSpPr>
+          <p:cNvPr id="41" name="مربع نص 40">
+            <a:extLst>
+              <a:ext uri="{FF2B5EF4-FFF2-40B4-BE49-F238E27FC236}">
+                <a16:creationId xmlns:a16="http://schemas.microsoft.com/office/drawing/2014/main" id="{FC708358-3F75-806C-7296-BE31DF6CCE17}"/>
+              </a:ext>
+            </a:extLst>
+          </p:cNvPr>
+          <p:cNvSpPr txBox="1"/>
+          <p:nvPr/>
+        </p:nvSpPr>
+        <p:spPr>
+          <a:xfrm>
+            <a:off x="2861481" y="1670740"/>
+            <a:ext cx="553570" cy="369332"/>
+          </a:xfrm>
+          <a:prstGeom prst="rect">
+            <a:avLst/>
+          </a:prstGeom>
+          <a:noFill/>
+        </p:spPr>
+        <p:txBody>
+          <a:bodyPr wrap="square" rtlCol="0">
+            <a:spAutoFit/>
+          </a:bodyPr>
+          <a:lstStyle/>
+          <a:p>
+            <a:r>
+              <a:rPr lang="en-US" dirty="0"/>
+              <a:t>9</a:t>
+            </a:r>
+          </a:p>
+        </p:txBody>
+      </p:sp>
+      <p:cxnSp>
+        <p:nvCxnSpPr>
+          <p:cNvPr id="42" name="رابط كسهم مستقيم 41">
+            <a:extLst>
+              <a:ext uri="{FF2B5EF4-FFF2-40B4-BE49-F238E27FC236}">
+                <a16:creationId xmlns:a16="http://schemas.microsoft.com/office/drawing/2014/main" id="{9FBE8EDC-955B-BE7B-98D7-7FD6D092B4FD}"/>
+              </a:ext>
+            </a:extLst>
+          </p:cNvPr>
+          <p:cNvCxnSpPr>
+            <a:cxnSpLocks/>
+          </p:cNvCxnSpPr>
+          <p:nvPr/>
+        </p:nvCxnSpPr>
+        <p:spPr>
+          <a:xfrm flipV="1">
+            <a:off x="2494662" y="3031134"/>
+            <a:ext cx="1491154" cy="759405"/>
+          </a:xfrm>
+          <a:prstGeom prst="straightConnector1">
+            <a:avLst/>
+          </a:prstGeom>
+          <a:ln>
+            <a:tailEnd type="triangle"/>
+          </a:ln>
+        </p:spPr>
+        <p:style>
+          <a:lnRef idx="1">
+            <a:schemeClr val="accent2"/>
+          </a:lnRef>
+          <a:fillRef idx="0">
+            <a:schemeClr val="accent2"/>
+          </a:fillRef>
+          <a:effectRef idx="0">
+            <a:schemeClr val="accent2"/>
+          </a:effectRef>
+          <a:fontRef idx="minor">
+            <a:schemeClr val="tx1"/>
+          </a:fontRef>
+        </p:style>
+      </p:cxnSp>
+      <p:sp>
+        <p:nvSpPr>
+          <p:cNvPr id="43" name="مربع نص 42">
+            <a:extLst>
+              <a:ext uri="{FF2B5EF4-FFF2-40B4-BE49-F238E27FC236}">
+                <a16:creationId xmlns:a16="http://schemas.microsoft.com/office/drawing/2014/main" id="{429E2EDB-F6E6-9F4B-577D-DA1CB7E91A8B}"/>
+              </a:ext>
+            </a:extLst>
+          </p:cNvPr>
+          <p:cNvSpPr txBox="1"/>
+          <p:nvPr/>
+        </p:nvSpPr>
+        <p:spPr>
+          <a:xfrm>
+            <a:off x="920796" y="1710544"/>
+            <a:ext cx="708564" cy="369332"/>
+          </a:xfrm>
+          <a:prstGeom prst="rect">
+            <a:avLst/>
+          </a:prstGeom>
+          <a:noFill/>
+        </p:spPr>
+        <p:txBody>
+          <a:bodyPr wrap="square" rtlCol="0">
+            <a:spAutoFit/>
+          </a:bodyPr>
+          <a:lstStyle/>
+          <a:p>
+            <a:r>
+              <a:rPr lang="en-US" dirty="0"/>
+              <a:t>t</a:t>
+            </a:r>
+          </a:p>
+        </p:txBody>
+      </p:sp>
+      <p:cxnSp>
+        <p:nvCxnSpPr>
+          <p:cNvPr id="44" name="رابط كسهم مستقيم 43">
+            <a:extLst>
+              <a:ext uri="{FF2B5EF4-FFF2-40B4-BE49-F238E27FC236}">
+                <a16:creationId xmlns:a16="http://schemas.microsoft.com/office/drawing/2014/main" id="{035CE49E-D161-C3CB-3FC6-D3436A65485B}"/>
+              </a:ext>
+            </a:extLst>
+          </p:cNvPr>
+          <p:cNvCxnSpPr>
+            <a:cxnSpLocks/>
+          </p:cNvCxnSpPr>
+          <p:nvPr/>
+        </p:nvCxnSpPr>
+        <p:spPr>
+          <a:xfrm flipH="1">
+            <a:off x="1185714" y="1991520"/>
+            <a:ext cx="276511" cy="259607"/>
+          </a:xfrm>
+          <a:prstGeom prst="straightConnector1">
+            <a:avLst/>
+          </a:prstGeom>
+          <a:ln>
+            <a:tailEnd type="triangle"/>
+          </a:ln>
+        </p:spPr>
+        <p:style>
+          <a:lnRef idx="1">
+            <a:schemeClr val="accent6"/>
+          </a:lnRef>
+          <a:fillRef idx="0">
+            <a:schemeClr val="accent6"/>
+          </a:fillRef>
+          <a:effectRef idx="0">
+            <a:schemeClr val="accent6"/>
+          </a:effectRef>
+          <a:fontRef idx="minor">
+            <a:schemeClr val="tx1"/>
+          </a:fontRef>
+        </p:style>
+      </p:cxnSp>
+      <p:sp>
+        <p:nvSpPr>
+          <p:cNvPr id="47" name="مربع نص 46">
+            <a:extLst>
+              <a:ext uri="{FF2B5EF4-FFF2-40B4-BE49-F238E27FC236}">
+                <a16:creationId xmlns:a16="http://schemas.microsoft.com/office/drawing/2014/main" id="{6C8BD20B-C889-CE4B-6341-D9D195BA68DB}"/>
+              </a:ext>
+            </a:extLst>
+          </p:cNvPr>
+          <p:cNvSpPr txBox="1"/>
+          <p:nvPr/>
+        </p:nvSpPr>
+        <p:spPr>
+          <a:xfrm>
+            <a:off x="509310" y="4921789"/>
+            <a:ext cx="2658220" cy="830997"/>
+          </a:xfrm>
+          <a:prstGeom prst="rect">
+            <a:avLst/>
+          </a:prstGeom>
+          <a:noFill/>
+        </p:spPr>
+        <p:txBody>
+          <a:bodyPr wrap="square">
+            <a:spAutoFit/>
+          </a:bodyPr>
+          <a:lstStyle/>
+          <a:p>
+            <a:pPr algn="l" rtl="0"/>
+            <a:r>
+              <a:rPr lang="en-US" sz="1600" dirty="0"/>
+              <a:t>node t = head;</a:t>
+            </a:r>
+          </a:p>
+          <a:p>
+            <a:pPr algn="l" rtl="0"/>
+            <a:r>
+              <a:rPr lang="en-US" sz="1600" dirty="0"/>
+              <a:t>            for (int i =1;i&lt;2;i++)</a:t>
+            </a:r>
+          </a:p>
+          <a:p>
+            <a:pPr algn="l" rtl="0"/>
+            <a:r>
+              <a:rPr lang="en-US" sz="1600" dirty="0"/>
+              <a:t>                t=t.next;</a:t>
+            </a:r>
+          </a:p>
+        </p:txBody>
+      </p:sp>
+      <p:sp>
+        <p:nvSpPr>
+          <p:cNvPr id="48" name="مربع نص 47">
+            <a:extLst>
+              <a:ext uri="{FF2B5EF4-FFF2-40B4-BE49-F238E27FC236}">
+                <a16:creationId xmlns:a16="http://schemas.microsoft.com/office/drawing/2014/main" id="{64816C20-3987-3D56-DD7F-60EFB4CC6927}"/>
+              </a:ext>
+            </a:extLst>
+          </p:cNvPr>
+          <p:cNvSpPr txBox="1"/>
+          <p:nvPr/>
+        </p:nvSpPr>
+        <p:spPr>
+          <a:xfrm>
+            <a:off x="518092" y="5944256"/>
+            <a:ext cx="1815422" cy="369332"/>
+          </a:xfrm>
+          <a:prstGeom prst="rect">
+            <a:avLst/>
+          </a:prstGeom>
+          <a:noFill/>
+        </p:spPr>
+        <p:txBody>
+          <a:bodyPr wrap="square">
+            <a:spAutoFit/>
+          </a:bodyPr>
+          <a:lstStyle/>
+          <a:p>
+            <a:pPr algn="l" rtl="0"/>
+            <a:r>
+              <a:rPr lang="en-US" dirty="0"/>
+              <a:t>insertToPos(3,9);</a:t>
+            </a:r>
+          </a:p>
+        </p:txBody>
+      </p:sp>
+      <p:cxnSp>
+        <p:nvCxnSpPr>
+          <p:cNvPr id="49" name="رابط كسهم مستقيم 48">
+            <a:extLst>
+              <a:ext uri="{FF2B5EF4-FFF2-40B4-BE49-F238E27FC236}">
+                <a16:creationId xmlns:a16="http://schemas.microsoft.com/office/drawing/2014/main" id="{F14BC3A4-C17A-9AC5-2897-58910764AF2E}"/>
+              </a:ext>
+            </a:extLst>
+          </p:cNvPr>
+          <p:cNvCxnSpPr/>
+          <p:nvPr/>
+        </p:nvCxnSpPr>
+        <p:spPr>
+          <a:xfrm>
+            <a:off x="1534332" y="2005337"/>
+            <a:ext cx="448095" cy="355154"/>
+          </a:xfrm>
+          <a:prstGeom prst="straightConnector1">
+            <a:avLst/>
+          </a:prstGeom>
+          <a:ln>
+            <a:tailEnd type="triangle"/>
+          </a:ln>
+        </p:spPr>
+        <p:style>
+          <a:lnRef idx="1">
+            <a:schemeClr val="accent6"/>
+          </a:lnRef>
+          <a:fillRef idx="0">
+            <a:schemeClr val="accent6"/>
+          </a:fillRef>
+          <a:effectRef idx="0">
+            <a:schemeClr val="accent6"/>
+          </a:effectRef>
+          <a:fontRef idx="minor">
+            <a:schemeClr val="tx1"/>
+          </a:fontRef>
+        </p:style>
+      </p:cxnSp>
+      <p:sp>
+        <p:nvSpPr>
+          <p:cNvPr id="51" name="مربع نص 50">
+            <a:extLst>
+              <a:ext uri="{FF2B5EF4-FFF2-40B4-BE49-F238E27FC236}">
+                <a16:creationId xmlns:a16="http://schemas.microsoft.com/office/drawing/2014/main" id="{2423E38D-95D6-8FCA-920D-4A36AE173429}"/>
+              </a:ext>
+            </a:extLst>
+          </p:cNvPr>
+          <p:cNvSpPr txBox="1"/>
+          <p:nvPr/>
+        </p:nvSpPr>
+        <p:spPr>
+          <a:xfrm>
+            <a:off x="909905" y="3012498"/>
+            <a:ext cx="498199" cy="307777"/>
+          </a:xfrm>
+          <a:prstGeom prst="rect">
+            <a:avLst/>
+          </a:prstGeom>
+          <a:noFill/>
+        </p:spPr>
+        <p:txBody>
+          <a:bodyPr wrap="square" rtlCol="0">
+            <a:spAutoFit/>
+          </a:bodyPr>
+          <a:lstStyle/>
+          <a:p>
+            <a:r>
+              <a:rPr lang="en-US" sz="1400" dirty="0">
+                <a:solidFill>
+                  <a:srgbClr val="92D050"/>
+                </a:solidFill>
+              </a:rPr>
+              <a:t>1</a:t>
+            </a:r>
+            <a:endParaRPr lang="en-US" dirty="0">
+              <a:solidFill>
+                <a:srgbClr val="92D050"/>
+              </a:solidFill>
+            </a:endParaRPr>
+          </a:p>
+        </p:txBody>
+      </p:sp>
+      <p:sp>
+        <p:nvSpPr>
+          <p:cNvPr id="52" name="مربع نص 51">
+            <a:extLst>
+              <a:ext uri="{FF2B5EF4-FFF2-40B4-BE49-F238E27FC236}">
+                <a16:creationId xmlns:a16="http://schemas.microsoft.com/office/drawing/2014/main" id="{7670A748-18B6-68D3-4937-A19087FD2B49}"/>
+              </a:ext>
+            </a:extLst>
+          </p:cNvPr>
+          <p:cNvSpPr txBox="1"/>
+          <p:nvPr/>
+        </p:nvSpPr>
+        <p:spPr>
+          <a:xfrm>
+            <a:off x="2055799" y="3020313"/>
+            <a:ext cx="498199" cy="307777"/>
+          </a:xfrm>
+          <a:prstGeom prst="rect">
+            <a:avLst/>
+          </a:prstGeom>
+          <a:noFill/>
+        </p:spPr>
+        <p:txBody>
+          <a:bodyPr wrap="square" rtlCol="0">
+            <a:spAutoFit/>
+          </a:bodyPr>
+          <a:lstStyle/>
+          <a:p>
+            <a:r>
+              <a:rPr lang="en-US" sz="1400" dirty="0">
+                <a:solidFill>
+                  <a:srgbClr val="92D050"/>
+                </a:solidFill>
+              </a:rPr>
+              <a:t>2</a:t>
+            </a:r>
+            <a:endParaRPr lang="en-US" dirty="0">
+              <a:solidFill>
+                <a:srgbClr val="92D050"/>
+              </a:solidFill>
+            </a:endParaRPr>
+          </a:p>
+        </p:txBody>
+      </p:sp>
+      <p:sp>
+        <p:nvSpPr>
+          <p:cNvPr id="53" name="مربع نص 52">
+            <a:extLst>
+              <a:ext uri="{FF2B5EF4-FFF2-40B4-BE49-F238E27FC236}">
+                <a16:creationId xmlns:a16="http://schemas.microsoft.com/office/drawing/2014/main" id="{5ED04AB0-FA76-A10F-60F2-2E5E58122316}"/>
+              </a:ext>
+            </a:extLst>
+          </p:cNvPr>
+          <p:cNvSpPr txBox="1"/>
+          <p:nvPr/>
+        </p:nvSpPr>
+        <p:spPr>
+          <a:xfrm>
+            <a:off x="4184068" y="3056970"/>
+            <a:ext cx="498199" cy="307777"/>
+          </a:xfrm>
+          <a:prstGeom prst="rect">
+            <a:avLst/>
+          </a:prstGeom>
+          <a:noFill/>
+        </p:spPr>
+        <p:txBody>
+          <a:bodyPr wrap="square" rtlCol="0">
+            <a:spAutoFit/>
+          </a:bodyPr>
+          <a:lstStyle/>
+          <a:p>
+            <a:r>
+              <a:rPr lang="en-US" sz="1400" dirty="0">
+                <a:solidFill>
+                  <a:srgbClr val="FFC000"/>
+                </a:solidFill>
+              </a:rPr>
+              <a:t>3</a:t>
+            </a:r>
+            <a:endParaRPr lang="en-US" dirty="0">
+              <a:solidFill>
+                <a:srgbClr val="FFC000"/>
+              </a:solidFill>
+            </a:endParaRPr>
+          </a:p>
+        </p:txBody>
+      </p:sp>
+      <p:sp>
+        <p:nvSpPr>
+          <p:cNvPr id="54" name="مربع نص 53">
+            <a:extLst>
+              <a:ext uri="{FF2B5EF4-FFF2-40B4-BE49-F238E27FC236}">
+                <a16:creationId xmlns:a16="http://schemas.microsoft.com/office/drawing/2014/main" id="{25AE439F-BB42-1BE1-D0F1-E0F81CD207FD}"/>
+              </a:ext>
+            </a:extLst>
+          </p:cNvPr>
+          <p:cNvSpPr txBox="1"/>
+          <p:nvPr/>
+        </p:nvSpPr>
+        <p:spPr>
+          <a:xfrm>
+            <a:off x="3077212" y="2129188"/>
+            <a:ext cx="498199" cy="307777"/>
+          </a:xfrm>
+          <a:prstGeom prst="rect">
+            <a:avLst/>
+          </a:prstGeom>
+          <a:noFill/>
+        </p:spPr>
+        <p:txBody>
+          <a:bodyPr wrap="square" rtlCol="0">
+            <a:spAutoFit/>
+          </a:bodyPr>
+          <a:lstStyle/>
+          <a:p>
+            <a:r>
+              <a:rPr lang="en-US" sz="1400" dirty="0">
+                <a:solidFill>
+                  <a:srgbClr val="92D050"/>
+                </a:solidFill>
+              </a:rPr>
+              <a:t>3</a:t>
+            </a:r>
+            <a:endParaRPr lang="en-US" dirty="0">
+              <a:solidFill>
+                <a:srgbClr val="92D050"/>
+              </a:solidFill>
+            </a:endParaRPr>
+          </a:p>
+        </p:txBody>
+      </p:sp>
+      <p:sp>
+        <p:nvSpPr>
+          <p:cNvPr id="55" name="مربع نص 54">
+            <a:extLst>
+              <a:ext uri="{FF2B5EF4-FFF2-40B4-BE49-F238E27FC236}">
+                <a16:creationId xmlns:a16="http://schemas.microsoft.com/office/drawing/2014/main" id="{693AFC99-BC16-7725-0115-CD6C4198C277}"/>
+              </a:ext>
+            </a:extLst>
+          </p:cNvPr>
+          <p:cNvSpPr txBox="1"/>
+          <p:nvPr/>
+        </p:nvSpPr>
+        <p:spPr>
+          <a:xfrm>
+            <a:off x="4170192" y="3235474"/>
+            <a:ext cx="491560" cy="307777"/>
+          </a:xfrm>
+          <a:prstGeom prst="rect">
+            <a:avLst/>
+          </a:prstGeom>
+          <a:noFill/>
+        </p:spPr>
+        <p:txBody>
+          <a:bodyPr wrap="square" rtlCol="0">
+            <a:spAutoFit/>
+          </a:bodyPr>
+          <a:lstStyle/>
+          <a:p>
+            <a:r>
+              <a:rPr lang="en-US" sz="1400" dirty="0">
+                <a:solidFill>
+                  <a:srgbClr val="FFC000"/>
+                </a:solidFill>
+              </a:rPr>
+              <a:t>old</a:t>
+            </a:r>
+          </a:p>
+        </p:txBody>
+      </p:sp>
+      <p:cxnSp>
+        <p:nvCxnSpPr>
+          <p:cNvPr id="57" name="رابط كسهم مستقيم 56">
+            <a:extLst>
+              <a:ext uri="{FF2B5EF4-FFF2-40B4-BE49-F238E27FC236}">
+                <a16:creationId xmlns:a16="http://schemas.microsoft.com/office/drawing/2014/main" id="{944EC648-7289-C15E-E601-585E682E24B1}"/>
+              </a:ext>
+            </a:extLst>
+          </p:cNvPr>
+          <p:cNvCxnSpPr>
+            <a:cxnSpLocks/>
+            <a:stCxn id="43" idx="3"/>
+          </p:cNvCxnSpPr>
+          <p:nvPr/>
+        </p:nvCxnSpPr>
+        <p:spPr>
+          <a:xfrm>
+            <a:off x="1629360" y="1895210"/>
+            <a:ext cx="2464777" cy="417019"/>
+          </a:xfrm>
+          <a:prstGeom prst="straightConnector1">
+            <a:avLst/>
+          </a:prstGeom>
+          <a:ln>
+            <a:tailEnd type="triangle"/>
+          </a:ln>
+        </p:spPr>
+        <p:style>
+          <a:lnRef idx="1">
+            <a:schemeClr val="accent6"/>
+          </a:lnRef>
+          <a:fillRef idx="0">
+            <a:schemeClr val="accent6"/>
+          </a:fillRef>
+          <a:effectRef idx="0">
+            <a:schemeClr val="accent6"/>
+          </a:effectRef>
+          <a:fontRef idx="minor">
+            <a:schemeClr val="tx1"/>
+          </a:fontRef>
+        </p:style>
+      </p:cxnSp>
+      <p:sp>
+        <p:nvSpPr>
+          <p:cNvPr id="63" name="مربع نص 62">
+            <a:extLst>
+              <a:ext uri="{FF2B5EF4-FFF2-40B4-BE49-F238E27FC236}">
+                <a16:creationId xmlns:a16="http://schemas.microsoft.com/office/drawing/2014/main" id="{A0517DED-69E9-1B32-0A32-C5F2DC63C295}"/>
+              </a:ext>
+            </a:extLst>
+          </p:cNvPr>
+          <p:cNvSpPr txBox="1"/>
+          <p:nvPr/>
+        </p:nvSpPr>
+        <p:spPr>
+          <a:xfrm>
+            <a:off x="3498618" y="1680092"/>
+            <a:ext cx="457281" cy="369332"/>
+          </a:xfrm>
+          <a:prstGeom prst="rect">
+            <a:avLst/>
+          </a:prstGeom>
+          <a:noFill/>
+        </p:spPr>
+        <p:txBody>
+          <a:bodyPr wrap="square" rtlCol="0">
+            <a:spAutoFit/>
+          </a:bodyPr>
+          <a:lstStyle/>
+          <a:p>
+            <a:pPr algn="l" rtl="0"/>
+            <a:r>
+              <a:rPr lang="en-US" dirty="0">
+                <a:solidFill>
+                  <a:srgbClr val="00B050"/>
+                </a:solidFill>
+              </a:rPr>
+              <a:t>*3</a:t>
+            </a:r>
+          </a:p>
+        </p:txBody>
+      </p:sp>
+      <p:cxnSp>
+        <p:nvCxnSpPr>
+          <p:cNvPr id="65" name="رابط كسهم مستقيم 64">
+            <a:extLst>
+              <a:ext uri="{FF2B5EF4-FFF2-40B4-BE49-F238E27FC236}">
+                <a16:creationId xmlns:a16="http://schemas.microsoft.com/office/drawing/2014/main" id="{E82CD43A-FE9C-E436-C7C3-0146AEA8C607}"/>
+              </a:ext>
+            </a:extLst>
+          </p:cNvPr>
+          <p:cNvCxnSpPr>
+            <a:endCxn id="18" idx="1"/>
+          </p:cNvCxnSpPr>
+          <p:nvPr/>
+        </p:nvCxnSpPr>
+        <p:spPr>
+          <a:xfrm flipV="1">
+            <a:off x="3546987" y="2524344"/>
+            <a:ext cx="479249" cy="213358"/>
+          </a:xfrm>
+          <a:prstGeom prst="straightConnector1">
+            <a:avLst/>
+          </a:prstGeom>
+          <a:ln>
+            <a:tailEnd type="triangle"/>
+          </a:ln>
+        </p:spPr>
+        <p:style>
+          <a:lnRef idx="1">
+            <a:schemeClr val="accent5"/>
+          </a:lnRef>
+          <a:fillRef idx="0">
+            <a:schemeClr val="accent5"/>
+          </a:fillRef>
+          <a:effectRef idx="0">
+            <a:schemeClr val="accent5"/>
+          </a:effectRef>
+          <a:fontRef idx="minor">
+            <a:schemeClr val="tx1"/>
+          </a:fontRef>
+        </p:style>
+      </p:cxnSp>
+      <p:sp>
+        <p:nvSpPr>
+          <p:cNvPr id="66" name="مربع نص 65">
+            <a:extLst>
+              <a:ext uri="{FF2B5EF4-FFF2-40B4-BE49-F238E27FC236}">
+                <a16:creationId xmlns:a16="http://schemas.microsoft.com/office/drawing/2014/main" id="{47A01581-3F7A-C610-A153-13B144AFA7A9}"/>
+              </a:ext>
+            </a:extLst>
+          </p:cNvPr>
+          <p:cNvSpPr txBox="1"/>
+          <p:nvPr/>
+        </p:nvSpPr>
+        <p:spPr>
+          <a:xfrm>
+            <a:off x="3466738" y="2339678"/>
+            <a:ext cx="457281" cy="369332"/>
+          </a:xfrm>
+          <a:prstGeom prst="rect">
+            <a:avLst/>
+          </a:prstGeom>
+          <a:noFill/>
+        </p:spPr>
+        <p:txBody>
+          <a:bodyPr wrap="square" rtlCol="0">
+            <a:spAutoFit/>
+          </a:bodyPr>
+          <a:lstStyle/>
+          <a:p>
+            <a:pPr algn="l" rtl="0"/>
+            <a:r>
+              <a:rPr lang="en-US" dirty="0">
+                <a:solidFill>
+                  <a:srgbClr val="00B050"/>
+                </a:solidFill>
+              </a:rPr>
+              <a:t>*4</a:t>
+            </a:r>
+          </a:p>
+        </p:txBody>
+      </p:sp>
+      <p:sp>
+        <p:nvSpPr>
+          <p:cNvPr id="67" name="مربع نص 66">
+            <a:extLst>
+              <a:ext uri="{FF2B5EF4-FFF2-40B4-BE49-F238E27FC236}">
+                <a16:creationId xmlns:a16="http://schemas.microsoft.com/office/drawing/2014/main" id="{32E8E511-B411-918C-0A49-6E4C941C7612}"/>
+              </a:ext>
+            </a:extLst>
+          </p:cNvPr>
+          <p:cNvSpPr txBox="1"/>
+          <p:nvPr/>
+        </p:nvSpPr>
+        <p:spPr>
+          <a:xfrm>
+            <a:off x="2593839" y="2536748"/>
+            <a:ext cx="457281" cy="369332"/>
+          </a:xfrm>
+          <a:prstGeom prst="rect">
+            <a:avLst/>
+          </a:prstGeom>
+          <a:noFill/>
+        </p:spPr>
+        <p:txBody>
+          <a:bodyPr wrap="square" rtlCol="0">
+            <a:spAutoFit/>
+          </a:bodyPr>
+          <a:lstStyle/>
+          <a:p>
+            <a:pPr algn="l" rtl="0"/>
+            <a:r>
+              <a:rPr lang="en-US" dirty="0">
+                <a:solidFill>
+                  <a:srgbClr val="00B050"/>
+                </a:solidFill>
+              </a:rPr>
+              <a:t>*5</a:t>
+            </a:r>
+          </a:p>
+        </p:txBody>
+      </p:sp>
+      <p:sp>
+        <p:nvSpPr>
+          <p:cNvPr id="68" name="مربع نص 67">
+            <a:extLst>
+              <a:ext uri="{FF2B5EF4-FFF2-40B4-BE49-F238E27FC236}">
+                <a16:creationId xmlns:a16="http://schemas.microsoft.com/office/drawing/2014/main" id="{7180C917-130E-957F-2BB9-D40A8CD1B7AD}"/>
+              </a:ext>
+            </a:extLst>
+          </p:cNvPr>
+          <p:cNvSpPr txBox="1"/>
+          <p:nvPr/>
+        </p:nvSpPr>
+        <p:spPr>
+          <a:xfrm>
+            <a:off x="41136" y="210804"/>
+            <a:ext cx="2450231" cy="369332"/>
+          </a:xfrm>
+          <a:prstGeom prst="rect">
+            <a:avLst/>
+          </a:prstGeom>
+          <a:noFill/>
+        </p:spPr>
+        <p:txBody>
+          <a:bodyPr wrap="square" rtlCol="0">
+            <a:spAutoFit/>
+          </a:bodyPr>
+          <a:lstStyle/>
+          <a:p>
+            <a:pPr algn="l" rtl="0"/>
+            <a:r>
+              <a:rPr lang="en-US" dirty="0"/>
+              <a:t>Singly Linked List 02</a:t>
+            </a:r>
+          </a:p>
+        </p:txBody>
+      </p:sp>
+      <p:sp>
+        <p:nvSpPr>
+          <p:cNvPr id="70" name="مربع نص 69">
+            <a:extLst>
+              <a:ext uri="{FF2B5EF4-FFF2-40B4-BE49-F238E27FC236}">
+                <a16:creationId xmlns:a16="http://schemas.microsoft.com/office/drawing/2014/main" id="{46380422-3444-B6D3-4E7C-88DB212577FB}"/>
+              </a:ext>
+            </a:extLst>
+          </p:cNvPr>
+          <p:cNvSpPr txBox="1"/>
+          <p:nvPr/>
+        </p:nvSpPr>
+        <p:spPr>
+          <a:xfrm>
+            <a:off x="1982427" y="4988330"/>
+            <a:ext cx="759833" cy="307777"/>
+          </a:xfrm>
+          <a:prstGeom prst="rect">
+            <a:avLst/>
+          </a:prstGeom>
+          <a:noFill/>
+        </p:spPr>
+        <p:txBody>
+          <a:bodyPr wrap="square" rtlCol="0">
+            <a:spAutoFit/>
+          </a:bodyPr>
+          <a:lstStyle/>
+          <a:p>
+            <a:pPr algn="l" rtl="0"/>
+            <a:r>
+              <a:rPr lang="en-US" sz="1400" dirty="0">
+                <a:solidFill>
+                  <a:srgbClr val="FFC000"/>
+                </a:solidFill>
+              </a:rPr>
+              <a:t>Pos-1</a:t>
+            </a:r>
+          </a:p>
+        </p:txBody>
+      </p:sp>
+    </p:spTree>
+    <p:extLst>
+      <p:ext uri="{BB962C8B-B14F-4D97-AF65-F5344CB8AC3E}">
+        <p14:creationId xmlns:p14="http://schemas.microsoft.com/office/powerpoint/2010/main" val="1066224585"/>
+      </p:ext>
+    </p:extLst>
+  </p:cSld>
+  <p:clrMapOvr>
+    <a:masterClrMapping/>
+  </p:clrMapOvr>
+</p:sld>
+</file>
+
+<file path=ppt/slides/slide14.xml><?xml version="1.0" encoding="utf-8"?>
+<p:sld xmlns:a="http://schemas.openxmlformats.org/drawingml/2006/main" xmlns:r="http://schemas.openxmlformats.org/officeDocument/2006/relationships" xmlns:p="http://schemas.openxmlformats.org/presentationml/2006/main">
+  <p:cSld>
+    <p:spTree>
+      <p:nvGrpSpPr>
+        <p:cNvPr id="1" name=""/>
+        <p:cNvGrpSpPr/>
+        <p:nvPr/>
+      </p:nvGrpSpPr>
+      <p:grpSpPr>
+        <a:xfrm>
+          <a:off x="0" y="0"/>
+          <a:ext cx="0" cy="0"/>
+          <a:chOff x="0" y="0"/>
+          <a:chExt cx="0" cy="0"/>
+        </a:xfrm>
+      </p:grpSpPr>
+      <p:sp>
+        <p:nvSpPr>
+          <p:cNvPr id="2" name="مربع نص 1">
+            <a:extLst>
+              <a:ext uri="{FF2B5EF4-FFF2-40B4-BE49-F238E27FC236}">
+                <a16:creationId xmlns:a16="http://schemas.microsoft.com/office/drawing/2014/main" id="{1E2FDE86-166B-E1EF-B89B-ED944F677EBD}"/>
+              </a:ext>
+            </a:extLst>
+          </p:cNvPr>
+          <p:cNvSpPr txBox="1"/>
+          <p:nvPr/>
+        </p:nvSpPr>
+        <p:spPr>
+          <a:xfrm>
+            <a:off x="41136" y="210804"/>
+            <a:ext cx="2450231" cy="369332"/>
+          </a:xfrm>
+          <a:prstGeom prst="rect">
+            <a:avLst/>
+          </a:prstGeom>
+          <a:noFill/>
+        </p:spPr>
+        <p:txBody>
+          <a:bodyPr wrap="square" rtlCol="0">
+            <a:spAutoFit/>
+          </a:bodyPr>
+          <a:lstStyle/>
+          <a:p>
+            <a:pPr algn="l" rtl="0"/>
+            <a:r>
+              <a:rPr lang="en-US" dirty="0"/>
+              <a:t>Singly Linked List 02</a:t>
+            </a:r>
+          </a:p>
+        </p:txBody>
+      </p:sp>
+      <p:sp>
+        <p:nvSpPr>
+          <p:cNvPr id="3" name="مربع نص 2">
+            <a:extLst>
+              <a:ext uri="{FF2B5EF4-FFF2-40B4-BE49-F238E27FC236}">
+                <a16:creationId xmlns:a16="http://schemas.microsoft.com/office/drawing/2014/main" id="{90E5E30D-4BF4-24E9-01FC-B9A7E88BC99C}"/>
+              </a:ext>
+            </a:extLst>
+          </p:cNvPr>
+          <p:cNvSpPr txBox="1"/>
+          <p:nvPr/>
+        </p:nvSpPr>
+        <p:spPr>
+          <a:xfrm>
+            <a:off x="286327" y="6324045"/>
+            <a:ext cx="2450230" cy="369332"/>
+          </a:xfrm>
+          <a:prstGeom prst="rect">
+            <a:avLst/>
+          </a:prstGeom>
+          <a:noFill/>
+        </p:spPr>
+        <p:txBody>
+          <a:bodyPr wrap="square" rtlCol="0">
+            <a:spAutoFit/>
+          </a:bodyPr>
+          <a:lstStyle/>
+          <a:p>
+            <a:pPr algn="l" rtl="0"/>
+            <a:r>
+              <a:rPr lang="en-US" dirty="0"/>
+              <a:t>A.deleteFromHead();</a:t>
+            </a:r>
+          </a:p>
+        </p:txBody>
+      </p:sp>
+      <p:sp>
+        <p:nvSpPr>
+          <p:cNvPr id="4" name="مستطيل 3">
+            <a:extLst>
+              <a:ext uri="{FF2B5EF4-FFF2-40B4-BE49-F238E27FC236}">
+                <a16:creationId xmlns:a16="http://schemas.microsoft.com/office/drawing/2014/main" id="{E0106681-AACF-5E5B-180F-141D8F6260E3}"/>
+              </a:ext>
+            </a:extLst>
+          </p:cNvPr>
+          <p:cNvSpPr/>
+          <p:nvPr/>
+        </p:nvSpPr>
+        <p:spPr>
+          <a:xfrm>
+            <a:off x="532805" y="967509"/>
+            <a:ext cx="7207268" cy="4922982"/>
+          </a:xfrm>
+          <a:prstGeom prst="rect">
+            <a:avLst/>
+          </a:prstGeom>
+          <a:noFill/>
+        </p:spPr>
+        <p:style>
+          <a:lnRef idx="2">
+            <a:schemeClr val="accent1">
+              <a:shade val="50000"/>
+            </a:schemeClr>
+          </a:lnRef>
+          <a:fillRef idx="1">
+            <a:schemeClr val="accent1"/>
+          </a:fillRef>
+          <a:effectRef idx="0">
+            <a:schemeClr val="accent1"/>
+          </a:effectRef>
+          <a:fontRef idx="minor">
+            <a:schemeClr val="lt1"/>
+          </a:fontRef>
+        </p:style>
+        <p:txBody>
+          <a:bodyPr rtlCol="0" anchor="ctr"/>
+          <a:lstStyle/>
+          <a:p>
+            <a:pPr algn="ctr"/>
+            <a:endParaRPr lang="en-US"/>
+          </a:p>
+        </p:txBody>
+      </p:sp>
+      <p:sp>
+        <p:nvSpPr>
+          <p:cNvPr id="6" name="مربع نص 5">
+            <a:extLst>
+              <a:ext uri="{FF2B5EF4-FFF2-40B4-BE49-F238E27FC236}">
+                <a16:creationId xmlns:a16="http://schemas.microsoft.com/office/drawing/2014/main" id="{4A854CFC-24EA-0842-BC38-F5BDD6C0D207}"/>
+              </a:ext>
+            </a:extLst>
+          </p:cNvPr>
+          <p:cNvSpPr txBox="1"/>
+          <p:nvPr/>
+        </p:nvSpPr>
+        <p:spPr>
+          <a:xfrm>
+            <a:off x="4523624" y="1510560"/>
+            <a:ext cx="525080" cy="369332"/>
+          </a:xfrm>
+          <a:prstGeom prst="rect">
+            <a:avLst/>
+          </a:prstGeom>
+          <a:noFill/>
+        </p:spPr>
+        <p:txBody>
+          <a:bodyPr wrap="square" rtlCol="0">
+            <a:spAutoFit/>
+          </a:bodyPr>
+          <a:lstStyle/>
+          <a:p>
+            <a:pPr algn="l" rtl="0"/>
+            <a:r>
+              <a:rPr lang="en-US" dirty="0"/>
+              <a:t>Tail</a:t>
+            </a:r>
+          </a:p>
+        </p:txBody>
+      </p:sp>
+      <p:sp>
+        <p:nvSpPr>
+          <p:cNvPr id="7" name="مربع نص 6">
+            <a:extLst>
+              <a:ext uri="{FF2B5EF4-FFF2-40B4-BE49-F238E27FC236}">
+                <a16:creationId xmlns:a16="http://schemas.microsoft.com/office/drawing/2014/main" id="{15A13658-01E9-506A-5FBD-041DB95F744D}"/>
+              </a:ext>
+            </a:extLst>
+          </p:cNvPr>
+          <p:cNvSpPr txBox="1"/>
+          <p:nvPr/>
+        </p:nvSpPr>
+        <p:spPr>
+          <a:xfrm>
+            <a:off x="605370" y="4081266"/>
+            <a:ext cx="1377057" cy="369332"/>
+          </a:xfrm>
+          <a:prstGeom prst="rect">
+            <a:avLst/>
+          </a:prstGeom>
+          <a:noFill/>
+        </p:spPr>
+        <p:txBody>
+          <a:bodyPr wrap="square" rtlCol="0">
+            <a:spAutoFit/>
+          </a:bodyPr>
+          <a:lstStyle/>
+          <a:p>
+            <a:pPr algn="l" rtl="0"/>
+            <a:r>
+              <a:rPr lang="en-US" dirty="0"/>
+              <a:t>Count = 4</a:t>
+            </a:r>
+          </a:p>
+        </p:txBody>
+      </p:sp>
+      <p:sp>
+        <p:nvSpPr>
+          <p:cNvPr id="9" name="مربع نص 8">
+            <a:extLst>
+              <a:ext uri="{FF2B5EF4-FFF2-40B4-BE49-F238E27FC236}">
+                <a16:creationId xmlns:a16="http://schemas.microsoft.com/office/drawing/2014/main" id="{37043697-E37D-343D-60D2-17F79FB664AA}"/>
+              </a:ext>
+            </a:extLst>
+          </p:cNvPr>
+          <p:cNvSpPr txBox="1"/>
+          <p:nvPr/>
+        </p:nvSpPr>
+        <p:spPr>
+          <a:xfrm>
+            <a:off x="758353" y="3884200"/>
+            <a:ext cx="566562" cy="307777"/>
+          </a:xfrm>
+          <a:prstGeom prst="rect">
+            <a:avLst/>
+          </a:prstGeom>
+          <a:noFill/>
+        </p:spPr>
+        <p:txBody>
+          <a:bodyPr wrap="square" rtlCol="0">
+            <a:spAutoFit/>
+          </a:bodyPr>
+          <a:lstStyle/>
+          <a:p>
+            <a:r>
+              <a:rPr lang="en-US" sz="1400" dirty="0">
+                <a:solidFill>
+                  <a:srgbClr val="FF0000"/>
+                </a:solidFill>
+              </a:rPr>
+              <a:t>int</a:t>
+            </a:r>
+          </a:p>
+        </p:txBody>
+      </p:sp>
+      <p:sp>
+        <p:nvSpPr>
+          <p:cNvPr id="10" name="مربع نص 9">
+            <a:extLst>
+              <a:ext uri="{FF2B5EF4-FFF2-40B4-BE49-F238E27FC236}">
+                <a16:creationId xmlns:a16="http://schemas.microsoft.com/office/drawing/2014/main" id="{A0B46454-E39C-597E-1A9B-D74698877E38}"/>
+              </a:ext>
+            </a:extLst>
+          </p:cNvPr>
+          <p:cNvSpPr txBox="1"/>
+          <p:nvPr/>
+        </p:nvSpPr>
+        <p:spPr>
+          <a:xfrm>
+            <a:off x="4794660" y="2581549"/>
+            <a:ext cx="662522" cy="369332"/>
+          </a:xfrm>
+          <a:prstGeom prst="rect">
+            <a:avLst/>
+          </a:prstGeom>
+          <a:noFill/>
+        </p:spPr>
+        <p:txBody>
+          <a:bodyPr wrap="square" rtlCol="0">
+            <a:spAutoFit/>
+          </a:bodyPr>
+          <a:lstStyle/>
+          <a:p>
+            <a:pPr algn="l" rtl="0"/>
+            <a:r>
+              <a:rPr lang="en-US" dirty="0"/>
+              <a:t>null</a:t>
+            </a:r>
+          </a:p>
+        </p:txBody>
+      </p:sp>
+      <p:cxnSp>
+        <p:nvCxnSpPr>
+          <p:cNvPr id="11" name="رابط كسهم مستقيم 10">
+            <a:extLst>
+              <a:ext uri="{FF2B5EF4-FFF2-40B4-BE49-F238E27FC236}">
+                <a16:creationId xmlns:a16="http://schemas.microsoft.com/office/drawing/2014/main" id="{EE90FFBE-0255-84B3-3719-7216BF363444}"/>
+              </a:ext>
+            </a:extLst>
+          </p:cNvPr>
+          <p:cNvCxnSpPr>
+            <a:cxnSpLocks/>
+          </p:cNvCxnSpPr>
+          <p:nvPr/>
+        </p:nvCxnSpPr>
+        <p:spPr>
+          <a:xfrm>
+            <a:off x="928356" y="1818863"/>
+            <a:ext cx="0" cy="416343"/>
+          </a:xfrm>
+          <a:prstGeom prst="straightConnector1">
+            <a:avLst/>
+          </a:prstGeom>
+          <a:ln>
+            <a:tailEnd type="triangle"/>
+          </a:ln>
+        </p:spPr>
+        <p:style>
+          <a:lnRef idx="1">
+            <a:schemeClr val="accent5"/>
+          </a:lnRef>
+          <a:fillRef idx="0">
+            <a:schemeClr val="accent5"/>
+          </a:fillRef>
+          <a:effectRef idx="0">
+            <a:schemeClr val="accent5"/>
+          </a:effectRef>
+          <a:fontRef idx="minor">
+            <a:schemeClr val="tx1"/>
+          </a:fontRef>
+        </p:style>
+      </p:cxnSp>
+      <p:sp>
+        <p:nvSpPr>
+          <p:cNvPr id="12" name="مستطيل 11">
+            <a:extLst>
+              <a:ext uri="{FF2B5EF4-FFF2-40B4-BE49-F238E27FC236}">
+                <a16:creationId xmlns:a16="http://schemas.microsoft.com/office/drawing/2014/main" id="{8DFCB554-0897-1609-86F6-722B75CD60CE}"/>
+              </a:ext>
+            </a:extLst>
+          </p:cNvPr>
+          <p:cNvSpPr/>
+          <p:nvPr/>
+        </p:nvSpPr>
+        <p:spPr>
+          <a:xfrm>
+            <a:off x="786350" y="2334194"/>
+            <a:ext cx="566561" cy="1468582"/>
+          </a:xfrm>
+          <a:prstGeom prst="rect">
+            <a:avLst/>
+          </a:prstGeom>
+          <a:solidFill>
+            <a:schemeClr val="bg1"/>
+          </a:solidFill>
+        </p:spPr>
+        <p:style>
+          <a:lnRef idx="2">
+            <a:schemeClr val="accent1">
+              <a:shade val="50000"/>
+            </a:schemeClr>
+          </a:lnRef>
+          <a:fillRef idx="1">
+            <a:schemeClr val="accent1"/>
+          </a:fillRef>
+          <a:effectRef idx="0">
+            <a:schemeClr val="accent1"/>
+          </a:effectRef>
+          <a:fontRef idx="minor">
+            <a:schemeClr val="lt1"/>
+          </a:fontRef>
+        </p:style>
+        <p:txBody>
+          <a:bodyPr rtlCol="0" anchor="ctr"/>
+          <a:lstStyle/>
+          <a:p>
+            <a:pPr algn="ctr"/>
+            <a:endParaRPr lang="en-US" dirty="0"/>
+          </a:p>
+        </p:txBody>
+      </p:sp>
+      <p:cxnSp>
+        <p:nvCxnSpPr>
+          <p:cNvPr id="13" name="رابط مستقيم 12">
+            <a:extLst>
+              <a:ext uri="{FF2B5EF4-FFF2-40B4-BE49-F238E27FC236}">
+                <a16:creationId xmlns:a16="http://schemas.microsoft.com/office/drawing/2014/main" id="{A00C4688-E138-408D-CAD2-410E5375BCBB}"/>
+              </a:ext>
+            </a:extLst>
+          </p:cNvPr>
+          <p:cNvCxnSpPr>
+            <a:stCxn id="12" idx="1"/>
+            <a:endCxn id="12" idx="3"/>
+          </p:cNvCxnSpPr>
+          <p:nvPr/>
+        </p:nvCxnSpPr>
+        <p:spPr>
+          <a:xfrm>
+            <a:off x="786350" y="3068485"/>
+            <a:ext cx="566561" cy="0"/>
+          </a:xfrm>
+          <a:prstGeom prst="line">
+            <a:avLst/>
+          </a:prstGeom>
+        </p:spPr>
+        <p:style>
+          <a:lnRef idx="1">
+            <a:schemeClr val="accent1"/>
+          </a:lnRef>
+          <a:fillRef idx="0">
+            <a:schemeClr val="accent1"/>
+          </a:fillRef>
+          <a:effectRef idx="0">
+            <a:schemeClr val="accent1"/>
+          </a:effectRef>
+          <a:fontRef idx="minor">
+            <a:schemeClr val="tx1"/>
+          </a:fontRef>
+        </p:style>
+      </p:cxnSp>
+      <p:sp>
+        <p:nvSpPr>
+          <p:cNvPr id="14" name="مربع نص 13">
+            <a:extLst>
+              <a:ext uri="{FF2B5EF4-FFF2-40B4-BE49-F238E27FC236}">
+                <a16:creationId xmlns:a16="http://schemas.microsoft.com/office/drawing/2014/main" id="{13D41346-B4AE-9F4A-FB4F-C692B65062EB}"/>
+              </a:ext>
+            </a:extLst>
+          </p:cNvPr>
+          <p:cNvSpPr txBox="1"/>
+          <p:nvPr/>
+        </p:nvSpPr>
+        <p:spPr>
+          <a:xfrm>
+            <a:off x="779711" y="2289349"/>
+            <a:ext cx="498199" cy="369332"/>
+          </a:xfrm>
+          <a:prstGeom prst="rect">
+            <a:avLst/>
+          </a:prstGeom>
+          <a:noFill/>
+        </p:spPr>
+        <p:txBody>
+          <a:bodyPr wrap="square" rtlCol="0">
+            <a:spAutoFit/>
+          </a:bodyPr>
+          <a:lstStyle/>
+          <a:p>
+            <a:r>
+              <a:rPr lang="en-US" dirty="0"/>
+              <a:t>val</a:t>
+            </a:r>
+          </a:p>
+        </p:txBody>
+      </p:sp>
+      <p:sp>
+        <p:nvSpPr>
+          <p:cNvPr id="15" name="مربع نص 14">
+            <a:extLst>
+              <a:ext uri="{FF2B5EF4-FFF2-40B4-BE49-F238E27FC236}">
+                <a16:creationId xmlns:a16="http://schemas.microsoft.com/office/drawing/2014/main" id="{1669341E-4604-AAB0-DD53-32D1D41C6F57}"/>
+              </a:ext>
+            </a:extLst>
+          </p:cNvPr>
+          <p:cNvSpPr txBox="1"/>
+          <p:nvPr/>
+        </p:nvSpPr>
+        <p:spPr>
+          <a:xfrm>
+            <a:off x="832248" y="2657809"/>
+            <a:ext cx="461651" cy="369332"/>
+          </a:xfrm>
+          <a:prstGeom prst="rect">
+            <a:avLst/>
+          </a:prstGeom>
+          <a:noFill/>
+        </p:spPr>
+        <p:txBody>
+          <a:bodyPr wrap="square" rtlCol="0">
+            <a:spAutoFit/>
+          </a:bodyPr>
+          <a:lstStyle/>
+          <a:p>
+            <a:r>
+              <a:rPr lang="en-US" dirty="0"/>
+              <a:t>10</a:t>
+            </a:r>
+          </a:p>
+        </p:txBody>
+      </p:sp>
+      <p:sp>
+        <p:nvSpPr>
+          <p:cNvPr id="16" name="مستطيل 15">
+            <a:extLst>
+              <a:ext uri="{FF2B5EF4-FFF2-40B4-BE49-F238E27FC236}">
+                <a16:creationId xmlns:a16="http://schemas.microsoft.com/office/drawing/2014/main" id="{B67734AE-FE27-932C-A758-28BAC4D830D8}"/>
+              </a:ext>
+            </a:extLst>
+          </p:cNvPr>
+          <p:cNvSpPr/>
+          <p:nvPr/>
+        </p:nvSpPr>
+        <p:spPr>
+          <a:xfrm>
+            <a:off x="3914803" y="2392402"/>
+            <a:ext cx="566561" cy="1468582"/>
+          </a:xfrm>
+          <a:prstGeom prst="rect">
+            <a:avLst/>
+          </a:prstGeom>
+          <a:solidFill>
+            <a:schemeClr val="bg1"/>
+          </a:solidFill>
+        </p:spPr>
+        <p:style>
+          <a:lnRef idx="2">
+            <a:schemeClr val="accent1">
+              <a:shade val="50000"/>
+            </a:schemeClr>
+          </a:lnRef>
+          <a:fillRef idx="1">
+            <a:schemeClr val="accent1"/>
+          </a:fillRef>
+          <a:effectRef idx="0">
+            <a:schemeClr val="accent1"/>
+          </a:effectRef>
+          <a:fontRef idx="minor">
+            <a:schemeClr val="lt1"/>
+          </a:fontRef>
+        </p:style>
+        <p:txBody>
+          <a:bodyPr rtlCol="0" anchor="ctr"/>
+          <a:lstStyle/>
+          <a:p>
+            <a:pPr algn="ctr"/>
+            <a:endParaRPr lang="en-US" dirty="0"/>
+          </a:p>
+        </p:txBody>
+      </p:sp>
+      <p:cxnSp>
+        <p:nvCxnSpPr>
+          <p:cNvPr id="17" name="رابط مستقيم 16">
+            <a:extLst>
+              <a:ext uri="{FF2B5EF4-FFF2-40B4-BE49-F238E27FC236}">
+                <a16:creationId xmlns:a16="http://schemas.microsoft.com/office/drawing/2014/main" id="{344EFB95-5E8C-3CB1-864D-2B6999F7C30C}"/>
+              </a:ext>
+            </a:extLst>
+          </p:cNvPr>
+          <p:cNvCxnSpPr>
+            <a:cxnSpLocks/>
+            <a:stCxn id="16" idx="1"/>
+            <a:endCxn id="16" idx="3"/>
+          </p:cNvCxnSpPr>
+          <p:nvPr/>
+        </p:nvCxnSpPr>
+        <p:spPr>
+          <a:xfrm>
+            <a:off x="3914803" y="3126693"/>
+            <a:ext cx="566561" cy="0"/>
+          </a:xfrm>
+          <a:prstGeom prst="line">
+            <a:avLst/>
+          </a:prstGeom>
+        </p:spPr>
+        <p:style>
+          <a:lnRef idx="1">
+            <a:schemeClr val="accent1"/>
+          </a:lnRef>
+          <a:fillRef idx="0">
+            <a:schemeClr val="accent1"/>
+          </a:fillRef>
+          <a:effectRef idx="0">
+            <a:schemeClr val="accent1"/>
+          </a:effectRef>
+          <a:fontRef idx="minor">
+            <a:schemeClr val="tx1"/>
+          </a:fontRef>
+        </p:style>
+      </p:cxnSp>
+      <p:sp>
+        <p:nvSpPr>
+          <p:cNvPr id="18" name="مربع نص 17">
+            <a:extLst>
+              <a:ext uri="{FF2B5EF4-FFF2-40B4-BE49-F238E27FC236}">
+                <a16:creationId xmlns:a16="http://schemas.microsoft.com/office/drawing/2014/main" id="{A63004FD-CA88-2DD7-D01F-5CF2D2FA9ACF}"/>
+              </a:ext>
+            </a:extLst>
+          </p:cNvPr>
+          <p:cNvSpPr txBox="1"/>
+          <p:nvPr/>
+        </p:nvSpPr>
+        <p:spPr>
+          <a:xfrm>
+            <a:off x="3908164" y="2347557"/>
+            <a:ext cx="498199" cy="369332"/>
+          </a:xfrm>
+          <a:prstGeom prst="rect">
+            <a:avLst/>
+          </a:prstGeom>
+          <a:noFill/>
+        </p:spPr>
+        <p:txBody>
+          <a:bodyPr wrap="square" rtlCol="0">
+            <a:spAutoFit/>
+          </a:bodyPr>
+          <a:lstStyle/>
+          <a:p>
+            <a:r>
+              <a:rPr lang="en-US" dirty="0"/>
+              <a:t>val</a:t>
+            </a:r>
+          </a:p>
+        </p:txBody>
+      </p:sp>
+      <p:sp>
+        <p:nvSpPr>
+          <p:cNvPr id="19" name="مربع نص 18">
+            <a:extLst>
+              <a:ext uri="{FF2B5EF4-FFF2-40B4-BE49-F238E27FC236}">
+                <a16:creationId xmlns:a16="http://schemas.microsoft.com/office/drawing/2014/main" id="{243D91AE-3111-A1EB-858A-9609E73C8D63}"/>
+              </a:ext>
+            </a:extLst>
+          </p:cNvPr>
+          <p:cNvSpPr txBox="1"/>
+          <p:nvPr/>
+        </p:nvSpPr>
+        <p:spPr>
+          <a:xfrm>
+            <a:off x="4127107" y="2681918"/>
+            <a:ext cx="206309" cy="369332"/>
+          </a:xfrm>
+          <a:prstGeom prst="rect">
+            <a:avLst/>
+          </a:prstGeom>
+          <a:noFill/>
+        </p:spPr>
+        <p:txBody>
+          <a:bodyPr wrap="square" rtlCol="0">
+            <a:spAutoFit/>
+          </a:bodyPr>
+          <a:lstStyle/>
+          <a:p>
+            <a:r>
+              <a:rPr lang="en-US" dirty="0"/>
+              <a:t>5</a:t>
+            </a:r>
+          </a:p>
+        </p:txBody>
+      </p:sp>
+      <p:sp>
+        <p:nvSpPr>
+          <p:cNvPr id="20" name="مربع نص 19">
+            <a:extLst>
+              <a:ext uri="{FF2B5EF4-FFF2-40B4-BE49-F238E27FC236}">
+                <a16:creationId xmlns:a16="http://schemas.microsoft.com/office/drawing/2014/main" id="{403CB967-95FF-F578-39BE-397A0A64A50C}"/>
+              </a:ext>
+            </a:extLst>
+          </p:cNvPr>
+          <p:cNvSpPr txBox="1"/>
+          <p:nvPr/>
+        </p:nvSpPr>
+        <p:spPr>
+          <a:xfrm>
+            <a:off x="693908" y="1443132"/>
+            <a:ext cx="983613" cy="369332"/>
+          </a:xfrm>
+          <a:prstGeom prst="rect">
+            <a:avLst/>
+          </a:prstGeom>
+          <a:noFill/>
+        </p:spPr>
+        <p:txBody>
+          <a:bodyPr wrap="square" rtlCol="0">
+            <a:spAutoFit/>
+          </a:bodyPr>
+          <a:lstStyle/>
+          <a:p>
+            <a:pPr algn="l" rtl="0"/>
+            <a:r>
+              <a:rPr lang="en-US" dirty="0"/>
+              <a:t>Head</a:t>
+            </a:r>
+          </a:p>
+        </p:txBody>
+      </p:sp>
+      <p:cxnSp>
+        <p:nvCxnSpPr>
+          <p:cNvPr id="21" name="رابط كسهم مستقيم 20">
+            <a:extLst>
+              <a:ext uri="{FF2B5EF4-FFF2-40B4-BE49-F238E27FC236}">
+                <a16:creationId xmlns:a16="http://schemas.microsoft.com/office/drawing/2014/main" id="{583C1446-2F15-B757-0D4B-0E703FA7AF52}"/>
+              </a:ext>
+            </a:extLst>
+          </p:cNvPr>
+          <p:cNvCxnSpPr>
+            <a:cxnSpLocks/>
+          </p:cNvCxnSpPr>
+          <p:nvPr/>
+        </p:nvCxnSpPr>
+        <p:spPr>
+          <a:xfrm flipV="1">
+            <a:off x="4481364" y="2931488"/>
+            <a:ext cx="457662" cy="664861"/>
+          </a:xfrm>
+          <a:prstGeom prst="straightConnector1">
+            <a:avLst/>
+          </a:prstGeom>
+          <a:ln>
+            <a:tailEnd type="triangle"/>
+          </a:ln>
+        </p:spPr>
+        <p:style>
+          <a:lnRef idx="1">
+            <a:schemeClr val="accent1"/>
+          </a:lnRef>
+          <a:fillRef idx="0">
+            <a:schemeClr val="accent1"/>
+          </a:fillRef>
+          <a:effectRef idx="0">
+            <a:schemeClr val="accent1"/>
+          </a:effectRef>
+          <a:fontRef idx="minor">
+            <a:schemeClr val="tx1"/>
+          </a:fontRef>
+        </p:style>
+      </p:cxnSp>
+      <p:sp>
+        <p:nvSpPr>
+          <p:cNvPr id="22" name="مستطيل 21">
+            <a:extLst>
+              <a:ext uri="{FF2B5EF4-FFF2-40B4-BE49-F238E27FC236}">
+                <a16:creationId xmlns:a16="http://schemas.microsoft.com/office/drawing/2014/main" id="{C5ADDA8D-136E-35DF-79C7-9B46094C2084}"/>
+              </a:ext>
+            </a:extLst>
+          </p:cNvPr>
+          <p:cNvSpPr/>
+          <p:nvPr/>
+        </p:nvSpPr>
+        <p:spPr>
+          <a:xfrm>
+            <a:off x="1904606" y="2363152"/>
+            <a:ext cx="566561" cy="1468582"/>
+          </a:xfrm>
+          <a:prstGeom prst="rect">
+            <a:avLst/>
+          </a:prstGeom>
+          <a:solidFill>
+            <a:schemeClr val="bg1"/>
+          </a:solidFill>
+        </p:spPr>
+        <p:style>
+          <a:lnRef idx="2">
+            <a:schemeClr val="accent1">
+              <a:shade val="50000"/>
+            </a:schemeClr>
+          </a:lnRef>
+          <a:fillRef idx="1">
+            <a:schemeClr val="accent1"/>
+          </a:fillRef>
+          <a:effectRef idx="0">
+            <a:schemeClr val="accent1"/>
+          </a:effectRef>
+          <a:fontRef idx="minor">
+            <a:schemeClr val="lt1"/>
+          </a:fontRef>
+        </p:style>
+        <p:txBody>
+          <a:bodyPr rtlCol="0" anchor="ctr"/>
+          <a:lstStyle/>
+          <a:p>
+            <a:pPr algn="ctr"/>
+            <a:endParaRPr lang="en-US" dirty="0"/>
+          </a:p>
+        </p:txBody>
+      </p:sp>
+      <p:cxnSp>
+        <p:nvCxnSpPr>
+          <p:cNvPr id="23" name="رابط مستقيم 22">
+            <a:extLst>
+              <a:ext uri="{FF2B5EF4-FFF2-40B4-BE49-F238E27FC236}">
+                <a16:creationId xmlns:a16="http://schemas.microsoft.com/office/drawing/2014/main" id="{AF3B8E7E-9457-8F13-630C-2EB11D2A6C10}"/>
+              </a:ext>
+            </a:extLst>
+          </p:cNvPr>
+          <p:cNvCxnSpPr>
+            <a:stCxn id="22" idx="1"/>
+            <a:endCxn id="22" idx="3"/>
+          </p:cNvCxnSpPr>
+          <p:nvPr/>
+        </p:nvCxnSpPr>
+        <p:spPr>
+          <a:xfrm>
+            <a:off x="1904606" y="3097443"/>
+            <a:ext cx="566561" cy="0"/>
+          </a:xfrm>
+          <a:prstGeom prst="line">
+            <a:avLst/>
+          </a:prstGeom>
+        </p:spPr>
+        <p:style>
+          <a:lnRef idx="1">
+            <a:schemeClr val="accent1"/>
+          </a:lnRef>
+          <a:fillRef idx="0">
+            <a:schemeClr val="accent1"/>
+          </a:fillRef>
+          <a:effectRef idx="0">
+            <a:schemeClr val="accent1"/>
+          </a:effectRef>
+          <a:fontRef idx="minor">
+            <a:schemeClr val="tx1"/>
+          </a:fontRef>
+        </p:style>
+      </p:cxnSp>
+      <p:sp>
+        <p:nvSpPr>
+          <p:cNvPr id="24" name="مربع نص 23">
+            <a:extLst>
+              <a:ext uri="{FF2B5EF4-FFF2-40B4-BE49-F238E27FC236}">
+                <a16:creationId xmlns:a16="http://schemas.microsoft.com/office/drawing/2014/main" id="{4A2BFF5D-66CD-A9DC-C8B5-8EC5953E5508}"/>
+              </a:ext>
+            </a:extLst>
+          </p:cNvPr>
+          <p:cNvSpPr txBox="1"/>
+          <p:nvPr/>
+        </p:nvSpPr>
+        <p:spPr>
+          <a:xfrm>
+            <a:off x="1897967" y="2318307"/>
+            <a:ext cx="498199" cy="369332"/>
+          </a:xfrm>
+          <a:prstGeom prst="rect">
+            <a:avLst/>
+          </a:prstGeom>
+          <a:noFill/>
+        </p:spPr>
+        <p:txBody>
+          <a:bodyPr wrap="square" rtlCol="0">
+            <a:spAutoFit/>
+          </a:bodyPr>
+          <a:lstStyle/>
+          <a:p>
+            <a:r>
+              <a:rPr lang="en-US" dirty="0"/>
+              <a:t>val</a:t>
+            </a:r>
+          </a:p>
+        </p:txBody>
+      </p:sp>
+      <p:sp>
+        <p:nvSpPr>
+          <p:cNvPr id="25" name="مربع نص 24">
+            <a:extLst>
+              <a:ext uri="{FF2B5EF4-FFF2-40B4-BE49-F238E27FC236}">
+                <a16:creationId xmlns:a16="http://schemas.microsoft.com/office/drawing/2014/main" id="{D4818878-CDE1-5DFF-40D6-9B2C36CB3E13}"/>
+              </a:ext>
+            </a:extLst>
+          </p:cNvPr>
+          <p:cNvSpPr txBox="1"/>
+          <p:nvPr/>
+        </p:nvSpPr>
+        <p:spPr>
+          <a:xfrm>
+            <a:off x="2120644" y="2652668"/>
+            <a:ext cx="206309" cy="369332"/>
+          </a:xfrm>
+          <a:prstGeom prst="rect">
+            <a:avLst/>
+          </a:prstGeom>
+          <a:noFill/>
+        </p:spPr>
+        <p:txBody>
+          <a:bodyPr wrap="square" rtlCol="0">
+            <a:spAutoFit/>
+          </a:bodyPr>
+          <a:lstStyle/>
+          <a:p>
+            <a:r>
+              <a:rPr lang="en-US" dirty="0"/>
+              <a:t>3</a:t>
+            </a:r>
+          </a:p>
+        </p:txBody>
+      </p:sp>
+      <p:cxnSp>
+        <p:nvCxnSpPr>
+          <p:cNvPr id="26" name="رابط كسهم مستقيم 25">
+            <a:extLst>
+              <a:ext uri="{FF2B5EF4-FFF2-40B4-BE49-F238E27FC236}">
+                <a16:creationId xmlns:a16="http://schemas.microsoft.com/office/drawing/2014/main" id="{A0A2347A-3C3D-F6E9-5BA7-6D87063B1C42}"/>
+              </a:ext>
+            </a:extLst>
+          </p:cNvPr>
+          <p:cNvCxnSpPr>
+            <a:cxnSpLocks/>
+          </p:cNvCxnSpPr>
+          <p:nvPr/>
+        </p:nvCxnSpPr>
+        <p:spPr>
+          <a:xfrm flipV="1">
+            <a:off x="2435841" y="2899237"/>
+            <a:ext cx="465536" cy="796452"/>
+          </a:xfrm>
+          <a:prstGeom prst="straightConnector1">
+            <a:avLst/>
+          </a:prstGeom>
+          <a:ln>
+            <a:tailEnd type="triangle"/>
+          </a:ln>
+        </p:spPr>
+        <p:style>
+          <a:lnRef idx="1">
+            <a:schemeClr val="accent1"/>
+          </a:lnRef>
+          <a:fillRef idx="0">
+            <a:schemeClr val="accent1"/>
+          </a:fillRef>
+          <a:effectRef idx="0">
+            <a:schemeClr val="accent1"/>
+          </a:effectRef>
+          <a:fontRef idx="minor">
+            <a:schemeClr val="tx1"/>
+          </a:fontRef>
+        </p:style>
+      </p:cxnSp>
+      <p:sp>
+        <p:nvSpPr>
+          <p:cNvPr id="27" name="مستطيل 26">
+            <a:extLst>
+              <a:ext uri="{FF2B5EF4-FFF2-40B4-BE49-F238E27FC236}">
+                <a16:creationId xmlns:a16="http://schemas.microsoft.com/office/drawing/2014/main" id="{40ED6CEF-79D4-E3A2-2D28-E63F016EC24F}"/>
+              </a:ext>
+            </a:extLst>
+          </p:cNvPr>
+          <p:cNvSpPr/>
+          <p:nvPr/>
+        </p:nvSpPr>
+        <p:spPr>
+          <a:xfrm>
+            <a:off x="5824782" y="2336855"/>
+            <a:ext cx="566561" cy="1468582"/>
+          </a:xfrm>
+          <a:prstGeom prst="rect">
+            <a:avLst/>
+          </a:prstGeom>
+          <a:solidFill>
+            <a:schemeClr val="bg1"/>
+          </a:solidFill>
+        </p:spPr>
+        <p:style>
+          <a:lnRef idx="2">
+            <a:schemeClr val="accent1">
+              <a:shade val="50000"/>
+            </a:schemeClr>
+          </a:lnRef>
+          <a:fillRef idx="1">
+            <a:schemeClr val="accent1"/>
+          </a:fillRef>
+          <a:effectRef idx="0">
+            <a:schemeClr val="accent1"/>
+          </a:effectRef>
+          <a:fontRef idx="minor">
+            <a:schemeClr val="lt1"/>
+          </a:fontRef>
+        </p:style>
+        <p:txBody>
+          <a:bodyPr rtlCol="0" anchor="ctr"/>
+          <a:lstStyle/>
+          <a:p>
+            <a:pPr algn="ctr"/>
+            <a:endParaRPr lang="en-US" dirty="0"/>
+          </a:p>
+        </p:txBody>
+      </p:sp>
+      <p:cxnSp>
+        <p:nvCxnSpPr>
+          <p:cNvPr id="28" name="رابط مستقيم 27">
+            <a:extLst>
+              <a:ext uri="{FF2B5EF4-FFF2-40B4-BE49-F238E27FC236}">
+                <a16:creationId xmlns:a16="http://schemas.microsoft.com/office/drawing/2014/main" id="{8140028D-95F6-FDC6-23E5-EBFE5BE00ACC}"/>
+              </a:ext>
+            </a:extLst>
+          </p:cNvPr>
+          <p:cNvCxnSpPr>
+            <a:cxnSpLocks/>
+          </p:cNvCxnSpPr>
+          <p:nvPr/>
+        </p:nvCxnSpPr>
+        <p:spPr>
+          <a:xfrm>
+            <a:off x="5824781" y="3072093"/>
+            <a:ext cx="566561" cy="0"/>
+          </a:xfrm>
+          <a:prstGeom prst="line">
+            <a:avLst/>
+          </a:prstGeom>
+        </p:spPr>
+        <p:style>
+          <a:lnRef idx="1">
+            <a:schemeClr val="accent1"/>
+          </a:lnRef>
+          <a:fillRef idx="0">
+            <a:schemeClr val="accent1"/>
+          </a:fillRef>
+          <a:effectRef idx="0">
+            <a:schemeClr val="accent1"/>
+          </a:effectRef>
+          <a:fontRef idx="minor">
+            <a:schemeClr val="tx1"/>
+          </a:fontRef>
+        </p:style>
+      </p:cxnSp>
+      <p:cxnSp>
+        <p:nvCxnSpPr>
+          <p:cNvPr id="29" name="رابط كسهم مستقيم 28">
+            <a:extLst>
+              <a:ext uri="{FF2B5EF4-FFF2-40B4-BE49-F238E27FC236}">
+                <a16:creationId xmlns:a16="http://schemas.microsoft.com/office/drawing/2014/main" id="{E9A5BA77-275B-1BFF-E664-0BB59BC902BE}"/>
+              </a:ext>
+            </a:extLst>
+          </p:cNvPr>
+          <p:cNvCxnSpPr>
+            <a:cxnSpLocks/>
+          </p:cNvCxnSpPr>
+          <p:nvPr/>
+        </p:nvCxnSpPr>
+        <p:spPr>
+          <a:xfrm flipV="1">
+            <a:off x="1369672" y="2889420"/>
+            <a:ext cx="504448" cy="731020"/>
+          </a:xfrm>
+          <a:prstGeom prst="straightConnector1">
+            <a:avLst/>
+          </a:prstGeom>
+          <a:ln>
+            <a:tailEnd type="triangle"/>
+          </a:ln>
+        </p:spPr>
+        <p:style>
+          <a:lnRef idx="1">
+            <a:schemeClr val="accent1"/>
+          </a:lnRef>
+          <a:fillRef idx="0">
+            <a:schemeClr val="accent1"/>
+          </a:fillRef>
+          <a:effectRef idx="0">
+            <a:schemeClr val="accent1"/>
+          </a:effectRef>
+          <a:fontRef idx="minor">
+            <a:schemeClr val="tx1"/>
+          </a:fontRef>
+        </p:style>
+      </p:cxnSp>
+      <p:cxnSp>
+        <p:nvCxnSpPr>
+          <p:cNvPr id="30" name="رابط كسهم مستقيم 29">
+            <a:extLst>
+              <a:ext uri="{FF2B5EF4-FFF2-40B4-BE49-F238E27FC236}">
+                <a16:creationId xmlns:a16="http://schemas.microsoft.com/office/drawing/2014/main" id="{C624FDB8-0792-3418-C5AB-01476851E850}"/>
+              </a:ext>
+            </a:extLst>
+          </p:cNvPr>
+          <p:cNvCxnSpPr>
+            <a:cxnSpLocks/>
+          </p:cNvCxnSpPr>
+          <p:nvPr/>
+        </p:nvCxnSpPr>
+        <p:spPr>
+          <a:xfrm flipH="1">
+            <a:off x="4333416" y="1818863"/>
+            <a:ext cx="432548" cy="544289"/>
+          </a:xfrm>
+          <a:prstGeom prst="straightConnector1">
+            <a:avLst/>
+          </a:prstGeom>
+          <a:ln>
+            <a:tailEnd type="triangle"/>
+          </a:ln>
+        </p:spPr>
+        <p:style>
+          <a:lnRef idx="1">
+            <a:schemeClr val="accent1"/>
+          </a:lnRef>
+          <a:fillRef idx="0">
+            <a:schemeClr val="accent1"/>
+          </a:fillRef>
+          <a:effectRef idx="0">
+            <a:schemeClr val="accent1"/>
+          </a:effectRef>
+          <a:fontRef idx="minor">
+            <a:schemeClr val="tx1"/>
+          </a:fontRef>
+        </p:style>
+      </p:cxnSp>
+      <p:sp>
+        <p:nvSpPr>
+          <p:cNvPr id="33" name="مربع نص 32">
+            <a:extLst>
+              <a:ext uri="{FF2B5EF4-FFF2-40B4-BE49-F238E27FC236}">
+                <a16:creationId xmlns:a16="http://schemas.microsoft.com/office/drawing/2014/main" id="{77FA4FC5-A112-0037-6195-28FFDE05DAD9}"/>
+              </a:ext>
+            </a:extLst>
+          </p:cNvPr>
+          <p:cNvSpPr txBox="1"/>
+          <p:nvPr/>
+        </p:nvSpPr>
+        <p:spPr>
+          <a:xfrm>
+            <a:off x="5818205" y="2334194"/>
+            <a:ext cx="498199" cy="369332"/>
+          </a:xfrm>
+          <a:prstGeom prst="rect">
+            <a:avLst/>
+          </a:prstGeom>
+          <a:noFill/>
+        </p:spPr>
+        <p:txBody>
+          <a:bodyPr wrap="square" rtlCol="0">
+            <a:spAutoFit/>
+          </a:bodyPr>
+          <a:lstStyle/>
+          <a:p>
+            <a:r>
+              <a:rPr lang="en-US" dirty="0"/>
+              <a:t>val</a:t>
+            </a:r>
+          </a:p>
+        </p:txBody>
+      </p:sp>
+      <p:sp>
+        <p:nvSpPr>
+          <p:cNvPr id="34" name="مربع نص 33">
+            <a:extLst>
+              <a:ext uri="{FF2B5EF4-FFF2-40B4-BE49-F238E27FC236}">
+                <a16:creationId xmlns:a16="http://schemas.microsoft.com/office/drawing/2014/main" id="{67E36C0A-AC82-AAAF-E722-159143362B20}"/>
+              </a:ext>
+            </a:extLst>
+          </p:cNvPr>
+          <p:cNvSpPr txBox="1"/>
+          <p:nvPr/>
+        </p:nvSpPr>
+        <p:spPr>
+          <a:xfrm>
+            <a:off x="5847685" y="2631512"/>
+            <a:ext cx="457662" cy="369332"/>
+          </a:xfrm>
+          <a:prstGeom prst="rect">
+            <a:avLst/>
+          </a:prstGeom>
+          <a:noFill/>
+        </p:spPr>
+        <p:txBody>
+          <a:bodyPr wrap="square" rtlCol="0">
+            <a:spAutoFit/>
+          </a:bodyPr>
+          <a:lstStyle/>
+          <a:p>
+            <a:r>
+              <a:rPr lang="en-US" dirty="0"/>
+              <a:t>35</a:t>
+            </a:r>
+          </a:p>
+        </p:txBody>
+      </p:sp>
+      <p:sp>
+        <p:nvSpPr>
+          <p:cNvPr id="37" name="مستطيل 36">
+            <a:extLst>
+              <a:ext uri="{FF2B5EF4-FFF2-40B4-BE49-F238E27FC236}">
+                <a16:creationId xmlns:a16="http://schemas.microsoft.com/office/drawing/2014/main" id="{19BF2ACE-CF68-9334-7BBE-6079C46E2748}"/>
+              </a:ext>
+            </a:extLst>
+          </p:cNvPr>
+          <p:cNvSpPr/>
+          <p:nvPr/>
+        </p:nvSpPr>
+        <p:spPr>
+          <a:xfrm>
+            <a:off x="2914619" y="2384523"/>
+            <a:ext cx="566561" cy="1468582"/>
+          </a:xfrm>
+          <a:prstGeom prst="rect">
+            <a:avLst/>
+          </a:prstGeom>
+          <a:solidFill>
+            <a:schemeClr val="bg1"/>
+          </a:solidFill>
+        </p:spPr>
+        <p:style>
+          <a:lnRef idx="2">
+            <a:schemeClr val="accent1">
+              <a:shade val="50000"/>
+            </a:schemeClr>
+          </a:lnRef>
+          <a:fillRef idx="1">
+            <a:schemeClr val="accent1"/>
+          </a:fillRef>
+          <a:effectRef idx="0">
+            <a:schemeClr val="accent1"/>
+          </a:effectRef>
+          <a:fontRef idx="minor">
+            <a:schemeClr val="lt1"/>
+          </a:fontRef>
+        </p:style>
+        <p:txBody>
+          <a:bodyPr rtlCol="0" anchor="ctr"/>
+          <a:lstStyle/>
+          <a:p>
+            <a:pPr algn="ctr"/>
+            <a:endParaRPr lang="en-US" dirty="0"/>
+          </a:p>
+        </p:txBody>
+      </p:sp>
+      <p:cxnSp>
+        <p:nvCxnSpPr>
+          <p:cNvPr id="38" name="رابط مستقيم 37">
+            <a:extLst>
+              <a:ext uri="{FF2B5EF4-FFF2-40B4-BE49-F238E27FC236}">
+                <a16:creationId xmlns:a16="http://schemas.microsoft.com/office/drawing/2014/main" id="{DFAAAA63-30B9-34DC-5915-BDE43EA7128D}"/>
+              </a:ext>
+            </a:extLst>
+          </p:cNvPr>
+          <p:cNvCxnSpPr>
+            <a:stCxn id="37" idx="1"/>
+            <a:endCxn id="37" idx="3"/>
+          </p:cNvCxnSpPr>
+          <p:nvPr/>
+        </p:nvCxnSpPr>
+        <p:spPr>
+          <a:xfrm>
+            <a:off x="2914619" y="3118814"/>
+            <a:ext cx="566561" cy="0"/>
+          </a:xfrm>
+          <a:prstGeom prst="line">
+            <a:avLst/>
+          </a:prstGeom>
+        </p:spPr>
+        <p:style>
+          <a:lnRef idx="1">
+            <a:schemeClr val="accent1"/>
+          </a:lnRef>
+          <a:fillRef idx="0">
+            <a:schemeClr val="accent1"/>
+          </a:fillRef>
+          <a:effectRef idx="0">
+            <a:schemeClr val="accent1"/>
+          </a:effectRef>
+          <a:fontRef idx="minor">
+            <a:schemeClr val="tx1"/>
+          </a:fontRef>
+        </p:style>
+      </p:cxnSp>
+      <p:sp>
+        <p:nvSpPr>
+          <p:cNvPr id="39" name="مربع نص 38">
+            <a:extLst>
+              <a:ext uri="{FF2B5EF4-FFF2-40B4-BE49-F238E27FC236}">
+                <a16:creationId xmlns:a16="http://schemas.microsoft.com/office/drawing/2014/main" id="{D5417831-7725-DE99-527C-78351B63A457}"/>
+              </a:ext>
+            </a:extLst>
+          </p:cNvPr>
+          <p:cNvSpPr txBox="1"/>
+          <p:nvPr/>
+        </p:nvSpPr>
+        <p:spPr>
+          <a:xfrm>
+            <a:off x="2907980" y="2339678"/>
+            <a:ext cx="498199" cy="369332"/>
+          </a:xfrm>
+          <a:prstGeom prst="rect">
+            <a:avLst/>
+          </a:prstGeom>
+          <a:noFill/>
+        </p:spPr>
+        <p:txBody>
+          <a:bodyPr wrap="square" rtlCol="0">
+            <a:spAutoFit/>
+          </a:bodyPr>
+          <a:lstStyle/>
+          <a:p>
+            <a:r>
+              <a:rPr lang="en-US" dirty="0"/>
+              <a:t>val</a:t>
+            </a:r>
+          </a:p>
+        </p:txBody>
+      </p:sp>
+      <p:sp>
+        <p:nvSpPr>
+          <p:cNvPr id="40" name="مربع نص 39">
+            <a:extLst>
+              <a:ext uri="{FF2B5EF4-FFF2-40B4-BE49-F238E27FC236}">
+                <a16:creationId xmlns:a16="http://schemas.microsoft.com/office/drawing/2014/main" id="{D5E6DB4C-8FB0-DB2E-F888-6E2171178CD4}"/>
+              </a:ext>
+            </a:extLst>
+          </p:cNvPr>
+          <p:cNvSpPr txBox="1"/>
+          <p:nvPr/>
+        </p:nvSpPr>
+        <p:spPr>
+          <a:xfrm>
+            <a:off x="2805313" y="2652309"/>
+            <a:ext cx="553570" cy="369332"/>
+          </a:xfrm>
+          <a:prstGeom prst="rect">
+            <a:avLst/>
+          </a:prstGeom>
+          <a:noFill/>
+        </p:spPr>
+        <p:txBody>
+          <a:bodyPr wrap="square" rtlCol="0">
+            <a:spAutoFit/>
+          </a:bodyPr>
+          <a:lstStyle/>
+          <a:p>
+            <a:r>
+              <a:rPr lang="en-US" dirty="0"/>
+              <a:t>9</a:t>
+            </a:r>
+          </a:p>
+        </p:txBody>
+      </p:sp>
+      <p:cxnSp>
+        <p:nvCxnSpPr>
+          <p:cNvPr id="53" name="رابط كسهم مستقيم 52">
+            <a:extLst>
+              <a:ext uri="{FF2B5EF4-FFF2-40B4-BE49-F238E27FC236}">
+                <a16:creationId xmlns:a16="http://schemas.microsoft.com/office/drawing/2014/main" id="{179145FF-8BB0-0919-A910-C78AE5111116}"/>
+              </a:ext>
+            </a:extLst>
+          </p:cNvPr>
+          <p:cNvCxnSpPr>
+            <a:cxnSpLocks/>
+          </p:cNvCxnSpPr>
+          <p:nvPr/>
+        </p:nvCxnSpPr>
+        <p:spPr>
+          <a:xfrm flipV="1">
+            <a:off x="3490819" y="2995418"/>
+            <a:ext cx="404407" cy="723853"/>
+          </a:xfrm>
+          <a:prstGeom prst="straightConnector1">
+            <a:avLst/>
+          </a:prstGeom>
+          <a:ln>
+            <a:tailEnd type="triangle"/>
+          </a:ln>
+        </p:spPr>
+        <p:style>
+          <a:lnRef idx="1">
+            <a:schemeClr val="accent5"/>
+          </a:lnRef>
+          <a:fillRef idx="0">
+            <a:schemeClr val="accent5"/>
+          </a:fillRef>
+          <a:effectRef idx="0">
+            <a:schemeClr val="accent5"/>
+          </a:effectRef>
+          <a:fontRef idx="minor">
+            <a:schemeClr val="tx1"/>
+          </a:fontRef>
+        </p:style>
+      </p:cxnSp>
+      <p:sp>
+        <p:nvSpPr>
+          <p:cNvPr id="59" name="مربع نص 58">
+            <a:extLst>
+              <a:ext uri="{FF2B5EF4-FFF2-40B4-BE49-F238E27FC236}">
+                <a16:creationId xmlns:a16="http://schemas.microsoft.com/office/drawing/2014/main" id="{B8A99D42-BF40-8F44-E9C7-E8AC3CBDD49F}"/>
+              </a:ext>
+            </a:extLst>
+          </p:cNvPr>
+          <p:cNvSpPr txBox="1"/>
+          <p:nvPr/>
+        </p:nvSpPr>
+        <p:spPr>
+          <a:xfrm>
+            <a:off x="1028810" y="1442696"/>
+            <a:ext cx="708564" cy="369332"/>
+          </a:xfrm>
+          <a:prstGeom prst="rect">
+            <a:avLst/>
+          </a:prstGeom>
+          <a:noFill/>
+        </p:spPr>
+        <p:txBody>
+          <a:bodyPr wrap="square" rtlCol="0">
+            <a:spAutoFit/>
+          </a:bodyPr>
+          <a:lstStyle/>
+          <a:p>
+            <a:r>
+              <a:rPr lang="en-US" dirty="0"/>
+              <a:t>t</a:t>
+            </a:r>
+          </a:p>
+        </p:txBody>
+      </p:sp>
+      <p:cxnSp>
+        <p:nvCxnSpPr>
+          <p:cNvPr id="61" name="رابط كسهم مستقيم 60">
+            <a:extLst>
+              <a:ext uri="{FF2B5EF4-FFF2-40B4-BE49-F238E27FC236}">
+                <a16:creationId xmlns:a16="http://schemas.microsoft.com/office/drawing/2014/main" id="{45804F58-F7F1-99B4-4C34-44F0E8D6F601}"/>
+              </a:ext>
+            </a:extLst>
+          </p:cNvPr>
+          <p:cNvCxnSpPr/>
+          <p:nvPr/>
+        </p:nvCxnSpPr>
+        <p:spPr>
+          <a:xfrm flipH="1">
+            <a:off x="1185714" y="1812028"/>
+            <a:ext cx="436182" cy="477321"/>
+          </a:xfrm>
+          <a:prstGeom prst="straightConnector1">
+            <a:avLst/>
+          </a:prstGeom>
+          <a:ln>
+            <a:tailEnd type="triangle"/>
+          </a:ln>
+        </p:spPr>
+        <p:style>
+          <a:lnRef idx="1">
+            <a:schemeClr val="accent6"/>
+          </a:lnRef>
+          <a:fillRef idx="0">
+            <a:schemeClr val="accent6"/>
+          </a:fillRef>
+          <a:effectRef idx="0">
+            <a:schemeClr val="accent6"/>
+          </a:effectRef>
+          <a:fontRef idx="minor">
+            <a:schemeClr val="tx1"/>
+          </a:fontRef>
+        </p:style>
+      </p:cxnSp>
+      <p:cxnSp>
+        <p:nvCxnSpPr>
+          <p:cNvPr id="65" name="رابط كسهم مستقيم 64">
+            <a:extLst>
+              <a:ext uri="{FF2B5EF4-FFF2-40B4-BE49-F238E27FC236}">
+                <a16:creationId xmlns:a16="http://schemas.microsoft.com/office/drawing/2014/main" id="{6F30036E-334B-B34D-305B-0CCB7670707C}"/>
+              </a:ext>
+            </a:extLst>
+          </p:cNvPr>
+          <p:cNvCxnSpPr>
+            <a:endCxn id="24" idx="0"/>
+          </p:cNvCxnSpPr>
+          <p:nvPr/>
+        </p:nvCxnSpPr>
+        <p:spPr>
+          <a:xfrm>
+            <a:off x="1621896" y="1812028"/>
+            <a:ext cx="525171" cy="506279"/>
+          </a:xfrm>
+          <a:prstGeom prst="straightConnector1">
+            <a:avLst/>
+          </a:prstGeom>
+          <a:ln>
+            <a:tailEnd type="triangle"/>
+          </a:ln>
+        </p:spPr>
+        <p:style>
+          <a:lnRef idx="1">
+            <a:schemeClr val="accent6"/>
+          </a:lnRef>
+          <a:fillRef idx="0">
+            <a:schemeClr val="accent6"/>
+          </a:fillRef>
+          <a:effectRef idx="0">
+            <a:schemeClr val="accent6"/>
+          </a:effectRef>
+          <a:fontRef idx="minor">
+            <a:schemeClr val="tx1"/>
+          </a:fontRef>
+        </p:style>
+      </p:cxnSp>
+      <p:cxnSp>
+        <p:nvCxnSpPr>
+          <p:cNvPr id="67" name="رابط كسهم مستقيم 66">
+            <a:extLst>
+              <a:ext uri="{FF2B5EF4-FFF2-40B4-BE49-F238E27FC236}">
+                <a16:creationId xmlns:a16="http://schemas.microsoft.com/office/drawing/2014/main" id="{DEE13E2C-7D9F-E238-431B-A8A5F5ECDCBE}"/>
+              </a:ext>
+            </a:extLst>
+          </p:cNvPr>
+          <p:cNvCxnSpPr>
+            <a:stCxn id="59" idx="3"/>
+            <a:endCxn id="39" idx="0"/>
+          </p:cNvCxnSpPr>
+          <p:nvPr/>
+        </p:nvCxnSpPr>
+        <p:spPr>
+          <a:xfrm>
+            <a:off x="1737374" y="1627362"/>
+            <a:ext cx="1419706" cy="712316"/>
+          </a:xfrm>
+          <a:prstGeom prst="straightConnector1">
+            <a:avLst/>
+          </a:prstGeom>
+          <a:ln>
+            <a:tailEnd type="triangle"/>
+          </a:ln>
+        </p:spPr>
+        <p:style>
+          <a:lnRef idx="1">
+            <a:schemeClr val="accent6"/>
+          </a:lnRef>
+          <a:fillRef idx="0">
+            <a:schemeClr val="accent6"/>
+          </a:fillRef>
+          <a:effectRef idx="0">
+            <a:schemeClr val="accent6"/>
+          </a:effectRef>
+          <a:fontRef idx="minor">
+            <a:schemeClr val="tx1"/>
+          </a:fontRef>
+        </p:style>
+      </p:cxnSp>
+      <p:cxnSp>
+        <p:nvCxnSpPr>
+          <p:cNvPr id="69" name="رابط كسهم مستقيم 68">
+            <a:extLst>
+              <a:ext uri="{FF2B5EF4-FFF2-40B4-BE49-F238E27FC236}">
+                <a16:creationId xmlns:a16="http://schemas.microsoft.com/office/drawing/2014/main" id="{0F1451D8-7517-FD75-775B-E4BEC24AB29C}"/>
+              </a:ext>
+            </a:extLst>
+          </p:cNvPr>
+          <p:cNvCxnSpPr>
+            <a:stCxn id="59" idx="3"/>
+            <a:endCxn id="18" idx="0"/>
+          </p:cNvCxnSpPr>
+          <p:nvPr/>
+        </p:nvCxnSpPr>
+        <p:spPr>
+          <a:xfrm>
+            <a:off x="1737374" y="1627362"/>
+            <a:ext cx="2419890" cy="720195"/>
+          </a:xfrm>
+          <a:prstGeom prst="straightConnector1">
+            <a:avLst/>
+          </a:prstGeom>
+          <a:ln>
+            <a:tailEnd type="triangle"/>
+          </a:ln>
+        </p:spPr>
+        <p:style>
+          <a:lnRef idx="1">
+            <a:schemeClr val="accent6"/>
+          </a:lnRef>
+          <a:fillRef idx="0">
+            <a:schemeClr val="accent6"/>
+          </a:fillRef>
+          <a:effectRef idx="0">
+            <a:schemeClr val="accent6"/>
+          </a:effectRef>
+          <a:fontRef idx="minor">
+            <a:schemeClr val="tx1"/>
+          </a:fontRef>
+        </p:style>
+      </p:cxnSp>
+      <p:cxnSp>
+        <p:nvCxnSpPr>
+          <p:cNvPr id="71" name="رابط كسهم مستقيم 70">
+            <a:extLst>
+              <a:ext uri="{FF2B5EF4-FFF2-40B4-BE49-F238E27FC236}">
+                <a16:creationId xmlns:a16="http://schemas.microsoft.com/office/drawing/2014/main" id="{B268BD57-B80D-77F8-8B1F-E87504CE56BF}"/>
+              </a:ext>
+            </a:extLst>
+          </p:cNvPr>
+          <p:cNvCxnSpPr>
+            <a:cxnSpLocks/>
+            <a:stCxn id="59" idx="3"/>
+            <a:endCxn id="33" idx="1"/>
+          </p:cNvCxnSpPr>
+          <p:nvPr/>
+        </p:nvCxnSpPr>
+        <p:spPr>
+          <a:xfrm>
+            <a:off x="1737374" y="1627362"/>
+            <a:ext cx="4080831" cy="891498"/>
+          </a:xfrm>
+          <a:prstGeom prst="straightConnector1">
+            <a:avLst/>
+          </a:prstGeom>
+          <a:ln>
+            <a:tailEnd type="triangle"/>
+          </a:ln>
+        </p:spPr>
+        <p:style>
+          <a:lnRef idx="1">
+            <a:schemeClr val="accent2"/>
+          </a:lnRef>
+          <a:fillRef idx="0">
+            <a:schemeClr val="accent2"/>
+          </a:fillRef>
+          <a:effectRef idx="0">
+            <a:schemeClr val="accent2"/>
+          </a:effectRef>
+          <a:fontRef idx="minor">
+            <a:schemeClr val="tx1"/>
+          </a:fontRef>
+        </p:style>
+      </p:cxnSp>
+      <p:sp>
+        <p:nvSpPr>
+          <p:cNvPr id="77" name="مربع نص 76">
+            <a:extLst>
+              <a:ext uri="{FF2B5EF4-FFF2-40B4-BE49-F238E27FC236}">
+                <a16:creationId xmlns:a16="http://schemas.microsoft.com/office/drawing/2014/main" id="{C1BDE17E-1917-6FDB-4BE0-53D5D1F28DB4}"/>
+              </a:ext>
+            </a:extLst>
+          </p:cNvPr>
+          <p:cNvSpPr txBox="1"/>
+          <p:nvPr/>
+        </p:nvSpPr>
+        <p:spPr>
+          <a:xfrm>
+            <a:off x="5048704" y="4264600"/>
+            <a:ext cx="2178807" cy="1477328"/>
+          </a:xfrm>
+          <a:prstGeom prst="rect">
+            <a:avLst/>
+          </a:prstGeom>
+          <a:noFill/>
+        </p:spPr>
+        <p:txBody>
+          <a:bodyPr wrap="square" rtlCol="0">
+            <a:spAutoFit/>
+          </a:bodyPr>
+          <a:lstStyle/>
+          <a:p>
+            <a:pPr algn="l" rtl="0"/>
+            <a:r>
+              <a:rPr lang="en-US" dirty="0"/>
+              <a:t>node t =head;</a:t>
+            </a:r>
+          </a:p>
+          <a:p>
+            <a:pPr algn="l" rtl="0"/>
+            <a:r>
+              <a:rPr lang="en-US" dirty="0"/>
+              <a:t>while(t.next != tail)</a:t>
+            </a:r>
+          </a:p>
+          <a:p>
+            <a:pPr algn="l" rtl="0"/>
+            <a:r>
+              <a:rPr lang="en-US" dirty="0"/>
+              <a:t>t=t.next;</a:t>
+            </a:r>
+          </a:p>
+          <a:p>
+            <a:pPr algn="l" rtl="0"/>
+            <a:r>
+              <a:rPr lang="en-US" dirty="0"/>
+              <a:t>tail = t;</a:t>
+            </a:r>
+          </a:p>
+          <a:p>
+            <a:pPr algn="l" rtl="0"/>
+            <a:r>
+              <a:rPr lang="en-US" dirty="0"/>
+              <a:t>t.next = null</a:t>
+            </a:r>
+          </a:p>
+        </p:txBody>
+      </p:sp>
+      <p:sp>
+        <p:nvSpPr>
+          <p:cNvPr id="81" name="مربع نص 80">
+            <a:extLst>
+              <a:ext uri="{FF2B5EF4-FFF2-40B4-BE49-F238E27FC236}">
+                <a16:creationId xmlns:a16="http://schemas.microsoft.com/office/drawing/2014/main" id="{7005AA2D-952F-3350-3BF4-68065FA06268}"/>
+              </a:ext>
+            </a:extLst>
+          </p:cNvPr>
+          <p:cNvSpPr txBox="1"/>
+          <p:nvPr/>
+        </p:nvSpPr>
+        <p:spPr>
+          <a:xfrm>
+            <a:off x="4698743" y="2060545"/>
+            <a:ext cx="908659" cy="369332"/>
+          </a:xfrm>
+          <a:prstGeom prst="rect">
+            <a:avLst/>
+          </a:prstGeom>
+          <a:noFill/>
+        </p:spPr>
+        <p:txBody>
+          <a:bodyPr wrap="square" rtlCol="0">
+            <a:spAutoFit/>
+          </a:bodyPr>
+          <a:lstStyle/>
+          <a:p>
+            <a:r>
+              <a:rPr lang="en-US" dirty="0"/>
+              <a:t>t.next</a:t>
+            </a:r>
+          </a:p>
+        </p:txBody>
+      </p:sp>
+      <p:cxnSp>
+        <p:nvCxnSpPr>
+          <p:cNvPr id="83" name="رابط كسهم مستقيم 82">
+            <a:extLst>
+              <a:ext uri="{FF2B5EF4-FFF2-40B4-BE49-F238E27FC236}">
+                <a16:creationId xmlns:a16="http://schemas.microsoft.com/office/drawing/2014/main" id="{D9DF7CD7-AB95-F7FD-1606-59F6A45CD57A}"/>
+              </a:ext>
+            </a:extLst>
+          </p:cNvPr>
+          <p:cNvCxnSpPr>
+            <a:endCxn id="33" idx="0"/>
+          </p:cNvCxnSpPr>
+          <p:nvPr/>
+        </p:nvCxnSpPr>
+        <p:spPr>
+          <a:xfrm>
+            <a:off x="4867564" y="1695226"/>
+            <a:ext cx="1199741" cy="638968"/>
+          </a:xfrm>
+          <a:prstGeom prst="straightConnector1">
+            <a:avLst/>
+          </a:prstGeom>
+          <a:ln>
+            <a:tailEnd type="triangle"/>
+          </a:ln>
+        </p:spPr>
+        <p:style>
+          <a:lnRef idx="1">
+            <a:schemeClr val="accent2"/>
+          </a:lnRef>
+          <a:fillRef idx="0">
+            <a:schemeClr val="accent2"/>
+          </a:fillRef>
+          <a:effectRef idx="0">
+            <a:schemeClr val="accent2"/>
+          </a:effectRef>
+          <a:fontRef idx="minor">
+            <a:schemeClr val="tx1"/>
+          </a:fontRef>
+        </p:style>
+      </p:cxnSp>
+      <p:sp>
+        <p:nvSpPr>
+          <p:cNvPr id="84" name="مربع نص 83">
+            <a:extLst>
+              <a:ext uri="{FF2B5EF4-FFF2-40B4-BE49-F238E27FC236}">
+                <a16:creationId xmlns:a16="http://schemas.microsoft.com/office/drawing/2014/main" id="{7C5B8105-4F39-0A2B-60C8-BA1138A19910}"/>
+              </a:ext>
+            </a:extLst>
+          </p:cNvPr>
+          <p:cNvSpPr txBox="1"/>
+          <p:nvPr/>
+        </p:nvSpPr>
+        <p:spPr>
+          <a:xfrm>
+            <a:off x="5436613" y="1792855"/>
+            <a:ext cx="563093" cy="369332"/>
+          </a:xfrm>
+          <a:prstGeom prst="rect">
+            <a:avLst/>
+          </a:prstGeom>
+          <a:noFill/>
+        </p:spPr>
+        <p:txBody>
+          <a:bodyPr wrap="square" rtlCol="0">
+            <a:spAutoFit/>
+          </a:bodyPr>
+          <a:lstStyle/>
+          <a:p>
+            <a:r>
+              <a:rPr lang="en-US" dirty="0">
+                <a:solidFill>
+                  <a:srgbClr val="FFC000"/>
+                </a:solidFill>
+              </a:rPr>
+              <a:t>old</a:t>
+            </a:r>
+          </a:p>
+        </p:txBody>
+      </p:sp>
+    </p:spTree>
+    <p:extLst>
+      <p:ext uri="{BB962C8B-B14F-4D97-AF65-F5344CB8AC3E}">
+        <p14:creationId xmlns:p14="http://schemas.microsoft.com/office/powerpoint/2010/main" val="3609504767"/>
+      </p:ext>
+    </p:extLst>
+  </p:cSld>
+  <p:clrMapOvr>
+    <a:masterClrMapping/>
+  </p:clrMapOvr>
+</p:sld>
+</file>
+
+<file path=ppt/slides/slide15.xml><?xml version="1.0" encoding="utf-8"?>
+<p:sld xmlns:a="http://schemas.openxmlformats.org/drawingml/2006/main" xmlns:r="http://schemas.openxmlformats.org/officeDocument/2006/relationships" xmlns:p="http://schemas.openxmlformats.org/presentationml/2006/main">
+  <p:cSld>
+    <p:spTree>
+      <p:nvGrpSpPr>
+        <p:cNvPr id="1" name=""/>
+        <p:cNvGrpSpPr/>
+        <p:nvPr/>
+      </p:nvGrpSpPr>
+      <p:grpSpPr>
+        <a:xfrm>
+          <a:off x="0" y="0"/>
+          <a:ext cx="0" cy="0"/>
+          <a:chOff x="0" y="0"/>
+          <a:chExt cx="0" cy="0"/>
+        </a:xfrm>
+      </p:grpSpPr>
+      <p:sp>
+        <p:nvSpPr>
+          <p:cNvPr id="4" name="مستطيل 3">
+            <a:extLst>
+              <a:ext uri="{FF2B5EF4-FFF2-40B4-BE49-F238E27FC236}">
+                <a16:creationId xmlns:a16="http://schemas.microsoft.com/office/drawing/2014/main" id="{695DA091-CE69-23B0-7151-A84E24749D7B}"/>
+              </a:ext>
+            </a:extLst>
+          </p:cNvPr>
+          <p:cNvSpPr/>
+          <p:nvPr/>
+        </p:nvSpPr>
+        <p:spPr>
+          <a:xfrm>
+            <a:off x="532805" y="967509"/>
+            <a:ext cx="7207268" cy="4922982"/>
+          </a:xfrm>
+          <a:prstGeom prst="rect">
+            <a:avLst/>
+          </a:prstGeom>
+          <a:noFill/>
+        </p:spPr>
+        <p:style>
+          <a:lnRef idx="2">
+            <a:schemeClr val="accent1">
+              <a:shade val="50000"/>
+            </a:schemeClr>
+          </a:lnRef>
+          <a:fillRef idx="1">
+            <a:schemeClr val="accent1"/>
+          </a:fillRef>
+          <a:effectRef idx="0">
+            <a:schemeClr val="accent1"/>
+          </a:effectRef>
+          <a:fontRef idx="minor">
+            <a:schemeClr val="lt1"/>
+          </a:fontRef>
+        </p:style>
+        <p:txBody>
+          <a:bodyPr rtlCol="0" anchor="ctr"/>
+          <a:lstStyle/>
+          <a:p>
+            <a:pPr algn="ctr"/>
+            <a:endParaRPr lang="en-US"/>
+          </a:p>
+        </p:txBody>
+      </p:sp>
+      <p:sp>
+        <p:nvSpPr>
+          <p:cNvPr id="5" name="مربع نص 4">
+            <a:extLst>
+              <a:ext uri="{FF2B5EF4-FFF2-40B4-BE49-F238E27FC236}">
+                <a16:creationId xmlns:a16="http://schemas.microsoft.com/office/drawing/2014/main" id="{2F3B8347-0BA4-2824-D1EA-4693E0F1F37E}"/>
+              </a:ext>
+            </a:extLst>
+          </p:cNvPr>
+          <p:cNvSpPr txBox="1"/>
+          <p:nvPr/>
+        </p:nvSpPr>
+        <p:spPr>
+          <a:xfrm>
+            <a:off x="4523624" y="1510560"/>
+            <a:ext cx="525080" cy="369332"/>
+          </a:xfrm>
+          <a:prstGeom prst="rect">
+            <a:avLst/>
+          </a:prstGeom>
+          <a:noFill/>
+        </p:spPr>
+        <p:txBody>
+          <a:bodyPr wrap="square" rtlCol="0">
+            <a:spAutoFit/>
+          </a:bodyPr>
+          <a:lstStyle/>
+          <a:p>
+            <a:pPr algn="l" rtl="0"/>
+            <a:r>
+              <a:rPr lang="en-US" dirty="0"/>
+              <a:t>Tail</a:t>
+            </a:r>
+          </a:p>
+        </p:txBody>
+      </p:sp>
+      <p:sp>
+        <p:nvSpPr>
+          <p:cNvPr id="6" name="مربع نص 5">
+            <a:extLst>
+              <a:ext uri="{FF2B5EF4-FFF2-40B4-BE49-F238E27FC236}">
+                <a16:creationId xmlns:a16="http://schemas.microsoft.com/office/drawing/2014/main" id="{F8DDD45E-B1F3-B6DB-E8CD-FFFC9C134CA8}"/>
+              </a:ext>
+            </a:extLst>
+          </p:cNvPr>
+          <p:cNvSpPr txBox="1"/>
+          <p:nvPr/>
+        </p:nvSpPr>
+        <p:spPr>
+          <a:xfrm>
+            <a:off x="6504386" y="1948739"/>
+            <a:ext cx="1377057" cy="369332"/>
+          </a:xfrm>
+          <a:prstGeom prst="rect">
+            <a:avLst/>
+          </a:prstGeom>
+          <a:noFill/>
+        </p:spPr>
+        <p:txBody>
+          <a:bodyPr wrap="square" rtlCol="0">
+            <a:spAutoFit/>
+          </a:bodyPr>
+          <a:lstStyle/>
+          <a:p>
+            <a:pPr algn="l" rtl="0"/>
+            <a:r>
+              <a:rPr lang="en-US" dirty="0"/>
+              <a:t>Count = 3</a:t>
+            </a:r>
+          </a:p>
+        </p:txBody>
+      </p:sp>
+      <p:sp>
+        <p:nvSpPr>
+          <p:cNvPr id="7" name="مربع نص 6">
+            <a:extLst>
+              <a:ext uri="{FF2B5EF4-FFF2-40B4-BE49-F238E27FC236}">
+                <a16:creationId xmlns:a16="http://schemas.microsoft.com/office/drawing/2014/main" id="{578F1677-6BA2-C122-2ABE-EF3236743148}"/>
+              </a:ext>
+            </a:extLst>
+          </p:cNvPr>
+          <p:cNvSpPr txBox="1"/>
+          <p:nvPr/>
+        </p:nvSpPr>
+        <p:spPr>
+          <a:xfrm>
+            <a:off x="6576736" y="1541337"/>
+            <a:ext cx="566562" cy="307777"/>
+          </a:xfrm>
+          <a:prstGeom prst="rect">
+            <a:avLst/>
+          </a:prstGeom>
+          <a:noFill/>
+        </p:spPr>
+        <p:txBody>
+          <a:bodyPr wrap="square" rtlCol="0">
+            <a:spAutoFit/>
+          </a:bodyPr>
+          <a:lstStyle/>
+          <a:p>
+            <a:r>
+              <a:rPr lang="en-US" sz="1400" dirty="0">
+                <a:solidFill>
+                  <a:srgbClr val="FF0000"/>
+                </a:solidFill>
+              </a:rPr>
+              <a:t>int</a:t>
+            </a:r>
+          </a:p>
+        </p:txBody>
+      </p:sp>
+      <p:sp>
+        <p:nvSpPr>
+          <p:cNvPr id="8" name="مربع نص 7">
+            <a:extLst>
+              <a:ext uri="{FF2B5EF4-FFF2-40B4-BE49-F238E27FC236}">
+                <a16:creationId xmlns:a16="http://schemas.microsoft.com/office/drawing/2014/main" id="{8820B6A7-7611-202C-462A-79B36CAB534A}"/>
+              </a:ext>
+            </a:extLst>
+          </p:cNvPr>
+          <p:cNvSpPr txBox="1"/>
+          <p:nvPr/>
+        </p:nvSpPr>
+        <p:spPr>
+          <a:xfrm>
+            <a:off x="4794660" y="2581549"/>
+            <a:ext cx="662522" cy="369332"/>
+          </a:xfrm>
+          <a:prstGeom prst="rect">
+            <a:avLst/>
+          </a:prstGeom>
+          <a:noFill/>
+        </p:spPr>
+        <p:txBody>
+          <a:bodyPr wrap="square" rtlCol="0">
+            <a:spAutoFit/>
+          </a:bodyPr>
+          <a:lstStyle/>
+          <a:p>
+            <a:pPr algn="l" rtl="0"/>
+            <a:r>
+              <a:rPr lang="en-US" dirty="0"/>
+              <a:t>null</a:t>
+            </a:r>
+          </a:p>
+        </p:txBody>
+      </p:sp>
+      <p:cxnSp>
+        <p:nvCxnSpPr>
+          <p:cNvPr id="9" name="رابط كسهم مستقيم 8">
+            <a:extLst>
+              <a:ext uri="{FF2B5EF4-FFF2-40B4-BE49-F238E27FC236}">
+                <a16:creationId xmlns:a16="http://schemas.microsoft.com/office/drawing/2014/main" id="{59F4134B-9CC7-2E87-7D8C-295C3910F026}"/>
+              </a:ext>
+            </a:extLst>
+          </p:cNvPr>
+          <p:cNvCxnSpPr>
+            <a:cxnSpLocks/>
+          </p:cNvCxnSpPr>
+          <p:nvPr/>
+        </p:nvCxnSpPr>
+        <p:spPr>
+          <a:xfrm>
+            <a:off x="928356" y="1818863"/>
+            <a:ext cx="0" cy="416343"/>
+          </a:xfrm>
+          <a:prstGeom prst="straightConnector1">
+            <a:avLst/>
+          </a:prstGeom>
+          <a:ln>
+            <a:tailEnd type="triangle"/>
+          </a:ln>
+        </p:spPr>
+        <p:style>
+          <a:lnRef idx="1">
+            <a:schemeClr val="accent5"/>
+          </a:lnRef>
+          <a:fillRef idx="0">
+            <a:schemeClr val="accent5"/>
+          </a:fillRef>
+          <a:effectRef idx="0">
+            <a:schemeClr val="accent5"/>
+          </a:effectRef>
+          <a:fontRef idx="minor">
+            <a:schemeClr val="tx1"/>
+          </a:fontRef>
+        </p:style>
+      </p:cxnSp>
+      <p:sp>
+        <p:nvSpPr>
+          <p:cNvPr id="10" name="مستطيل 9">
+            <a:extLst>
+              <a:ext uri="{FF2B5EF4-FFF2-40B4-BE49-F238E27FC236}">
+                <a16:creationId xmlns:a16="http://schemas.microsoft.com/office/drawing/2014/main" id="{E7E3973A-5076-5C88-46F5-31B476C1554C}"/>
+              </a:ext>
+            </a:extLst>
+          </p:cNvPr>
+          <p:cNvSpPr/>
+          <p:nvPr/>
+        </p:nvSpPr>
+        <p:spPr>
+          <a:xfrm>
+            <a:off x="786350" y="2334194"/>
+            <a:ext cx="566561" cy="1468582"/>
+          </a:xfrm>
+          <a:prstGeom prst="rect">
+            <a:avLst/>
+          </a:prstGeom>
+          <a:solidFill>
+            <a:schemeClr val="bg1"/>
+          </a:solidFill>
+        </p:spPr>
+        <p:style>
+          <a:lnRef idx="2">
+            <a:schemeClr val="accent1">
+              <a:shade val="50000"/>
+            </a:schemeClr>
+          </a:lnRef>
+          <a:fillRef idx="1">
+            <a:schemeClr val="accent1"/>
+          </a:fillRef>
+          <a:effectRef idx="0">
+            <a:schemeClr val="accent1"/>
+          </a:effectRef>
+          <a:fontRef idx="minor">
+            <a:schemeClr val="lt1"/>
+          </a:fontRef>
+        </p:style>
+        <p:txBody>
+          <a:bodyPr rtlCol="0" anchor="ctr"/>
+          <a:lstStyle/>
+          <a:p>
+            <a:pPr algn="ctr"/>
+            <a:endParaRPr lang="en-US" dirty="0"/>
+          </a:p>
+        </p:txBody>
+      </p:sp>
+      <p:cxnSp>
+        <p:nvCxnSpPr>
+          <p:cNvPr id="11" name="رابط مستقيم 10">
+            <a:extLst>
+              <a:ext uri="{FF2B5EF4-FFF2-40B4-BE49-F238E27FC236}">
+                <a16:creationId xmlns:a16="http://schemas.microsoft.com/office/drawing/2014/main" id="{266B94F9-1B59-88A7-316B-4E6C2A4F5B97}"/>
+              </a:ext>
+            </a:extLst>
+          </p:cNvPr>
+          <p:cNvCxnSpPr>
+            <a:stCxn id="10" idx="1"/>
+            <a:endCxn id="10" idx="3"/>
+          </p:cNvCxnSpPr>
+          <p:nvPr/>
+        </p:nvCxnSpPr>
+        <p:spPr>
+          <a:xfrm>
+            <a:off x="786350" y="3068485"/>
+            <a:ext cx="566561" cy="0"/>
+          </a:xfrm>
+          <a:prstGeom prst="line">
+            <a:avLst/>
+          </a:prstGeom>
+        </p:spPr>
+        <p:style>
+          <a:lnRef idx="1">
+            <a:schemeClr val="accent1"/>
+          </a:lnRef>
+          <a:fillRef idx="0">
+            <a:schemeClr val="accent1"/>
+          </a:fillRef>
+          <a:effectRef idx="0">
+            <a:schemeClr val="accent1"/>
+          </a:effectRef>
+          <a:fontRef idx="minor">
+            <a:schemeClr val="tx1"/>
+          </a:fontRef>
+        </p:style>
+      </p:cxnSp>
+      <p:sp>
+        <p:nvSpPr>
+          <p:cNvPr id="12" name="مربع نص 11">
+            <a:extLst>
+              <a:ext uri="{FF2B5EF4-FFF2-40B4-BE49-F238E27FC236}">
+                <a16:creationId xmlns:a16="http://schemas.microsoft.com/office/drawing/2014/main" id="{1A2F3AD8-17CF-878E-357A-280AF40BCEE7}"/>
+              </a:ext>
+            </a:extLst>
+          </p:cNvPr>
+          <p:cNvSpPr txBox="1"/>
+          <p:nvPr/>
+        </p:nvSpPr>
+        <p:spPr>
+          <a:xfrm>
+            <a:off x="779711" y="2289349"/>
+            <a:ext cx="498199" cy="369332"/>
+          </a:xfrm>
+          <a:prstGeom prst="rect">
+            <a:avLst/>
+          </a:prstGeom>
+          <a:noFill/>
+        </p:spPr>
+        <p:txBody>
+          <a:bodyPr wrap="square" rtlCol="0">
+            <a:spAutoFit/>
+          </a:bodyPr>
+          <a:lstStyle/>
+          <a:p>
+            <a:r>
+              <a:rPr lang="en-US" dirty="0"/>
+              <a:t>val</a:t>
+            </a:r>
+          </a:p>
+        </p:txBody>
+      </p:sp>
+      <p:sp>
+        <p:nvSpPr>
+          <p:cNvPr id="13" name="مربع نص 12">
+            <a:extLst>
+              <a:ext uri="{FF2B5EF4-FFF2-40B4-BE49-F238E27FC236}">
+                <a16:creationId xmlns:a16="http://schemas.microsoft.com/office/drawing/2014/main" id="{FCEB7CD5-C5CC-8019-E03E-658491B0D796}"/>
+              </a:ext>
+            </a:extLst>
+          </p:cNvPr>
+          <p:cNvSpPr txBox="1"/>
+          <p:nvPr/>
+        </p:nvSpPr>
+        <p:spPr>
+          <a:xfrm>
+            <a:off x="832248" y="2657809"/>
+            <a:ext cx="461651" cy="369332"/>
+          </a:xfrm>
+          <a:prstGeom prst="rect">
+            <a:avLst/>
+          </a:prstGeom>
+          <a:noFill/>
+        </p:spPr>
+        <p:txBody>
+          <a:bodyPr wrap="square" rtlCol="0">
+            <a:spAutoFit/>
+          </a:bodyPr>
+          <a:lstStyle/>
+          <a:p>
+            <a:r>
+              <a:rPr lang="en-US" dirty="0"/>
+              <a:t>10</a:t>
+            </a:r>
+          </a:p>
+        </p:txBody>
+      </p:sp>
+      <p:sp>
+        <p:nvSpPr>
+          <p:cNvPr id="14" name="مستطيل 13">
+            <a:extLst>
+              <a:ext uri="{FF2B5EF4-FFF2-40B4-BE49-F238E27FC236}">
+                <a16:creationId xmlns:a16="http://schemas.microsoft.com/office/drawing/2014/main" id="{DAA1D4E4-18AD-9D0D-E662-D2ADB3C1F54D}"/>
+              </a:ext>
+            </a:extLst>
+          </p:cNvPr>
+          <p:cNvSpPr/>
+          <p:nvPr/>
+        </p:nvSpPr>
+        <p:spPr>
+          <a:xfrm>
+            <a:off x="3914803" y="2392402"/>
+            <a:ext cx="566561" cy="1468582"/>
+          </a:xfrm>
+          <a:prstGeom prst="rect">
+            <a:avLst/>
+          </a:prstGeom>
+          <a:solidFill>
+            <a:schemeClr val="bg1"/>
+          </a:solidFill>
+        </p:spPr>
+        <p:style>
+          <a:lnRef idx="2">
+            <a:schemeClr val="accent1">
+              <a:shade val="50000"/>
+            </a:schemeClr>
+          </a:lnRef>
+          <a:fillRef idx="1">
+            <a:schemeClr val="accent1"/>
+          </a:fillRef>
+          <a:effectRef idx="0">
+            <a:schemeClr val="accent1"/>
+          </a:effectRef>
+          <a:fontRef idx="minor">
+            <a:schemeClr val="lt1"/>
+          </a:fontRef>
+        </p:style>
+        <p:txBody>
+          <a:bodyPr rtlCol="0" anchor="ctr"/>
+          <a:lstStyle/>
+          <a:p>
+            <a:pPr algn="ctr"/>
+            <a:endParaRPr lang="en-US" dirty="0"/>
+          </a:p>
+        </p:txBody>
+      </p:sp>
+      <p:cxnSp>
+        <p:nvCxnSpPr>
+          <p:cNvPr id="15" name="رابط مستقيم 14">
+            <a:extLst>
+              <a:ext uri="{FF2B5EF4-FFF2-40B4-BE49-F238E27FC236}">
+                <a16:creationId xmlns:a16="http://schemas.microsoft.com/office/drawing/2014/main" id="{BCA5AD15-3FD7-057C-F601-56B79A7AFBDE}"/>
+              </a:ext>
+            </a:extLst>
+          </p:cNvPr>
+          <p:cNvCxnSpPr>
+            <a:cxnSpLocks/>
+            <a:stCxn id="14" idx="1"/>
+            <a:endCxn id="14" idx="3"/>
+          </p:cNvCxnSpPr>
+          <p:nvPr/>
+        </p:nvCxnSpPr>
+        <p:spPr>
+          <a:xfrm>
+            <a:off x="3914803" y="3126693"/>
+            <a:ext cx="566561" cy="0"/>
+          </a:xfrm>
+          <a:prstGeom prst="line">
+            <a:avLst/>
+          </a:prstGeom>
+        </p:spPr>
+        <p:style>
+          <a:lnRef idx="1">
+            <a:schemeClr val="accent1"/>
+          </a:lnRef>
+          <a:fillRef idx="0">
+            <a:schemeClr val="accent1"/>
+          </a:fillRef>
+          <a:effectRef idx="0">
+            <a:schemeClr val="accent1"/>
+          </a:effectRef>
+          <a:fontRef idx="minor">
+            <a:schemeClr val="tx1"/>
+          </a:fontRef>
+        </p:style>
+      </p:cxnSp>
+      <p:sp>
+        <p:nvSpPr>
+          <p:cNvPr id="16" name="مربع نص 15">
+            <a:extLst>
+              <a:ext uri="{FF2B5EF4-FFF2-40B4-BE49-F238E27FC236}">
+                <a16:creationId xmlns:a16="http://schemas.microsoft.com/office/drawing/2014/main" id="{ACC5BD9B-43ED-F4F9-BFC5-A54433144E40}"/>
+              </a:ext>
+            </a:extLst>
+          </p:cNvPr>
+          <p:cNvSpPr txBox="1"/>
+          <p:nvPr/>
+        </p:nvSpPr>
+        <p:spPr>
+          <a:xfrm>
+            <a:off x="3908164" y="2347557"/>
+            <a:ext cx="498199" cy="369332"/>
+          </a:xfrm>
+          <a:prstGeom prst="rect">
+            <a:avLst/>
+          </a:prstGeom>
+          <a:noFill/>
+        </p:spPr>
+        <p:txBody>
+          <a:bodyPr wrap="square" rtlCol="0">
+            <a:spAutoFit/>
+          </a:bodyPr>
+          <a:lstStyle/>
+          <a:p>
+            <a:r>
+              <a:rPr lang="en-US" dirty="0"/>
+              <a:t>val</a:t>
+            </a:r>
+          </a:p>
+        </p:txBody>
+      </p:sp>
+      <p:sp>
+        <p:nvSpPr>
+          <p:cNvPr id="17" name="مربع نص 16">
+            <a:extLst>
+              <a:ext uri="{FF2B5EF4-FFF2-40B4-BE49-F238E27FC236}">
+                <a16:creationId xmlns:a16="http://schemas.microsoft.com/office/drawing/2014/main" id="{4168D24A-CA12-31BF-C110-4F14D8D3442D}"/>
+              </a:ext>
+            </a:extLst>
+          </p:cNvPr>
+          <p:cNvSpPr txBox="1"/>
+          <p:nvPr/>
+        </p:nvSpPr>
+        <p:spPr>
+          <a:xfrm>
+            <a:off x="4127107" y="2681918"/>
+            <a:ext cx="206309" cy="369332"/>
+          </a:xfrm>
+          <a:prstGeom prst="rect">
+            <a:avLst/>
+          </a:prstGeom>
+          <a:noFill/>
+        </p:spPr>
+        <p:txBody>
+          <a:bodyPr wrap="square" rtlCol="0">
+            <a:spAutoFit/>
+          </a:bodyPr>
+          <a:lstStyle/>
+          <a:p>
+            <a:r>
+              <a:rPr lang="en-US" dirty="0"/>
+              <a:t>5</a:t>
+            </a:r>
+          </a:p>
+        </p:txBody>
+      </p:sp>
+      <p:sp>
+        <p:nvSpPr>
+          <p:cNvPr id="18" name="مربع نص 17">
+            <a:extLst>
+              <a:ext uri="{FF2B5EF4-FFF2-40B4-BE49-F238E27FC236}">
+                <a16:creationId xmlns:a16="http://schemas.microsoft.com/office/drawing/2014/main" id="{AF49D2EB-1D6E-465D-EB55-0C206C5F3C80}"/>
+              </a:ext>
+            </a:extLst>
+          </p:cNvPr>
+          <p:cNvSpPr txBox="1"/>
+          <p:nvPr/>
+        </p:nvSpPr>
+        <p:spPr>
+          <a:xfrm>
+            <a:off x="693908" y="1443132"/>
+            <a:ext cx="983613" cy="369332"/>
+          </a:xfrm>
+          <a:prstGeom prst="rect">
+            <a:avLst/>
+          </a:prstGeom>
+          <a:noFill/>
+        </p:spPr>
+        <p:txBody>
+          <a:bodyPr wrap="square" rtlCol="0">
+            <a:spAutoFit/>
+          </a:bodyPr>
+          <a:lstStyle/>
+          <a:p>
+            <a:pPr algn="l" rtl="0"/>
+            <a:r>
+              <a:rPr lang="en-US" dirty="0"/>
+              <a:t>Head</a:t>
+            </a:r>
+          </a:p>
+        </p:txBody>
+      </p:sp>
+      <p:cxnSp>
+        <p:nvCxnSpPr>
+          <p:cNvPr id="19" name="رابط كسهم مستقيم 18">
+            <a:extLst>
+              <a:ext uri="{FF2B5EF4-FFF2-40B4-BE49-F238E27FC236}">
+                <a16:creationId xmlns:a16="http://schemas.microsoft.com/office/drawing/2014/main" id="{D54FF3E7-7E6A-ED12-D949-9E2ADD7744BA}"/>
+              </a:ext>
+            </a:extLst>
+          </p:cNvPr>
+          <p:cNvCxnSpPr>
+            <a:cxnSpLocks/>
+          </p:cNvCxnSpPr>
+          <p:nvPr/>
+        </p:nvCxnSpPr>
+        <p:spPr>
+          <a:xfrm flipV="1">
+            <a:off x="4481364" y="2931488"/>
+            <a:ext cx="457662" cy="664861"/>
+          </a:xfrm>
+          <a:prstGeom prst="straightConnector1">
+            <a:avLst/>
+          </a:prstGeom>
+          <a:ln>
+            <a:tailEnd type="triangle"/>
+          </a:ln>
+        </p:spPr>
+        <p:style>
+          <a:lnRef idx="1">
+            <a:schemeClr val="accent1"/>
+          </a:lnRef>
+          <a:fillRef idx="0">
+            <a:schemeClr val="accent1"/>
+          </a:fillRef>
+          <a:effectRef idx="0">
+            <a:schemeClr val="accent1"/>
+          </a:effectRef>
+          <a:fontRef idx="minor">
+            <a:schemeClr val="tx1"/>
+          </a:fontRef>
+        </p:style>
+      </p:cxnSp>
+      <p:sp>
+        <p:nvSpPr>
+          <p:cNvPr id="20" name="مستطيل 19">
+            <a:extLst>
+              <a:ext uri="{FF2B5EF4-FFF2-40B4-BE49-F238E27FC236}">
+                <a16:creationId xmlns:a16="http://schemas.microsoft.com/office/drawing/2014/main" id="{F13994F7-C74A-61DD-2BD5-316E024420C4}"/>
+              </a:ext>
+            </a:extLst>
+          </p:cNvPr>
+          <p:cNvSpPr/>
+          <p:nvPr/>
+        </p:nvSpPr>
+        <p:spPr>
+          <a:xfrm>
+            <a:off x="1785551" y="3629067"/>
+            <a:ext cx="566561" cy="1468582"/>
+          </a:xfrm>
+          <a:prstGeom prst="rect">
+            <a:avLst/>
+          </a:prstGeom>
+          <a:solidFill>
+            <a:schemeClr val="bg1"/>
+          </a:solidFill>
+        </p:spPr>
+        <p:style>
+          <a:lnRef idx="2">
+            <a:schemeClr val="accent1">
+              <a:shade val="50000"/>
+            </a:schemeClr>
+          </a:lnRef>
+          <a:fillRef idx="1">
+            <a:schemeClr val="accent1"/>
+          </a:fillRef>
+          <a:effectRef idx="0">
+            <a:schemeClr val="accent1"/>
+          </a:effectRef>
+          <a:fontRef idx="minor">
+            <a:schemeClr val="lt1"/>
+          </a:fontRef>
+        </p:style>
+        <p:txBody>
+          <a:bodyPr rtlCol="0" anchor="ctr"/>
+          <a:lstStyle/>
+          <a:p>
+            <a:pPr algn="ctr"/>
+            <a:endParaRPr lang="en-US" dirty="0"/>
+          </a:p>
+        </p:txBody>
+      </p:sp>
+      <p:cxnSp>
+        <p:nvCxnSpPr>
+          <p:cNvPr id="21" name="رابط مستقيم 20">
+            <a:extLst>
+              <a:ext uri="{FF2B5EF4-FFF2-40B4-BE49-F238E27FC236}">
+                <a16:creationId xmlns:a16="http://schemas.microsoft.com/office/drawing/2014/main" id="{AA1E9BA9-A720-371E-38D4-35F3FBF7873A}"/>
+              </a:ext>
+            </a:extLst>
+          </p:cNvPr>
+          <p:cNvCxnSpPr>
+            <a:stCxn id="20" idx="1"/>
+            <a:endCxn id="20" idx="3"/>
+          </p:cNvCxnSpPr>
+          <p:nvPr/>
+        </p:nvCxnSpPr>
+        <p:spPr>
+          <a:xfrm>
+            <a:off x="1785551" y="4363358"/>
+            <a:ext cx="566561" cy="0"/>
+          </a:xfrm>
+          <a:prstGeom prst="line">
+            <a:avLst/>
+          </a:prstGeom>
+        </p:spPr>
+        <p:style>
+          <a:lnRef idx="1">
+            <a:schemeClr val="accent1"/>
+          </a:lnRef>
+          <a:fillRef idx="0">
+            <a:schemeClr val="accent1"/>
+          </a:fillRef>
+          <a:effectRef idx="0">
+            <a:schemeClr val="accent1"/>
+          </a:effectRef>
+          <a:fontRef idx="minor">
+            <a:schemeClr val="tx1"/>
+          </a:fontRef>
+        </p:style>
+      </p:cxnSp>
+      <p:sp>
+        <p:nvSpPr>
+          <p:cNvPr id="22" name="مربع نص 21">
+            <a:extLst>
+              <a:ext uri="{FF2B5EF4-FFF2-40B4-BE49-F238E27FC236}">
+                <a16:creationId xmlns:a16="http://schemas.microsoft.com/office/drawing/2014/main" id="{DADEA64A-CAFB-E236-2BDE-8A96546E25E1}"/>
+              </a:ext>
+            </a:extLst>
+          </p:cNvPr>
+          <p:cNvSpPr txBox="1"/>
+          <p:nvPr/>
+        </p:nvSpPr>
+        <p:spPr>
+          <a:xfrm>
+            <a:off x="1778912" y="3584222"/>
+            <a:ext cx="498199" cy="369332"/>
+          </a:xfrm>
+          <a:prstGeom prst="rect">
+            <a:avLst/>
+          </a:prstGeom>
+          <a:noFill/>
+        </p:spPr>
+        <p:txBody>
+          <a:bodyPr wrap="square" rtlCol="0">
+            <a:spAutoFit/>
+          </a:bodyPr>
+          <a:lstStyle/>
+          <a:p>
+            <a:r>
+              <a:rPr lang="en-US" dirty="0"/>
+              <a:t>val</a:t>
+            </a:r>
+          </a:p>
+        </p:txBody>
+      </p:sp>
+      <p:sp>
+        <p:nvSpPr>
+          <p:cNvPr id="23" name="مربع نص 22">
+            <a:extLst>
+              <a:ext uri="{FF2B5EF4-FFF2-40B4-BE49-F238E27FC236}">
+                <a16:creationId xmlns:a16="http://schemas.microsoft.com/office/drawing/2014/main" id="{B04379B3-7F8E-6413-FF1F-B4A2758ECEA4}"/>
+              </a:ext>
+            </a:extLst>
+          </p:cNvPr>
+          <p:cNvSpPr txBox="1"/>
+          <p:nvPr/>
+        </p:nvSpPr>
+        <p:spPr>
+          <a:xfrm>
+            <a:off x="2001589" y="3918583"/>
+            <a:ext cx="206309" cy="369332"/>
+          </a:xfrm>
+          <a:prstGeom prst="rect">
+            <a:avLst/>
+          </a:prstGeom>
+          <a:noFill/>
+        </p:spPr>
+        <p:txBody>
+          <a:bodyPr wrap="square" rtlCol="0">
+            <a:spAutoFit/>
+          </a:bodyPr>
+          <a:lstStyle/>
+          <a:p>
+            <a:r>
+              <a:rPr lang="en-US" dirty="0"/>
+              <a:t>3</a:t>
+            </a:r>
+          </a:p>
+        </p:txBody>
+      </p:sp>
+      <p:cxnSp>
+        <p:nvCxnSpPr>
+          <p:cNvPr id="27" name="رابط كسهم مستقيم 26">
+            <a:extLst>
+              <a:ext uri="{FF2B5EF4-FFF2-40B4-BE49-F238E27FC236}">
+                <a16:creationId xmlns:a16="http://schemas.microsoft.com/office/drawing/2014/main" id="{8FDBD38E-B804-905D-7BC6-48B6DBCFE96B}"/>
+              </a:ext>
+            </a:extLst>
+          </p:cNvPr>
+          <p:cNvCxnSpPr>
+            <a:cxnSpLocks/>
+            <a:endCxn id="34" idx="1"/>
+          </p:cNvCxnSpPr>
+          <p:nvPr/>
+        </p:nvCxnSpPr>
+        <p:spPr>
+          <a:xfrm flipV="1">
+            <a:off x="1369672" y="2836975"/>
+            <a:ext cx="1435641" cy="783465"/>
+          </a:xfrm>
+          <a:prstGeom prst="straightConnector1">
+            <a:avLst/>
+          </a:prstGeom>
+          <a:ln>
+            <a:tailEnd type="triangle"/>
+          </a:ln>
+        </p:spPr>
+        <p:style>
+          <a:lnRef idx="1">
+            <a:schemeClr val="accent1"/>
+          </a:lnRef>
+          <a:fillRef idx="0">
+            <a:schemeClr val="accent1"/>
+          </a:fillRef>
+          <a:effectRef idx="0">
+            <a:schemeClr val="accent1"/>
+          </a:effectRef>
+          <a:fontRef idx="minor">
+            <a:schemeClr val="tx1"/>
+          </a:fontRef>
+        </p:style>
+      </p:cxnSp>
+      <p:cxnSp>
+        <p:nvCxnSpPr>
+          <p:cNvPr id="28" name="رابط كسهم مستقيم 27">
+            <a:extLst>
+              <a:ext uri="{FF2B5EF4-FFF2-40B4-BE49-F238E27FC236}">
+                <a16:creationId xmlns:a16="http://schemas.microsoft.com/office/drawing/2014/main" id="{172DD58F-1C22-A87A-1493-EF928A723283}"/>
+              </a:ext>
+            </a:extLst>
+          </p:cNvPr>
+          <p:cNvCxnSpPr>
+            <a:cxnSpLocks/>
+          </p:cNvCxnSpPr>
+          <p:nvPr/>
+        </p:nvCxnSpPr>
+        <p:spPr>
+          <a:xfrm flipH="1">
+            <a:off x="4333416" y="1818863"/>
+            <a:ext cx="432548" cy="544289"/>
+          </a:xfrm>
+          <a:prstGeom prst="straightConnector1">
+            <a:avLst/>
+          </a:prstGeom>
+          <a:ln>
+            <a:tailEnd type="triangle"/>
+          </a:ln>
+        </p:spPr>
+        <p:style>
+          <a:lnRef idx="1">
+            <a:schemeClr val="accent1"/>
+          </a:lnRef>
+          <a:fillRef idx="0">
+            <a:schemeClr val="accent1"/>
+          </a:fillRef>
+          <a:effectRef idx="0">
+            <a:schemeClr val="accent1"/>
+          </a:effectRef>
+          <a:fontRef idx="minor">
+            <a:schemeClr val="tx1"/>
+          </a:fontRef>
+        </p:style>
+      </p:cxnSp>
+      <p:sp>
+        <p:nvSpPr>
+          <p:cNvPr id="31" name="مستطيل 30">
+            <a:extLst>
+              <a:ext uri="{FF2B5EF4-FFF2-40B4-BE49-F238E27FC236}">
+                <a16:creationId xmlns:a16="http://schemas.microsoft.com/office/drawing/2014/main" id="{2C1C853A-89A4-CE84-1C04-AB824908CB78}"/>
+              </a:ext>
+            </a:extLst>
+          </p:cNvPr>
+          <p:cNvSpPr/>
+          <p:nvPr/>
+        </p:nvSpPr>
+        <p:spPr>
+          <a:xfrm>
+            <a:off x="2914619" y="2384523"/>
+            <a:ext cx="566561" cy="1468582"/>
+          </a:xfrm>
+          <a:prstGeom prst="rect">
+            <a:avLst/>
+          </a:prstGeom>
+          <a:solidFill>
+            <a:schemeClr val="bg1"/>
+          </a:solidFill>
+        </p:spPr>
+        <p:style>
+          <a:lnRef idx="2">
+            <a:schemeClr val="accent1">
+              <a:shade val="50000"/>
+            </a:schemeClr>
+          </a:lnRef>
+          <a:fillRef idx="1">
+            <a:schemeClr val="accent1"/>
+          </a:fillRef>
+          <a:effectRef idx="0">
+            <a:schemeClr val="accent1"/>
+          </a:effectRef>
+          <a:fontRef idx="minor">
+            <a:schemeClr val="lt1"/>
+          </a:fontRef>
+        </p:style>
+        <p:txBody>
+          <a:bodyPr rtlCol="0" anchor="ctr"/>
+          <a:lstStyle/>
+          <a:p>
+            <a:pPr algn="ctr"/>
+            <a:endParaRPr lang="en-US" dirty="0"/>
+          </a:p>
+        </p:txBody>
+      </p:sp>
+      <p:cxnSp>
+        <p:nvCxnSpPr>
+          <p:cNvPr id="32" name="رابط مستقيم 31">
+            <a:extLst>
+              <a:ext uri="{FF2B5EF4-FFF2-40B4-BE49-F238E27FC236}">
+                <a16:creationId xmlns:a16="http://schemas.microsoft.com/office/drawing/2014/main" id="{60F780CE-4DE8-CCEC-2D4B-1577477C4B69}"/>
+              </a:ext>
+            </a:extLst>
+          </p:cNvPr>
+          <p:cNvCxnSpPr>
+            <a:stCxn id="31" idx="1"/>
+            <a:endCxn id="31" idx="3"/>
+          </p:cNvCxnSpPr>
+          <p:nvPr/>
+        </p:nvCxnSpPr>
+        <p:spPr>
+          <a:xfrm>
+            <a:off x="2914619" y="3118814"/>
+            <a:ext cx="566561" cy="0"/>
+          </a:xfrm>
+          <a:prstGeom prst="line">
+            <a:avLst/>
+          </a:prstGeom>
+        </p:spPr>
+        <p:style>
+          <a:lnRef idx="1">
+            <a:schemeClr val="accent1"/>
+          </a:lnRef>
+          <a:fillRef idx="0">
+            <a:schemeClr val="accent1"/>
+          </a:fillRef>
+          <a:effectRef idx="0">
+            <a:schemeClr val="accent1"/>
+          </a:effectRef>
+          <a:fontRef idx="minor">
+            <a:schemeClr val="tx1"/>
+          </a:fontRef>
+        </p:style>
+      </p:cxnSp>
+      <p:sp>
+        <p:nvSpPr>
+          <p:cNvPr id="33" name="مربع نص 32">
+            <a:extLst>
+              <a:ext uri="{FF2B5EF4-FFF2-40B4-BE49-F238E27FC236}">
+                <a16:creationId xmlns:a16="http://schemas.microsoft.com/office/drawing/2014/main" id="{E63E5DA0-C4F6-2210-2A58-85AB611C9D0E}"/>
+              </a:ext>
+            </a:extLst>
+          </p:cNvPr>
+          <p:cNvSpPr txBox="1"/>
+          <p:nvPr/>
+        </p:nvSpPr>
+        <p:spPr>
+          <a:xfrm>
+            <a:off x="2907980" y="2339678"/>
+            <a:ext cx="498199" cy="369332"/>
+          </a:xfrm>
+          <a:prstGeom prst="rect">
+            <a:avLst/>
+          </a:prstGeom>
+          <a:noFill/>
+        </p:spPr>
+        <p:txBody>
+          <a:bodyPr wrap="square" rtlCol="0">
+            <a:spAutoFit/>
+          </a:bodyPr>
+          <a:lstStyle/>
+          <a:p>
+            <a:r>
+              <a:rPr lang="en-US" dirty="0"/>
+              <a:t>val</a:t>
+            </a:r>
+          </a:p>
+        </p:txBody>
+      </p:sp>
+      <p:sp>
+        <p:nvSpPr>
+          <p:cNvPr id="34" name="مربع نص 33">
+            <a:extLst>
+              <a:ext uri="{FF2B5EF4-FFF2-40B4-BE49-F238E27FC236}">
+                <a16:creationId xmlns:a16="http://schemas.microsoft.com/office/drawing/2014/main" id="{F993024C-A310-6CCF-B107-67F4A7587294}"/>
+              </a:ext>
+            </a:extLst>
+          </p:cNvPr>
+          <p:cNvSpPr txBox="1"/>
+          <p:nvPr/>
+        </p:nvSpPr>
+        <p:spPr>
+          <a:xfrm>
+            <a:off x="2805313" y="2652309"/>
+            <a:ext cx="553570" cy="369332"/>
+          </a:xfrm>
+          <a:prstGeom prst="rect">
+            <a:avLst/>
+          </a:prstGeom>
+          <a:noFill/>
+        </p:spPr>
+        <p:txBody>
+          <a:bodyPr wrap="square" rtlCol="0">
+            <a:spAutoFit/>
+          </a:bodyPr>
+          <a:lstStyle/>
+          <a:p>
+            <a:r>
+              <a:rPr lang="en-US" dirty="0"/>
+              <a:t>9</a:t>
+            </a:r>
+          </a:p>
+        </p:txBody>
+      </p:sp>
+      <p:cxnSp>
+        <p:nvCxnSpPr>
+          <p:cNvPr id="35" name="رابط كسهم مستقيم 34">
+            <a:extLst>
+              <a:ext uri="{FF2B5EF4-FFF2-40B4-BE49-F238E27FC236}">
+                <a16:creationId xmlns:a16="http://schemas.microsoft.com/office/drawing/2014/main" id="{B0B74E1C-72DB-CFD8-512B-8B9D03A08BD6}"/>
+              </a:ext>
+            </a:extLst>
+          </p:cNvPr>
+          <p:cNvCxnSpPr>
+            <a:cxnSpLocks/>
+          </p:cNvCxnSpPr>
+          <p:nvPr/>
+        </p:nvCxnSpPr>
+        <p:spPr>
+          <a:xfrm flipV="1">
+            <a:off x="3490819" y="2995418"/>
+            <a:ext cx="404407" cy="723853"/>
+          </a:xfrm>
+          <a:prstGeom prst="straightConnector1">
+            <a:avLst/>
+          </a:prstGeom>
+          <a:ln>
+            <a:tailEnd type="triangle"/>
+          </a:ln>
+        </p:spPr>
+        <p:style>
+          <a:lnRef idx="1">
+            <a:schemeClr val="accent5"/>
+          </a:lnRef>
+          <a:fillRef idx="0">
+            <a:schemeClr val="accent5"/>
+          </a:fillRef>
+          <a:effectRef idx="0">
+            <a:schemeClr val="accent5"/>
+          </a:effectRef>
+          <a:fontRef idx="minor">
+            <a:schemeClr val="tx1"/>
+          </a:fontRef>
+        </p:style>
+      </p:cxnSp>
+      <p:sp>
+        <p:nvSpPr>
+          <p:cNvPr id="36" name="مربع نص 35">
+            <a:extLst>
+              <a:ext uri="{FF2B5EF4-FFF2-40B4-BE49-F238E27FC236}">
+                <a16:creationId xmlns:a16="http://schemas.microsoft.com/office/drawing/2014/main" id="{43A5D0D5-0A83-8C25-867C-F5CCC6C780E3}"/>
+              </a:ext>
+            </a:extLst>
+          </p:cNvPr>
+          <p:cNvSpPr txBox="1"/>
+          <p:nvPr/>
+        </p:nvSpPr>
+        <p:spPr>
+          <a:xfrm>
+            <a:off x="1028810" y="1442696"/>
+            <a:ext cx="708564" cy="369332"/>
+          </a:xfrm>
+          <a:prstGeom prst="rect">
+            <a:avLst/>
+          </a:prstGeom>
+          <a:noFill/>
+        </p:spPr>
+        <p:txBody>
+          <a:bodyPr wrap="square" rtlCol="0">
+            <a:spAutoFit/>
+          </a:bodyPr>
+          <a:lstStyle/>
+          <a:p>
+            <a:r>
+              <a:rPr lang="en-US" dirty="0"/>
+              <a:t>t</a:t>
+            </a:r>
+          </a:p>
+        </p:txBody>
+      </p:sp>
+      <p:cxnSp>
+        <p:nvCxnSpPr>
+          <p:cNvPr id="37" name="رابط كسهم مستقيم 36">
+            <a:extLst>
+              <a:ext uri="{FF2B5EF4-FFF2-40B4-BE49-F238E27FC236}">
+                <a16:creationId xmlns:a16="http://schemas.microsoft.com/office/drawing/2014/main" id="{452319FE-C6FF-D5FB-380E-6A3D751EC172}"/>
+              </a:ext>
+            </a:extLst>
+          </p:cNvPr>
+          <p:cNvCxnSpPr/>
+          <p:nvPr/>
+        </p:nvCxnSpPr>
+        <p:spPr>
+          <a:xfrm flipH="1">
+            <a:off x="1185714" y="1812028"/>
+            <a:ext cx="436182" cy="477321"/>
+          </a:xfrm>
+          <a:prstGeom prst="straightConnector1">
+            <a:avLst/>
+          </a:prstGeom>
+          <a:ln>
+            <a:tailEnd type="triangle"/>
+          </a:ln>
+        </p:spPr>
+        <p:style>
+          <a:lnRef idx="1">
+            <a:schemeClr val="accent6"/>
+          </a:lnRef>
+          <a:fillRef idx="0">
+            <a:schemeClr val="accent6"/>
+          </a:fillRef>
+          <a:effectRef idx="0">
+            <a:schemeClr val="accent6"/>
+          </a:effectRef>
+          <a:fontRef idx="minor">
+            <a:schemeClr val="tx1"/>
+          </a:fontRef>
+        </p:style>
+      </p:cxnSp>
+      <p:sp>
+        <p:nvSpPr>
+          <p:cNvPr id="42" name="مربع نص 41">
+            <a:extLst>
+              <a:ext uri="{FF2B5EF4-FFF2-40B4-BE49-F238E27FC236}">
+                <a16:creationId xmlns:a16="http://schemas.microsoft.com/office/drawing/2014/main" id="{DF282C67-68FE-5DED-32B3-2474148F2602}"/>
+              </a:ext>
+            </a:extLst>
+          </p:cNvPr>
+          <p:cNvSpPr txBox="1"/>
+          <p:nvPr/>
+        </p:nvSpPr>
+        <p:spPr>
+          <a:xfrm>
+            <a:off x="5048704" y="4264600"/>
+            <a:ext cx="2691369" cy="1477328"/>
+          </a:xfrm>
+          <a:prstGeom prst="rect">
+            <a:avLst/>
+          </a:prstGeom>
+          <a:noFill/>
+        </p:spPr>
+        <p:txBody>
+          <a:bodyPr wrap="square" rtlCol="0">
+            <a:spAutoFit/>
+          </a:bodyPr>
+          <a:lstStyle/>
+          <a:p>
+            <a:pPr algn="l" rtl="0"/>
+            <a:r>
+              <a:rPr lang="en-US" dirty="0"/>
+              <a:t>node t =head;</a:t>
+            </a:r>
+          </a:p>
+          <a:p>
+            <a:pPr algn="l" rtl="0"/>
+            <a:r>
+              <a:rPr lang="en-US" dirty="0"/>
+              <a:t>for (int i=1;i&lt;1;i++)</a:t>
+            </a:r>
+          </a:p>
+          <a:p>
+            <a:pPr algn="l" rtl="0"/>
+            <a:r>
+              <a:rPr lang="en-US" dirty="0"/>
+              <a:t>                t=t.next;</a:t>
+            </a:r>
+          </a:p>
+          <a:p>
+            <a:pPr algn="l" rtl="0"/>
+            <a:r>
+              <a:rPr lang="en-US" dirty="0"/>
+              <a:t>            int x =t.next.data;</a:t>
+            </a:r>
+          </a:p>
+          <a:p>
+            <a:pPr algn="l" rtl="0"/>
+            <a:r>
+              <a:rPr lang="en-US" dirty="0"/>
+              <a:t>            t.next = t.next.next;</a:t>
+            </a:r>
+          </a:p>
+        </p:txBody>
+      </p:sp>
+      <p:sp>
+        <p:nvSpPr>
+          <p:cNvPr id="47" name="مربع نص 46">
+            <a:extLst>
+              <a:ext uri="{FF2B5EF4-FFF2-40B4-BE49-F238E27FC236}">
+                <a16:creationId xmlns:a16="http://schemas.microsoft.com/office/drawing/2014/main" id="{7086D4FA-F4FE-C411-7574-FD11A2671693}"/>
+              </a:ext>
+            </a:extLst>
+          </p:cNvPr>
+          <p:cNvSpPr txBox="1"/>
+          <p:nvPr/>
+        </p:nvSpPr>
+        <p:spPr>
+          <a:xfrm>
+            <a:off x="534496" y="6276113"/>
+            <a:ext cx="2178807" cy="369332"/>
+          </a:xfrm>
+          <a:prstGeom prst="rect">
+            <a:avLst/>
+          </a:prstGeom>
+          <a:noFill/>
+        </p:spPr>
+        <p:txBody>
+          <a:bodyPr wrap="square">
+            <a:spAutoFit/>
+          </a:bodyPr>
+          <a:lstStyle/>
+          <a:p>
+            <a:pPr algn="l" rtl="0"/>
+            <a:r>
+              <a:rPr lang="en-US" dirty="0"/>
+              <a:t>A.deleteFromPos(2);</a:t>
+            </a:r>
+          </a:p>
+        </p:txBody>
+      </p:sp>
+      <p:cxnSp>
+        <p:nvCxnSpPr>
+          <p:cNvPr id="52" name="رابط كسهم مستقيم 51">
+            <a:extLst>
+              <a:ext uri="{FF2B5EF4-FFF2-40B4-BE49-F238E27FC236}">
+                <a16:creationId xmlns:a16="http://schemas.microsoft.com/office/drawing/2014/main" id="{C31DB366-B9E6-D4ED-6930-C4EC943D611D}"/>
+              </a:ext>
+            </a:extLst>
+          </p:cNvPr>
+          <p:cNvCxnSpPr/>
+          <p:nvPr/>
+        </p:nvCxnSpPr>
+        <p:spPr>
+          <a:xfrm>
+            <a:off x="1352911" y="3629067"/>
+            <a:ext cx="432640" cy="952169"/>
+          </a:xfrm>
+          <a:prstGeom prst="straightConnector1">
+            <a:avLst/>
+          </a:prstGeom>
+          <a:ln>
+            <a:tailEnd type="triangle"/>
+          </a:ln>
+        </p:spPr>
+        <p:style>
+          <a:lnRef idx="1">
+            <a:schemeClr val="accent2"/>
+          </a:lnRef>
+          <a:fillRef idx="0">
+            <a:schemeClr val="accent2"/>
+          </a:fillRef>
+          <a:effectRef idx="0">
+            <a:schemeClr val="accent2"/>
+          </a:effectRef>
+          <a:fontRef idx="minor">
+            <a:schemeClr val="tx1"/>
+          </a:fontRef>
+        </p:style>
+      </p:cxnSp>
+      <p:sp>
+        <p:nvSpPr>
+          <p:cNvPr id="53" name="مربع نص 52">
+            <a:extLst>
+              <a:ext uri="{FF2B5EF4-FFF2-40B4-BE49-F238E27FC236}">
+                <a16:creationId xmlns:a16="http://schemas.microsoft.com/office/drawing/2014/main" id="{DAF9FD04-B31C-4B6B-092C-D5FA893886E8}"/>
+              </a:ext>
+            </a:extLst>
+          </p:cNvPr>
+          <p:cNvSpPr txBox="1"/>
+          <p:nvPr/>
+        </p:nvSpPr>
+        <p:spPr>
+          <a:xfrm rot="4074512">
+            <a:off x="1330990" y="3721069"/>
+            <a:ext cx="563093" cy="369332"/>
+          </a:xfrm>
+          <a:prstGeom prst="rect">
+            <a:avLst/>
+          </a:prstGeom>
+          <a:noFill/>
+        </p:spPr>
+        <p:txBody>
+          <a:bodyPr wrap="square" rtlCol="0">
+            <a:spAutoFit/>
+          </a:bodyPr>
+          <a:lstStyle/>
+          <a:p>
+            <a:r>
+              <a:rPr lang="en-US" dirty="0">
+                <a:solidFill>
+                  <a:srgbClr val="FFC000"/>
+                </a:solidFill>
+              </a:rPr>
+              <a:t>old</a:t>
+            </a:r>
+          </a:p>
+        </p:txBody>
+      </p:sp>
+      <p:sp>
+        <p:nvSpPr>
+          <p:cNvPr id="55" name="مربع نص 54">
+            <a:extLst>
+              <a:ext uri="{FF2B5EF4-FFF2-40B4-BE49-F238E27FC236}">
+                <a16:creationId xmlns:a16="http://schemas.microsoft.com/office/drawing/2014/main" id="{172FEAAE-60F9-9820-51AE-6A44969D1E3A}"/>
+              </a:ext>
+            </a:extLst>
+          </p:cNvPr>
+          <p:cNvSpPr txBox="1"/>
+          <p:nvPr/>
+        </p:nvSpPr>
+        <p:spPr>
+          <a:xfrm rot="3640773">
+            <a:off x="839225" y="3829816"/>
+            <a:ext cx="1073233" cy="369332"/>
+          </a:xfrm>
+          <a:prstGeom prst="rect">
+            <a:avLst/>
+          </a:prstGeom>
+          <a:noFill/>
+        </p:spPr>
+        <p:txBody>
+          <a:bodyPr wrap="square" rtlCol="0">
+            <a:spAutoFit/>
+          </a:bodyPr>
+          <a:lstStyle/>
+          <a:p>
+            <a:r>
+              <a:rPr lang="en-US" dirty="0">
+                <a:solidFill>
+                  <a:srgbClr val="FFC000"/>
+                </a:solidFill>
+              </a:rPr>
+              <a:t>t.next</a:t>
+            </a:r>
+          </a:p>
+        </p:txBody>
+      </p:sp>
+      <p:sp>
+        <p:nvSpPr>
+          <p:cNvPr id="56" name="مربع نص 55">
+            <a:extLst>
+              <a:ext uri="{FF2B5EF4-FFF2-40B4-BE49-F238E27FC236}">
+                <a16:creationId xmlns:a16="http://schemas.microsoft.com/office/drawing/2014/main" id="{73567A60-3370-3C9E-EFCE-A68F871CE074}"/>
+              </a:ext>
+            </a:extLst>
+          </p:cNvPr>
+          <p:cNvSpPr txBox="1"/>
+          <p:nvPr/>
+        </p:nvSpPr>
+        <p:spPr>
+          <a:xfrm rot="19728160">
+            <a:off x="966272" y="3056334"/>
+            <a:ext cx="1763383" cy="369332"/>
+          </a:xfrm>
+          <a:prstGeom prst="rect">
+            <a:avLst/>
+          </a:prstGeom>
+          <a:noFill/>
+        </p:spPr>
+        <p:txBody>
+          <a:bodyPr wrap="square" rtlCol="0">
+            <a:spAutoFit/>
+          </a:bodyPr>
+          <a:lstStyle/>
+          <a:p>
+            <a:r>
+              <a:rPr lang="en-US" dirty="0">
+                <a:solidFill>
+                  <a:srgbClr val="92D050"/>
+                </a:solidFill>
+              </a:rPr>
+              <a:t>t.next.next</a:t>
+            </a:r>
+          </a:p>
+        </p:txBody>
+      </p:sp>
+      <p:sp>
+        <p:nvSpPr>
+          <p:cNvPr id="57" name="مربع نص 56">
+            <a:extLst>
+              <a:ext uri="{FF2B5EF4-FFF2-40B4-BE49-F238E27FC236}">
+                <a16:creationId xmlns:a16="http://schemas.microsoft.com/office/drawing/2014/main" id="{0369450F-9714-38E9-6355-FB1E234126D9}"/>
+              </a:ext>
+            </a:extLst>
+          </p:cNvPr>
+          <p:cNvSpPr txBox="1"/>
+          <p:nvPr/>
+        </p:nvSpPr>
+        <p:spPr>
+          <a:xfrm>
+            <a:off x="41136" y="210804"/>
+            <a:ext cx="2450231" cy="369332"/>
+          </a:xfrm>
+          <a:prstGeom prst="rect">
+            <a:avLst/>
+          </a:prstGeom>
+          <a:noFill/>
+        </p:spPr>
+        <p:txBody>
+          <a:bodyPr wrap="square" rtlCol="0">
+            <a:spAutoFit/>
+          </a:bodyPr>
+          <a:lstStyle/>
+          <a:p>
+            <a:pPr algn="l" rtl="0"/>
+            <a:r>
+              <a:rPr lang="en-US" dirty="0"/>
+              <a:t>Singly Linked List 03</a:t>
+            </a:r>
+          </a:p>
+        </p:txBody>
+      </p:sp>
+    </p:spTree>
+    <p:extLst>
+      <p:ext uri="{BB962C8B-B14F-4D97-AF65-F5344CB8AC3E}">
+        <p14:creationId xmlns:p14="http://schemas.microsoft.com/office/powerpoint/2010/main" val="3524285017"/>
       </p:ext>
     </p:extLst>
   </p:cSld>
@@ -15140,15 +22871,7 @@
             <a:pPr algn="l" rtl="0"/>
             <a:r>
               <a:rPr lang="en-US" dirty="0"/>
-              <a:t>For(</a:t>
-            </a:r>
-            <a:r>
-              <a:rPr lang="en-US" dirty="0" err="1"/>
-              <a:t>i</a:t>
-            </a:r>
-            <a:r>
-              <a:rPr lang="en-US" dirty="0"/>
-              <a:t>=1;i&lt;</a:t>
+              <a:t>For(i=1;i&lt;</a:t>
             </a:r>
             <a:r>
               <a:rPr lang="en-US" dirty="0" err="1"/>
@@ -18580,7 +26303,7 @@
         <p:spPr>
           <a:xfrm>
             <a:off x="4581236" y="499668"/>
-            <a:ext cx="0" cy="321598"/>
+            <a:ext cx="1237673" cy="728768"/>
           </a:xfrm>
           <a:prstGeom prst="straightConnector1">
             <a:avLst/>
@@ -20353,6 +28076,45 @@
           </a:p>
         </p:txBody>
       </p:sp>
+      <p:cxnSp>
+        <p:nvCxnSpPr>
+          <p:cNvPr id="6" name="رابط كسهم مستقيم 5">
+            <a:extLst>
+              <a:ext uri="{FF2B5EF4-FFF2-40B4-BE49-F238E27FC236}">
+                <a16:creationId xmlns:a16="http://schemas.microsoft.com/office/drawing/2014/main" id="{D05FBD05-5354-508C-6F33-97497C83397E}"/>
+              </a:ext>
+            </a:extLst>
+          </p:cNvPr>
+          <p:cNvCxnSpPr/>
+          <p:nvPr/>
+        </p:nvCxnSpPr>
+        <p:spPr>
+          <a:xfrm>
+            <a:off x="4322618" y="3643736"/>
+            <a:ext cx="0" cy="327900"/>
+          </a:xfrm>
+          <a:prstGeom prst="straightConnector1">
+            <a:avLst/>
+          </a:prstGeom>
+          <a:ln>
+            <a:tailEnd type="triangle"/>
+          </a:ln>
+        </p:spPr>
+        <p:style>
+          <a:lnRef idx="1">
+            <a:schemeClr val="accent1"/>
+          </a:lnRef>
+          <a:fillRef idx="0">
+            <a:schemeClr val="accent1"/>
+          </a:fillRef>
+          <a:effectRef idx="0">
+            <a:schemeClr val="accent1"/>
+          </a:effectRef>
+          <a:fontRef idx="minor">
+            <a:schemeClr val="tx1"/>
+          </a:fontRef>
+        </p:style>
+      </p:cxnSp>
     </p:spTree>
     <p:extLst>
       <p:ext uri="{BB962C8B-B14F-4D97-AF65-F5344CB8AC3E}">
